--- a/Team6_FinalPresentationSlides.pptx
+++ b/Team6_FinalPresentationSlides.pptx
@@ -3,15 +3,21 @@
 <p:presentation xmlns:a="http://schemas.openxmlformats.org/drawingml/2006/main" xmlns:r="http://schemas.openxmlformats.org/officeDocument/2006/relationships" xmlns:p="http://schemas.openxmlformats.org/presentationml/2006/main" saveSubsetFonts="1">
   <p:sldMasterIdLst>
     <p:sldMasterId id="2147483923" r:id="rId1"/>
+    <p:sldMasterId id="2147483935" r:id="rId2"/>
   </p:sldMasterIdLst>
+  <p:notesMasterIdLst>
+    <p:notesMasterId r:id="rId12"/>
+  </p:notesMasterIdLst>
   <p:sldIdLst>
-    <p:sldId id="256" r:id="rId2"/>
-    <p:sldId id="257" r:id="rId3"/>
-    <p:sldId id="262" r:id="rId4"/>
-    <p:sldId id="259" r:id="rId5"/>
-    <p:sldId id="260" r:id="rId6"/>
-    <p:sldId id="261" r:id="rId7"/>
-    <p:sldId id="263" r:id="rId8"/>
+    <p:sldId id="256" r:id="rId3"/>
+    <p:sldId id="257" r:id="rId4"/>
+    <p:sldId id="265" r:id="rId5"/>
+    <p:sldId id="267" r:id="rId6"/>
+    <p:sldId id="259" r:id="rId7"/>
+    <p:sldId id="260" r:id="rId8"/>
+    <p:sldId id="261" r:id="rId9"/>
+    <p:sldId id="266" r:id="rId10"/>
+    <p:sldId id="263" r:id="rId11"/>
   </p:sldIdLst>
   <p:sldSz cx="12192000" cy="6858000"/>
   <p:notesSz cx="6858000" cy="9144000"/>
@@ -118,6 +124,493 @@
 </p:presentation>
 </file>
 
+<file path=ppt/changesInfos/changesInfo1.xml><?xml version="1.0" encoding="utf-8"?>
+<pc:chgInfo xmlns:a="http://schemas.openxmlformats.org/drawingml/2006/main" xmlns:r="http://schemas.openxmlformats.org/officeDocument/2006/relationships" xmlns:ac="http://schemas.microsoft.com/office/drawing/2013/main/command" xmlns:pc="http://schemas.microsoft.com/office/powerpoint/2013/main/command">
+  <pc:docChgLst>
+    <pc:chgData name="bhanu bhattarai" userId="634ad2964c378b67" providerId="LiveId" clId="{EBCF36FE-BF5E-48F3-99B8-592C025BB970}"/>
+    <pc:docChg chg="custSel modSld">
+      <pc:chgData name="bhanu bhattarai" userId="634ad2964c378b67" providerId="LiveId" clId="{EBCF36FE-BF5E-48F3-99B8-592C025BB970}" dt="2021-07-27T01:46:11.391" v="291" actId="20577"/>
+      <pc:docMkLst>
+        <pc:docMk/>
+      </pc:docMkLst>
+      <pc:sldChg chg="modSp mod">
+        <pc:chgData name="bhanu bhattarai" userId="634ad2964c378b67" providerId="LiveId" clId="{EBCF36FE-BF5E-48F3-99B8-592C025BB970}" dt="2021-07-27T01:46:11.391" v="291" actId="20577"/>
+        <pc:sldMkLst>
+          <pc:docMk/>
+          <pc:sldMk cId="1881153421" sldId="265"/>
+        </pc:sldMkLst>
+        <pc:spChg chg="mod">
+          <ac:chgData name="bhanu bhattarai" userId="634ad2964c378b67" providerId="LiveId" clId="{EBCF36FE-BF5E-48F3-99B8-592C025BB970}" dt="2021-07-27T01:46:11.391" v="291" actId="20577"/>
+          <ac:spMkLst>
+            <pc:docMk/>
+            <pc:sldMk cId="1881153421" sldId="265"/>
+            <ac:spMk id="101" creationId="{00000000-0000-0000-0000-000000000000}"/>
+          </ac:spMkLst>
+        </pc:spChg>
+      </pc:sldChg>
+    </pc:docChg>
+  </pc:docChgLst>
+</pc:chgInfo>
+</file>
+
+<file path=ppt/notesMasters/notesMaster1.xml><?xml version="1.0" encoding="utf-8"?>
+<p:notesMaster xmlns:a="http://schemas.openxmlformats.org/drawingml/2006/main" xmlns:r="http://schemas.openxmlformats.org/officeDocument/2006/relationships" xmlns:p="http://schemas.openxmlformats.org/presentationml/2006/main">
+  <p:cSld>
+    <p:bg>
+      <p:bgRef idx="1001">
+        <a:schemeClr val="bg1"/>
+      </p:bgRef>
+    </p:bg>
+    <p:spTree>
+      <p:nvGrpSpPr>
+        <p:cNvPr id="1" name=""/>
+        <p:cNvGrpSpPr/>
+        <p:nvPr/>
+      </p:nvGrpSpPr>
+      <p:grpSpPr>
+        <a:xfrm>
+          <a:off x="0" y="0"/>
+          <a:ext cx="0" cy="0"/>
+          <a:chOff x="0" y="0"/>
+          <a:chExt cx="0" cy="0"/>
+        </a:xfrm>
+      </p:grpSpPr>
+      <p:sp>
+        <p:nvSpPr>
+          <p:cNvPr id="2" name="Header Placeholder 1"/>
+          <p:cNvSpPr>
+            <a:spLocks noGrp="1"/>
+          </p:cNvSpPr>
+          <p:nvPr>
+            <p:ph type="hdr" sz="quarter"/>
+          </p:nvPr>
+        </p:nvSpPr>
+        <p:spPr>
+          <a:xfrm>
+            <a:off x="0" y="0"/>
+            <a:ext cx="2971800" cy="458788"/>
+          </a:xfrm>
+          <a:prstGeom prst="rect">
+            <a:avLst/>
+          </a:prstGeom>
+        </p:spPr>
+        <p:txBody>
+          <a:bodyPr vert="horz" lIns="91440" tIns="45720" rIns="91440" bIns="45720" rtlCol="0"/>
+          <a:lstStyle>
+            <a:lvl1pPr algn="l">
+              <a:defRPr sz="1200"/>
+            </a:lvl1pPr>
+          </a:lstStyle>
+          <a:p>
+            <a:endParaRPr lang="en-US"/>
+          </a:p>
+        </p:txBody>
+      </p:sp>
+      <p:sp>
+        <p:nvSpPr>
+          <p:cNvPr id="3" name="Date Placeholder 2"/>
+          <p:cNvSpPr>
+            <a:spLocks noGrp="1"/>
+          </p:cNvSpPr>
+          <p:nvPr>
+            <p:ph type="dt" idx="1"/>
+          </p:nvPr>
+        </p:nvSpPr>
+        <p:spPr>
+          <a:xfrm>
+            <a:off x="3884613" y="0"/>
+            <a:ext cx="2971800" cy="458788"/>
+          </a:xfrm>
+          <a:prstGeom prst="rect">
+            <a:avLst/>
+          </a:prstGeom>
+        </p:spPr>
+        <p:txBody>
+          <a:bodyPr vert="horz" lIns="91440" tIns="45720" rIns="91440" bIns="45720" rtlCol="0"/>
+          <a:lstStyle>
+            <a:lvl1pPr algn="r">
+              <a:defRPr sz="1200"/>
+            </a:lvl1pPr>
+          </a:lstStyle>
+          <a:p>
+            <a:fld id="{ABA17E0E-473A-4F69-98F2-6CDC8D31DF20}" type="datetimeFigureOut">
+              <a:rPr lang="en-US" smtClean="0"/>
+              <a:t>7/26/2021</a:t>
+            </a:fld>
+            <a:endParaRPr lang="en-US"/>
+          </a:p>
+        </p:txBody>
+      </p:sp>
+      <p:sp>
+        <p:nvSpPr>
+          <p:cNvPr id="4" name="Slide Image Placeholder 3"/>
+          <p:cNvSpPr>
+            <a:spLocks noGrp="1" noRot="1" noChangeAspect="1"/>
+          </p:cNvSpPr>
+          <p:nvPr>
+            <p:ph type="sldImg" idx="2"/>
+          </p:nvPr>
+        </p:nvSpPr>
+        <p:spPr>
+          <a:xfrm>
+            <a:off x="685800" y="1143000"/>
+            <a:ext cx="5486400" cy="3086100"/>
+          </a:xfrm>
+          <a:prstGeom prst="rect">
+            <a:avLst/>
+          </a:prstGeom>
+          <a:noFill/>
+          <a:ln w="12700">
+            <a:solidFill>
+              <a:prstClr val="black"/>
+            </a:solidFill>
+          </a:ln>
+        </p:spPr>
+        <p:txBody>
+          <a:bodyPr vert="horz" lIns="91440" tIns="45720" rIns="91440" bIns="45720" rtlCol="0" anchor="ctr"/>
+          <a:lstStyle/>
+          <a:p>
+            <a:endParaRPr lang="en-US"/>
+          </a:p>
+        </p:txBody>
+      </p:sp>
+      <p:sp>
+        <p:nvSpPr>
+          <p:cNvPr id="5" name="Notes Placeholder 4"/>
+          <p:cNvSpPr>
+            <a:spLocks noGrp="1"/>
+          </p:cNvSpPr>
+          <p:nvPr>
+            <p:ph type="body" sz="quarter" idx="3"/>
+          </p:nvPr>
+        </p:nvSpPr>
+        <p:spPr>
+          <a:xfrm>
+            <a:off x="685800" y="4400550"/>
+            <a:ext cx="5486400" cy="3600450"/>
+          </a:xfrm>
+          <a:prstGeom prst="rect">
+            <a:avLst/>
+          </a:prstGeom>
+        </p:spPr>
+        <p:txBody>
+          <a:bodyPr vert="horz" lIns="91440" tIns="45720" rIns="91440" bIns="45720" rtlCol="0"/>
+          <a:lstStyle/>
+          <a:p>
+            <a:pPr lvl="0"/>
+            <a:r>
+              <a:rPr lang="en-US"/>
+              <a:t>Click to edit Master text styles</a:t>
+            </a:r>
+          </a:p>
+          <a:p>
+            <a:pPr lvl="1"/>
+            <a:r>
+              <a:rPr lang="en-US"/>
+              <a:t>Second level</a:t>
+            </a:r>
+          </a:p>
+          <a:p>
+            <a:pPr lvl="2"/>
+            <a:r>
+              <a:rPr lang="en-US"/>
+              <a:t>Third level</a:t>
+            </a:r>
+          </a:p>
+          <a:p>
+            <a:pPr lvl="3"/>
+            <a:r>
+              <a:rPr lang="en-US"/>
+              <a:t>Fourth level</a:t>
+            </a:r>
+          </a:p>
+          <a:p>
+            <a:pPr lvl="4"/>
+            <a:r>
+              <a:rPr lang="en-US"/>
+              <a:t>Fifth level</a:t>
+            </a:r>
+          </a:p>
+        </p:txBody>
+      </p:sp>
+      <p:sp>
+        <p:nvSpPr>
+          <p:cNvPr id="6" name="Footer Placeholder 5"/>
+          <p:cNvSpPr>
+            <a:spLocks noGrp="1"/>
+          </p:cNvSpPr>
+          <p:nvPr>
+            <p:ph type="ftr" sz="quarter" idx="4"/>
+          </p:nvPr>
+        </p:nvSpPr>
+        <p:spPr>
+          <a:xfrm>
+            <a:off x="0" y="8685213"/>
+            <a:ext cx="2971800" cy="458787"/>
+          </a:xfrm>
+          <a:prstGeom prst="rect">
+            <a:avLst/>
+          </a:prstGeom>
+        </p:spPr>
+        <p:txBody>
+          <a:bodyPr vert="horz" lIns="91440" tIns="45720" rIns="91440" bIns="45720" rtlCol="0" anchor="b"/>
+          <a:lstStyle>
+            <a:lvl1pPr algn="l">
+              <a:defRPr sz="1200"/>
+            </a:lvl1pPr>
+          </a:lstStyle>
+          <a:p>
+            <a:endParaRPr lang="en-US"/>
+          </a:p>
+        </p:txBody>
+      </p:sp>
+      <p:sp>
+        <p:nvSpPr>
+          <p:cNvPr id="7" name="Slide Number Placeholder 6"/>
+          <p:cNvSpPr>
+            <a:spLocks noGrp="1"/>
+          </p:cNvSpPr>
+          <p:nvPr>
+            <p:ph type="sldNum" sz="quarter" idx="5"/>
+          </p:nvPr>
+        </p:nvSpPr>
+        <p:spPr>
+          <a:xfrm>
+            <a:off x="3884613" y="8685213"/>
+            <a:ext cx="2971800" cy="458787"/>
+          </a:xfrm>
+          <a:prstGeom prst="rect">
+            <a:avLst/>
+          </a:prstGeom>
+        </p:spPr>
+        <p:txBody>
+          <a:bodyPr vert="horz" lIns="91440" tIns="45720" rIns="91440" bIns="45720" rtlCol="0" anchor="b"/>
+          <a:lstStyle>
+            <a:lvl1pPr algn="r">
+              <a:defRPr sz="1200"/>
+            </a:lvl1pPr>
+          </a:lstStyle>
+          <a:p>
+            <a:fld id="{14BAB418-8954-454A-B384-BBA6BF7A469D}" type="slidenum">
+              <a:rPr lang="en-US" smtClean="0"/>
+              <a:t>‹#›</a:t>
+            </a:fld>
+            <a:endParaRPr lang="en-US"/>
+          </a:p>
+        </p:txBody>
+      </p:sp>
+    </p:spTree>
+    <p:extLst>
+      <p:ext uri="{BB962C8B-B14F-4D97-AF65-F5344CB8AC3E}">
+        <p14:creationId xmlns:p14="http://schemas.microsoft.com/office/powerpoint/2010/main" val="3137412231"/>
+      </p:ext>
+    </p:extLst>
+  </p:cSld>
+  <p:clrMap bg1="lt1" tx1="dk1" bg2="lt2" tx2="dk2" accent1="accent1" accent2="accent2" accent3="accent3" accent4="accent4" accent5="accent5" accent6="accent6" hlink="hlink" folHlink="folHlink"/>
+  <p:notesStyle>
+    <a:lvl1pPr marL="0" algn="l" defTabSz="914400" rtl="0" eaLnBrk="1" latinLnBrk="0" hangingPunct="1">
+      <a:defRPr sz="1200" kern="1200">
+        <a:solidFill>
+          <a:schemeClr val="tx1"/>
+        </a:solidFill>
+        <a:latin typeface="+mn-lt"/>
+        <a:ea typeface="+mn-ea"/>
+        <a:cs typeface="+mn-cs"/>
+      </a:defRPr>
+    </a:lvl1pPr>
+    <a:lvl2pPr marL="457200" algn="l" defTabSz="914400" rtl="0" eaLnBrk="1" latinLnBrk="0" hangingPunct="1">
+      <a:defRPr sz="1200" kern="1200">
+        <a:solidFill>
+          <a:schemeClr val="tx1"/>
+        </a:solidFill>
+        <a:latin typeface="+mn-lt"/>
+        <a:ea typeface="+mn-ea"/>
+        <a:cs typeface="+mn-cs"/>
+      </a:defRPr>
+    </a:lvl2pPr>
+    <a:lvl3pPr marL="914400" algn="l" defTabSz="914400" rtl="0" eaLnBrk="1" latinLnBrk="0" hangingPunct="1">
+      <a:defRPr sz="1200" kern="1200">
+        <a:solidFill>
+          <a:schemeClr val="tx1"/>
+        </a:solidFill>
+        <a:latin typeface="+mn-lt"/>
+        <a:ea typeface="+mn-ea"/>
+        <a:cs typeface="+mn-cs"/>
+      </a:defRPr>
+    </a:lvl3pPr>
+    <a:lvl4pPr marL="1371600" algn="l" defTabSz="914400" rtl="0" eaLnBrk="1" latinLnBrk="0" hangingPunct="1">
+      <a:defRPr sz="1200" kern="1200">
+        <a:solidFill>
+          <a:schemeClr val="tx1"/>
+        </a:solidFill>
+        <a:latin typeface="+mn-lt"/>
+        <a:ea typeface="+mn-ea"/>
+        <a:cs typeface="+mn-cs"/>
+      </a:defRPr>
+    </a:lvl4pPr>
+    <a:lvl5pPr marL="1828800" algn="l" defTabSz="914400" rtl="0" eaLnBrk="1" latinLnBrk="0" hangingPunct="1">
+      <a:defRPr sz="1200" kern="1200">
+        <a:solidFill>
+          <a:schemeClr val="tx1"/>
+        </a:solidFill>
+        <a:latin typeface="+mn-lt"/>
+        <a:ea typeface="+mn-ea"/>
+        <a:cs typeface="+mn-cs"/>
+      </a:defRPr>
+    </a:lvl5pPr>
+    <a:lvl6pPr marL="2286000" algn="l" defTabSz="914400" rtl="0" eaLnBrk="1" latinLnBrk="0" hangingPunct="1">
+      <a:defRPr sz="1200" kern="1200">
+        <a:solidFill>
+          <a:schemeClr val="tx1"/>
+        </a:solidFill>
+        <a:latin typeface="+mn-lt"/>
+        <a:ea typeface="+mn-ea"/>
+        <a:cs typeface="+mn-cs"/>
+      </a:defRPr>
+    </a:lvl6pPr>
+    <a:lvl7pPr marL="2743200" algn="l" defTabSz="914400" rtl="0" eaLnBrk="1" latinLnBrk="0" hangingPunct="1">
+      <a:defRPr sz="1200" kern="1200">
+        <a:solidFill>
+          <a:schemeClr val="tx1"/>
+        </a:solidFill>
+        <a:latin typeface="+mn-lt"/>
+        <a:ea typeface="+mn-ea"/>
+        <a:cs typeface="+mn-cs"/>
+      </a:defRPr>
+    </a:lvl7pPr>
+    <a:lvl8pPr marL="3200400" algn="l" defTabSz="914400" rtl="0" eaLnBrk="1" latinLnBrk="0" hangingPunct="1">
+      <a:defRPr sz="1200" kern="1200">
+        <a:solidFill>
+          <a:schemeClr val="tx1"/>
+        </a:solidFill>
+        <a:latin typeface="+mn-lt"/>
+        <a:ea typeface="+mn-ea"/>
+        <a:cs typeface="+mn-cs"/>
+      </a:defRPr>
+    </a:lvl8pPr>
+    <a:lvl9pPr marL="3657600" algn="l" defTabSz="914400" rtl="0" eaLnBrk="1" latinLnBrk="0" hangingPunct="1">
+      <a:defRPr sz="1200" kern="1200">
+        <a:solidFill>
+          <a:schemeClr val="tx1"/>
+        </a:solidFill>
+        <a:latin typeface="+mn-lt"/>
+        <a:ea typeface="+mn-ea"/>
+        <a:cs typeface="+mn-cs"/>
+      </a:defRPr>
+    </a:lvl9pPr>
+  </p:notesStyle>
+</p:notesMaster>
+</file>
+
+<file path=ppt/notesSlides/notesSlide1.xml><?xml version="1.0" encoding="utf-8"?>
+<p:notes xmlns:a="http://schemas.openxmlformats.org/drawingml/2006/main" xmlns:r="http://schemas.openxmlformats.org/officeDocument/2006/relationships" xmlns:p="http://schemas.openxmlformats.org/presentationml/2006/main" showMasterSp="0" showMasterPhAnim="0">
+  <p:cSld>
+    <p:spTree>
+      <p:nvGrpSpPr>
+        <p:cNvPr id="1" name="Shape 55"/>
+        <p:cNvGrpSpPr/>
+        <p:nvPr/>
+      </p:nvGrpSpPr>
+      <p:grpSpPr>
+        <a:xfrm>
+          <a:off x="0" y="0"/>
+          <a:ext cx="0" cy="0"/>
+          <a:chOff x="0" y="0"/>
+          <a:chExt cx="0" cy="0"/>
+        </a:xfrm>
+      </p:grpSpPr>
+      <p:sp>
+        <p:nvSpPr>
+          <p:cNvPr id="56" name="Google Shape;56;p1:notes"/>
+          <p:cNvSpPr txBox="1">
+            <a:spLocks noGrp="1"/>
+          </p:cNvSpPr>
+          <p:nvPr>
+            <p:ph type="body" idx="1"/>
+          </p:nvPr>
+        </p:nvSpPr>
+        <p:spPr>
+          <a:xfrm>
+            <a:off x="914400" y="4343400"/>
+            <a:ext cx="5029200" cy="4114800"/>
+          </a:xfrm>
+          <a:prstGeom prst="rect">
+            <a:avLst/>
+          </a:prstGeom>
+        </p:spPr>
+        <p:txBody>
+          <a:bodyPr spcFirstLastPara="1" wrap="square" lIns="91425" tIns="45700" rIns="91425" bIns="45700" anchor="t" anchorCtr="0">
+            <a:noAutofit/>
+          </a:bodyPr>
+          <a:lstStyle/>
+          <a:p>
+            <a:pPr marL="0" lvl="0" indent="0" algn="l" rtl="0">
+              <a:spcBef>
+                <a:spcPts val="0"/>
+              </a:spcBef>
+              <a:spcAft>
+                <a:spcPts val="0"/>
+              </a:spcAft>
+              <a:buNone/>
+            </a:pPr>
+            <a:endParaRPr/>
+          </a:p>
+        </p:txBody>
+      </p:sp>
+      <p:sp>
+        <p:nvSpPr>
+          <p:cNvPr id="57" name="Google Shape;57;p1:notes"/>
+          <p:cNvSpPr>
+            <a:spLocks noGrp="1" noRot="1" noChangeAspect="1"/>
+          </p:cNvSpPr>
+          <p:nvPr>
+            <p:ph type="sldImg" idx="2"/>
+          </p:nvPr>
+        </p:nvSpPr>
+        <p:spPr>
+          <a:xfrm>
+            <a:off x="381000" y="685800"/>
+            <a:ext cx="6096000" cy="3429000"/>
+          </a:xfrm>
+          <a:custGeom>
+            <a:avLst/>
+            <a:gdLst/>
+            <a:ahLst/>
+            <a:cxnLst/>
+            <a:rect l="l" t="t" r="r" b="b"/>
+            <a:pathLst>
+              <a:path w="120000" h="120000" extrusionOk="0">
+                <a:moveTo>
+                  <a:pt x="0" y="0"/>
+                </a:moveTo>
+                <a:lnTo>
+                  <a:pt x="120000" y="0"/>
+                </a:lnTo>
+                <a:lnTo>
+                  <a:pt x="120000" y="120000"/>
+                </a:lnTo>
+                <a:lnTo>
+                  <a:pt x="0" y="120000"/>
+                </a:lnTo>
+                <a:close/>
+              </a:path>
+            </a:pathLst>
+          </a:custGeom>
+        </p:spPr>
+      </p:sp>
+    </p:spTree>
+    <p:extLst>
+      <p:ext uri="{BB962C8B-B14F-4D97-AF65-F5344CB8AC3E}">
+        <p14:creationId xmlns:p14="http://schemas.microsoft.com/office/powerpoint/2010/main" val="268368795"/>
+      </p:ext>
+    </p:extLst>
+  </p:cSld>
+  <p:clrMapOvr>
+    <a:masterClrMapping/>
+  </p:clrMapOvr>
+</p:notes>
+</file>
+
 <file path=ppt/slideLayouts/slideLayout1.xml><?xml version="1.0" encoding="utf-8"?>
 <p:sldLayout xmlns:a="http://schemas.openxmlformats.org/drawingml/2006/main" xmlns:r="http://schemas.openxmlformats.org/officeDocument/2006/relationships" xmlns:p="http://schemas.openxmlformats.org/presentationml/2006/main" showMasterSp="0" type="title" preserve="1">
   <p:cSld name="Title Slide">
@@ -308,7 +801,7 @@
           <a:p>
             <a:fld id="{BFDC4DB0-EC48-40B4-A601-29BA5248A7BA}" type="datetimeFigureOut">
               <a:rPr lang="en-US" smtClean="0"/>
-              <a:t>7/12/2021</a:t>
+              <a:t>7/26/2021</a:t>
             </a:fld>
             <a:endParaRPr lang="en-US"/>
           </a:p>
@@ -513,7 +1006,7 @@
           <a:p>
             <a:fld id="{BFDC4DB0-EC48-40B4-A601-29BA5248A7BA}" type="datetimeFigureOut">
               <a:rPr lang="en-US" smtClean="0"/>
-              <a:t>7/12/2021</a:t>
+              <a:t>7/26/2021</a:t>
             </a:fld>
             <a:endParaRPr lang="en-US"/>
           </a:p>
@@ -693,7 +1186,7 @@
           <a:p>
             <a:fld id="{BFDC4DB0-EC48-40B4-A601-29BA5248A7BA}" type="datetimeFigureOut">
               <a:rPr lang="en-US" smtClean="0"/>
-              <a:t>7/12/2021</a:t>
+              <a:t>7/26/2021</a:t>
             </a:fld>
             <a:endParaRPr lang="en-US"/>
           </a:p>
@@ -789,6 +1282,283 @@
 </p:sldLayout>
 </file>
 
+<file path=ppt/slideLayouts/slideLayout12.xml><?xml version="1.0" encoding="utf-8"?>
+<p:sldLayout xmlns:a="http://schemas.openxmlformats.org/drawingml/2006/main" xmlns:r="http://schemas.openxmlformats.org/officeDocument/2006/relationships" xmlns:p="http://schemas.openxmlformats.org/presentationml/2006/main" matchingName="Blank" type="tx">
+  <p:cSld name="Blank">
+    <p:spTree>
+      <p:nvGrpSpPr>
+        <p:cNvPr id="1" name="Shape 9"/>
+        <p:cNvGrpSpPr/>
+        <p:nvPr/>
+      </p:nvGrpSpPr>
+      <p:grpSpPr>
+        <a:xfrm>
+          <a:off x="0" y="0"/>
+          <a:ext cx="0" cy="0"/>
+          <a:chOff x="0" y="0"/>
+          <a:chExt cx="0" cy="0"/>
+        </a:xfrm>
+      </p:grpSpPr>
+      <p:sp>
+        <p:nvSpPr>
+          <p:cNvPr id="10" name="Google Shape;10;p2"/>
+          <p:cNvSpPr txBox="1">
+            <a:spLocks noGrp="1"/>
+          </p:cNvSpPr>
+          <p:nvPr>
+            <p:ph type="sldNum" idx="12"/>
+          </p:nvPr>
+        </p:nvSpPr>
+        <p:spPr>
+          <a:xfrm>
+            <a:off x="5933329" y="6536531"/>
+            <a:ext cx="318993" cy="228028"/>
+          </a:xfrm>
+          <a:prstGeom prst="rect">
+            <a:avLst/>
+          </a:prstGeom>
+          <a:noFill/>
+          <a:ln>
+            <a:noFill/>
+          </a:ln>
+        </p:spPr>
+        <p:txBody>
+          <a:bodyPr spcFirstLastPara="1" wrap="square" lIns="50800" tIns="50800" rIns="50800" bIns="50800" anchor="t" anchorCtr="0">
+            <a:noAutofit/>
+          </a:bodyPr>
+          <a:lstStyle>
+            <a:lvl1pPr marL="0" lvl="0" indent="0" algn="ctr">
+              <a:lnSpc>
+                <a:spcPct val="100000"/>
+              </a:lnSpc>
+              <a:spcBef>
+                <a:spcPts val="0"/>
+              </a:spcBef>
+              <a:spcAft>
+                <a:spcPts val="0"/>
+              </a:spcAft>
+              <a:buClr>
+                <a:srgbClr val="000000"/>
+              </a:buClr>
+              <a:buSzPts val="1600"/>
+              <a:buFont typeface="Helvetica Neue Light"/>
+              <a:buNone/>
+              <a:defRPr sz="1125" b="0">
+                <a:latin typeface="Helvetica Neue Light"/>
+                <a:ea typeface="Helvetica Neue Light"/>
+                <a:cs typeface="Helvetica Neue Light"/>
+                <a:sym typeface="Helvetica Neue Light"/>
+              </a:defRPr>
+            </a:lvl1pPr>
+            <a:lvl2pPr marL="0" lvl="1" indent="0" algn="ctr">
+              <a:lnSpc>
+                <a:spcPct val="100000"/>
+              </a:lnSpc>
+              <a:spcBef>
+                <a:spcPts val="0"/>
+              </a:spcBef>
+              <a:spcAft>
+                <a:spcPts val="0"/>
+              </a:spcAft>
+              <a:buClr>
+                <a:srgbClr val="000000"/>
+              </a:buClr>
+              <a:buSzPts val="1600"/>
+              <a:buFont typeface="Helvetica Neue Light"/>
+              <a:buNone/>
+              <a:defRPr sz="1125" b="0">
+                <a:latin typeface="Helvetica Neue Light"/>
+                <a:ea typeface="Helvetica Neue Light"/>
+                <a:cs typeface="Helvetica Neue Light"/>
+                <a:sym typeface="Helvetica Neue Light"/>
+              </a:defRPr>
+            </a:lvl2pPr>
+            <a:lvl3pPr marL="0" lvl="2" indent="0" algn="ctr">
+              <a:lnSpc>
+                <a:spcPct val="100000"/>
+              </a:lnSpc>
+              <a:spcBef>
+                <a:spcPts val="0"/>
+              </a:spcBef>
+              <a:spcAft>
+                <a:spcPts val="0"/>
+              </a:spcAft>
+              <a:buClr>
+                <a:srgbClr val="000000"/>
+              </a:buClr>
+              <a:buSzPts val="1600"/>
+              <a:buFont typeface="Helvetica Neue Light"/>
+              <a:buNone/>
+              <a:defRPr sz="1125" b="0">
+                <a:latin typeface="Helvetica Neue Light"/>
+                <a:ea typeface="Helvetica Neue Light"/>
+                <a:cs typeface="Helvetica Neue Light"/>
+                <a:sym typeface="Helvetica Neue Light"/>
+              </a:defRPr>
+            </a:lvl3pPr>
+            <a:lvl4pPr marL="0" lvl="3" indent="0" algn="ctr">
+              <a:lnSpc>
+                <a:spcPct val="100000"/>
+              </a:lnSpc>
+              <a:spcBef>
+                <a:spcPts val="0"/>
+              </a:spcBef>
+              <a:spcAft>
+                <a:spcPts val="0"/>
+              </a:spcAft>
+              <a:buClr>
+                <a:srgbClr val="000000"/>
+              </a:buClr>
+              <a:buSzPts val="1600"/>
+              <a:buFont typeface="Helvetica Neue Light"/>
+              <a:buNone/>
+              <a:defRPr sz="1125" b="0">
+                <a:latin typeface="Helvetica Neue Light"/>
+                <a:ea typeface="Helvetica Neue Light"/>
+                <a:cs typeface="Helvetica Neue Light"/>
+                <a:sym typeface="Helvetica Neue Light"/>
+              </a:defRPr>
+            </a:lvl4pPr>
+            <a:lvl5pPr marL="0" lvl="4" indent="0" algn="ctr">
+              <a:lnSpc>
+                <a:spcPct val="100000"/>
+              </a:lnSpc>
+              <a:spcBef>
+                <a:spcPts val="0"/>
+              </a:spcBef>
+              <a:spcAft>
+                <a:spcPts val="0"/>
+              </a:spcAft>
+              <a:buClr>
+                <a:srgbClr val="000000"/>
+              </a:buClr>
+              <a:buSzPts val="1600"/>
+              <a:buFont typeface="Helvetica Neue Light"/>
+              <a:buNone/>
+              <a:defRPr sz="1125" b="0">
+                <a:latin typeface="Helvetica Neue Light"/>
+                <a:ea typeface="Helvetica Neue Light"/>
+                <a:cs typeface="Helvetica Neue Light"/>
+                <a:sym typeface="Helvetica Neue Light"/>
+              </a:defRPr>
+            </a:lvl5pPr>
+            <a:lvl6pPr marL="0" lvl="5" indent="0" algn="ctr">
+              <a:lnSpc>
+                <a:spcPct val="100000"/>
+              </a:lnSpc>
+              <a:spcBef>
+                <a:spcPts val="0"/>
+              </a:spcBef>
+              <a:spcAft>
+                <a:spcPts val="0"/>
+              </a:spcAft>
+              <a:buClr>
+                <a:srgbClr val="000000"/>
+              </a:buClr>
+              <a:buSzPts val="1600"/>
+              <a:buFont typeface="Helvetica Neue Light"/>
+              <a:buNone/>
+              <a:defRPr sz="1125" b="0">
+                <a:latin typeface="Helvetica Neue Light"/>
+                <a:ea typeface="Helvetica Neue Light"/>
+                <a:cs typeface="Helvetica Neue Light"/>
+                <a:sym typeface="Helvetica Neue Light"/>
+              </a:defRPr>
+            </a:lvl6pPr>
+            <a:lvl7pPr marL="0" lvl="6" indent="0" algn="ctr">
+              <a:lnSpc>
+                <a:spcPct val="100000"/>
+              </a:lnSpc>
+              <a:spcBef>
+                <a:spcPts val="0"/>
+              </a:spcBef>
+              <a:spcAft>
+                <a:spcPts val="0"/>
+              </a:spcAft>
+              <a:buClr>
+                <a:srgbClr val="000000"/>
+              </a:buClr>
+              <a:buSzPts val="1600"/>
+              <a:buFont typeface="Helvetica Neue Light"/>
+              <a:buNone/>
+              <a:defRPr sz="1125" b="0">
+                <a:latin typeface="Helvetica Neue Light"/>
+                <a:ea typeface="Helvetica Neue Light"/>
+                <a:cs typeface="Helvetica Neue Light"/>
+                <a:sym typeface="Helvetica Neue Light"/>
+              </a:defRPr>
+            </a:lvl7pPr>
+            <a:lvl8pPr marL="0" lvl="7" indent="0" algn="ctr">
+              <a:lnSpc>
+                <a:spcPct val="100000"/>
+              </a:lnSpc>
+              <a:spcBef>
+                <a:spcPts val="0"/>
+              </a:spcBef>
+              <a:spcAft>
+                <a:spcPts val="0"/>
+              </a:spcAft>
+              <a:buClr>
+                <a:srgbClr val="000000"/>
+              </a:buClr>
+              <a:buSzPts val="1600"/>
+              <a:buFont typeface="Helvetica Neue Light"/>
+              <a:buNone/>
+              <a:defRPr sz="1125" b="0">
+                <a:latin typeface="Helvetica Neue Light"/>
+                <a:ea typeface="Helvetica Neue Light"/>
+                <a:cs typeface="Helvetica Neue Light"/>
+                <a:sym typeface="Helvetica Neue Light"/>
+              </a:defRPr>
+            </a:lvl8pPr>
+            <a:lvl9pPr marL="0" lvl="8" indent="0" algn="ctr">
+              <a:lnSpc>
+                <a:spcPct val="100000"/>
+              </a:lnSpc>
+              <a:spcBef>
+                <a:spcPts val="0"/>
+              </a:spcBef>
+              <a:spcAft>
+                <a:spcPts val="0"/>
+              </a:spcAft>
+              <a:buClr>
+                <a:srgbClr val="000000"/>
+              </a:buClr>
+              <a:buSzPts val="1600"/>
+              <a:buFont typeface="Helvetica Neue Light"/>
+              <a:buNone/>
+              <a:defRPr sz="1125" b="0">
+                <a:latin typeface="Helvetica Neue Light"/>
+                <a:ea typeface="Helvetica Neue Light"/>
+                <a:cs typeface="Helvetica Neue Light"/>
+                <a:sym typeface="Helvetica Neue Light"/>
+              </a:defRPr>
+            </a:lvl9pPr>
+          </a:lstStyle>
+          <a:p>
+            <a:pPr defTabSz="642915"/>
+            <a:fld id="{00000000-1234-1234-1234-123412341234}" type="slidenum">
+              <a:rPr lang="en-US" kern="0" smtClean="0"/>
+              <a:pPr defTabSz="642915"/>
+              <a:t>‹#›</a:t>
+            </a:fld>
+            <a:endParaRPr lang="en-US" kern="0"/>
+          </a:p>
+        </p:txBody>
+      </p:sp>
+    </p:spTree>
+    <p:extLst>
+      <p:ext uri="{BB962C8B-B14F-4D97-AF65-F5344CB8AC3E}">
+        <p14:creationId xmlns:p14="http://schemas.microsoft.com/office/powerpoint/2010/main" val="914065235"/>
+      </p:ext>
+    </p:extLst>
+  </p:cSld>
+  <p:clrMapOvr>
+    <a:masterClrMapping/>
+  </p:clrMapOvr>
+</p:sldLayout>
+</file>
+
 <file path=ppt/slideLayouts/slideLayout2.xml><?xml version="1.0" encoding="utf-8"?>
 <p:sldLayout xmlns:a="http://schemas.openxmlformats.org/drawingml/2006/main" xmlns:r="http://schemas.openxmlformats.org/officeDocument/2006/relationships" xmlns:p="http://schemas.openxmlformats.org/presentationml/2006/main" type="obj" preserve="1">
   <p:cSld name="Title and Content">
@@ -898,7 +1668,7 @@
           <a:p>
             <a:fld id="{BFDC4DB0-EC48-40B4-A601-29BA5248A7BA}" type="datetimeFigureOut">
               <a:rPr lang="en-US" smtClean="0"/>
-              <a:t>7/12/2021</a:t>
+              <a:t>7/26/2021</a:t>
             </a:fld>
             <a:endParaRPr lang="en-US"/>
           </a:p>
@@ -1193,7 +1963,7 @@
           <a:p>
             <a:fld id="{BFDC4DB0-EC48-40B4-A601-29BA5248A7BA}" type="datetimeFigureOut">
               <a:rPr lang="en-US" smtClean="0"/>
-              <a:t>7/12/2021</a:t>
+              <a:t>7/26/2021</a:t>
             </a:fld>
             <a:endParaRPr lang="en-US"/>
           </a:p>
@@ -1465,7 +2235,7 @@
           <a:p>
             <a:fld id="{BFDC4DB0-EC48-40B4-A601-29BA5248A7BA}" type="datetimeFigureOut">
               <a:rPr lang="en-US" smtClean="0"/>
-              <a:t>7/12/2021</a:t>
+              <a:t>7/26/2021</a:t>
             </a:fld>
             <a:endParaRPr lang="en-US"/>
           </a:p>
@@ -1872,7 +2642,7 @@
           <a:p>
             <a:fld id="{BFDC4DB0-EC48-40B4-A601-29BA5248A7BA}" type="datetimeFigureOut">
               <a:rPr lang="en-US" smtClean="0"/>
-              <a:t>7/12/2021</a:t>
+              <a:t>7/26/2021</a:t>
             </a:fld>
             <a:endParaRPr lang="en-US"/>
           </a:p>
@@ -1990,7 +2760,7 @@
           <a:p>
             <a:fld id="{BFDC4DB0-EC48-40B4-A601-29BA5248A7BA}" type="datetimeFigureOut">
               <a:rPr lang="en-US" smtClean="0"/>
-              <a:t>7/12/2021</a:t>
+              <a:t>7/26/2021</a:t>
             </a:fld>
             <a:endParaRPr lang="en-US"/>
           </a:p>
@@ -2085,7 +2855,7 @@
           <a:p>
             <a:fld id="{BFDC4DB0-EC48-40B4-A601-29BA5248A7BA}" type="datetimeFigureOut">
               <a:rPr lang="en-US" smtClean="0"/>
-              <a:t>7/12/2021</a:t>
+              <a:t>7/26/2021</a:t>
             </a:fld>
             <a:endParaRPr lang="en-US"/>
           </a:p>
@@ -2375,7 +3145,7 @@
           <a:p>
             <a:fld id="{BFDC4DB0-EC48-40B4-A601-29BA5248A7BA}" type="datetimeFigureOut">
               <a:rPr lang="en-US" smtClean="0"/>
-              <a:t>7/12/2021</a:t>
+              <a:t>7/26/2021</a:t>
             </a:fld>
             <a:endParaRPr lang="en-US"/>
           </a:p>
@@ -2655,7 +3425,7 @@
           <a:p>
             <a:fld id="{BFDC4DB0-EC48-40B4-A601-29BA5248A7BA}" type="datetimeFigureOut">
               <a:rPr lang="en-US" smtClean="0"/>
-              <a:t>7/12/2021</a:t>
+              <a:t>7/26/2021</a:t>
             </a:fld>
             <a:endParaRPr lang="en-US"/>
           </a:p>
@@ -2905,7 +3675,7 @@
           <a:p>
             <a:fld id="{BFDC4DB0-EC48-40B4-A601-29BA5248A7BA}" type="datetimeFigureOut">
               <a:rPr lang="en-US" smtClean="0"/>
-              <a:t>7/12/2021</a:t>
+              <a:t>7/26/2021</a:t>
             </a:fld>
             <a:endParaRPr lang="en-US"/>
           </a:p>
@@ -3390,6 +4160,1549 @@
 </p:sldMaster>
 </file>
 
+<file path=ppt/slideMasters/slideMaster2.xml><?xml version="1.0" encoding="utf-8"?>
+<p:sldMaster xmlns:a="http://schemas.openxmlformats.org/drawingml/2006/main" xmlns:r="http://schemas.openxmlformats.org/officeDocument/2006/relationships" xmlns:p="http://schemas.openxmlformats.org/presentationml/2006/main">
+  <p:cSld>
+    <p:bg>
+      <p:bgPr>
+        <a:solidFill>
+          <a:srgbClr val="FFFFFF"/>
+        </a:solidFill>
+        <a:effectLst/>
+      </p:bgPr>
+    </p:bg>
+    <p:spTree>
+      <p:nvGrpSpPr>
+        <p:cNvPr id="1" name="Shape 5"/>
+        <p:cNvGrpSpPr/>
+        <p:nvPr/>
+      </p:nvGrpSpPr>
+      <p:grpSpPr>
+        <a:xfrm>
+          <a:off x="0" y="0"/>
+          <a:ext cx="0" cy="0"/>
+          <a:chOff x="0" y="0"/>
+          <a:chExt cx="0" cy="0"/>
+        </a:xfrm>
+      </p:grpSpPr>
+      <p:sp>
+        <p:nvSpPr>
+          <p:cNvPr id="6" name="Google Shape;6;p1"/>
+          <p:cNvSpPr txBox="1">
+            <a:spLocks noGrp="1"/>
+          </p:cNvSpPr>
+          <p:nvPr>
+            <p:ph type="title"/>
+          </p:nvPr>
+        </p:nvSpPr>
+        <p:spPr>
+          <a:xfrm>
+            <a:off x="892969" y="178594"/>
+            <a:ext cx="10406063" cy="1518047"/>
+          </a:xfrm>
+          <a:prstGeom prst="rect">
+            <a:avLst/>
+          </a:prstGeom>
+          <a:noFill/>
+          <a:ln>
+            <a:noFill/>
+          </a:ln>
+        </p:spPr>
+        <p:txBody>
+          <a:bodyPr spcFirstLastPara="1" wrap="square" lIns="50800" tIns="50800" rIns="50800" bIns="50800" anchor="ctr" anchorCtr="0">
+            <a:noAutofit/>
+          </a:bodyPr>
+          <a:lstStyle>
+            <a:lvl1pPr marR="0" lvl="0" algn="ctr" rtl="0">
+              <a:lnSpc>
+                <a:spcPct val="100000"/>
+              </a:lnSpc>
+              <a:spcBef>
+                <a:spcPts val="0"/>
+              </a:spcBef>
+              <a:spcAft>
+                <a:spcPts val="0"/>
+              </a:spcAft>
+              <a:buClr>
+                <a:srgbClr val="000000"/>
+              </a:buClr>
+              <a:buSzPts val="8000"/>
+              <a:buFont typeface="Helvetica Neue"/>
+              <a:buNone/>
+              <a:defRPr sz="8000" b="0" i="0" u="none" strike="noStrike" cap="none">
+                <a:solidFill>
+                  <a:srgbClr val="000000"/>
+                </a:solidFill>
+                <a:latin typeface="Helvetica Neue"/>
+                <a:ea typeface="Helvetica Neue"/>
+                <a:cs typeface="Helvetica Neue"/>
+                <a:sym typeface="Helvetica Neue"/>
+              </a:defRPr>
+            </a:lvl1pPr>
+            <a:lvl2pPr marR="0" lvl="1" algn="ctr" rtl="0">
+              <a:lnSpc>
+                <a:spcPct val="100000"/>
+              </a:lnSpc>
+              <a:spcBef>
+                <a:spcPts val="0"/>
+              </a:spcBef>
+              <a:spcAft>
+                <a:spcPts val="0"/>
+              </a:spcAft>
+              <a:buClr>
+                <a:srgbClr val="000000"/>
+              </a:buClr>
+              <a:buSzPts val="8000"/>
+              <a:buFont typeface="Helvetica Neue"/>
+              <a:buNone/>
+              <a:defRPr sz="8000" b="0" i="0" u="none" strike="noStrike" cap="none">
+                <a:solidFill>
+                  <a:srgbClr val="000000"/>
+                </a:solidFill>
+                <a:latin typeface="Helvetica Neue"/>
+                <a:ea typeface="Helvetica Neue"/>
+                <a:cs typeface="Helvetica Neue"/>
+                <a:sym typeface="Helvetica Neue"/>
+              </a:defRPr>
+            </a:lvl2pPr>
+            <a:lvl3pPr marR="0" lvl="2" algn="ctr" rtl="0">
+              <a:lnSpc>
+                <a:spcPct val="100000"/>
+              </a:lnSpc>
+              <a:spcBef>
+                <a:spcPts val="0"/>
+              </a:spcBef>
+              <a:spcAft>
+                <a:spcPts val="0"/>
+              </a:spcAft>
+              <a:buClr>
+                <a:srgbClr val="000000"/>
+              </a:buClr>
+              <a:buSzPts val="8000"/>
+              <a:buFont typeface="Helvetica Neue"/>
+              <a:buNone/>
+              <a:defRPr sz="8000" b="0" i="0" u="none" strike="noStrike" cap="none">
+                <a:solidFill>
+                  <a:srgbClr val="000000"/>
+                </a:solidFill>
+                <a:latin typeface="Helvetica Neue"/>
+                <a:ea typeface="Helvetica Neue"/>
+                <a:cs typeface="Helvetica Neue"/>
+                <a:sym typeface="Helvetica Neue"/>
+              </a:defRPr>
+            </a:lvl3pPr>
+            <a:lvl4pPr marR="0" lvl="3" algn="ctr" rtl="0">
+              <a:lnSpc>
+                <a:spcPct val="100000"/>
+              </a:lnSpc>
+              <a:spcBef>
+                <a:spcPts val="0"/>
+              </a:spcBef>
+              <a:spcAft>
+                <a:spcPts val="0"/>
+              </a:spcAft>
+              <a:buClr>
+                <a:srgbClr val="000000"/>
+              </a:buClr>
+              <a:buSzPts val="8000"/>
+              <a:buFont typeface="Helvetica Neue"/>
+              <a:buNone/>
+              <a:defRPr sz="8000" b="0" i="0" u="none" strike="noStrike" cap="none">
+                <a:solidFill>
+                  <a:srgbClr val="000000"/>
+                </a:solidFill>
+                <a:latin typeface="Helvetica Neue"/>
+                <a:ea typeface="Helvetica Neue"/>
+                <a:cs typeface="Helvetica Neue"/>
+                <a:sym typeface="Helvetica Neue"/>
+              </a:defRPr>
+            </a:lvl4pPr>
+            <a:lvl5pPr marR="0" lvl="4" algn="ctr" rtl="0">
+              <a:lnSpc>
+                <a:spcPct val="100000"/>
+              </a:lnSpc>
+              <a:spcBef>
+                <a:spcPts val="0"/>
+              </a:spcBef>
+              <a:spcAft>
+                <a:spcPts val="0"/>
+              </a:spcAft>
+              <a:buClr>
+                <a:srgbClr val="000000"/>
+              </a:buClr>
+              <a:buSzPts val="8000"/>
+              <a:buFont typeface="Helvetica Neue"/>
+              <a:buNone/>
+              <a:defRPr sz="8000" b="0" i="0" u="none" strike="noStrike" cap="none">
+                <a:solidFill>
+                  <a:srgbClr val="000000"/>
+                </a:solidFill>
+                <a:latin typeface="Helvetica Neue"/>
+                <a:ea typeface="Helvetica Neue"/>
+                <a:cs typeface="Helvetica Neue"/>
+                <a:sym typeface="Helvetica Neue"/>
+              </a:defRPr>
+            </a:lvl5pPr>
+            <a:lvl6pPr marR="0" lvl="5" algn="ctr" rtl="0">
+              <a:lnSpc>
+                <a:spcPct val="100000"/>
+              </a:lnSpc>
+              <a:spcBef>
+                <a:spcPts val="0"/>
+              </a:spcBef>
+              <a:spcAft>
+                <a:spcPts val="0"/>
+              </a:spcAft>
+              <a:buClr>
+                <a:srgbClr val="000000"/>
+              </a:buClr>
+              <a:buSzPts val="8000"/>
+              <a:buFont typeface="Helvetica Neue"/>
+              <a:buNone/>
+              <a:defRPr sz="8000" b="0" i="0" u="none" strike="noStrike" cap="none">
+                <a:solidFill>
+                  <a:srgbClr val="000000"/>
+                </a:solidFill>
+                <a:latin typeface="Helvetica Neue"/>
+                <a:ea typeface="Helvetica Neue"/>
+                <a:cs typeface="Helvetica Neue"/>
+                <a:sym typeface="Helvetica Neue"/>
+              </a:defRPr>
+            </a:lvl6pPr>
+            <a:lvl7pPr marR="0" lvl="6" algn="ctr" rtl="0">
+              <a:lnSpc>
+                <a:spcPct val="100000"/>
+              </a:lnSpc>
+              <a:spcBef>
+                <a:spcPts val="0"/>
+              </a:spcBef>
+              <a:spcAft>
+                <a:spcPts val="0"/>
+              </a:spcAft>
+              <a:buClr>
+                <a:srgbClr val="000000"/>
+              </a:buClr>
+              <a:buSzPts val="8000"/>
+              <a:buFont typeface="Helvetica Neue"/>
+              <a:buNone/>
+              <a:defRPr sz="8000" b="0" i="0" u="none" strike="noStrike" cap="none">
+                <a:solidFill>
+                  <a:srgbClr val="000000"/>
+                </a:solidFill>
+                <a:latin typeface="Helvetica Neue"/>
+                <a:ea typeface="Helvetica Neue"/>
+                <a:cs typeface="Helvetica Neue"/>
+                <a:sym typeface="Helvetica Neue"/>
+              </a:defRPr>
+            </a:lvl7pPr>
+            <a:lvl8pPr marR="0" lvl="7" algn="ctr" rtl="0">
+              <a:lnSpc>
+                <a:spcPct val="100000"/>
+              </a:lnSpc>
+              <a:spcBef>
+                <a:spcPts val="0"/>
+              </a:spcBef>
+              <a:spcAft>
+                <a:spcPts val="0"/>
+              </a:spcAft>
+              <a:buClr>
+                <a:srgbClr val="000000"/>
+              </a:buClr>
+              <a:buSzPts val="8000"/>
+              <a:buFont typeface="Helvetica Neue"/>
+              <a:buNone/>
+              <a:defRPr sz="8000" b="0" i="0" u="none" strike="noStrike" cap="none">
+                <a:solidFill>
+                  <a:srgbClr val="000000"/>
+                </a:solidFill>
+                <a:latin typeface="Helvetica Neue"/>
+                <a:ea typeface="Helvetica Neue"/>
+                <a:cs typeface="Helvetica Neue"/>
+                <a:sym typeface="Helvetica Neue"/>
+              </a:defRPr>
+            </a:lvl8pPr>
+            <a:lvl9pPr marR="0" lvl="8" algn="ctr" rtl="0">
+              <a:lnSpc>
+                <a:spcPct val="100000"/>
+              </a:lnSpc>
+              <a:spcBef>
+                <a:spcPts val="0"/>
+              </a:spcBef>
+              <a:spcAft>
+                <a:spcPts val="0"/>
+              </a:spcAft>
+              <a:buClr>
+                <a:srgbClr val="000000"/>
+              </a:buClr>
+              <a:buSzPts val="8000"/>
+              <a:buFont typeface="Helvetica Neue"/>
+              <a:buNone/>
+              <a:defRPr sz="8000" b="0" i="0" u="none" strike="noStrike" cap="none">
+                <a:solidFill>
+                  <a:srgbClr val="000000"/>
+                </a:solidFill>
+                <a:latin typeface="Helvetica Neue"/>
+                <a:ea typeface="Helvetica Neue"/>
+                <a:cs typeface="Helvetica Neue"/>
+                <a:sym typeface="Helvetica Neue"/>
+              </a:defRPr>
+            </a:lvl9pPr>
+          </a:lstStyle>
+          <a:p>
+            <a:endParaRPr/>
+          </a:p>
+        </p:txBody>
+      </p:sp>
+      <p:sp>
+        <p:nvSpPr>
+          <p:cNvPr id="7" name="Google Shape;7;p1"/>
+          <p:cNvSpPr txBox="1">
+            <a:spLocks noGrp="1"/>
+          </p:cNvSpPr>
+          <p:nvPr>
+            <p:ph type="body" idx="1"/>
+          </p:nvPr>
+        </p:nvSpPr>
+        <p:spPr>
+          <a:xfrm>
+            <a:off x="892969" y="1821656"/>
+            <a:ext cx="10406063" cy="4420195"/>
+          </a:xfrm>
+          <a:prstGeom prst="rect">
+            <a:avLst/>
+          </a:prstGeom>
+          <a:noFill/>
+          <a:ln>
+            <a:noFill/>
+          </a:ln>
+        </p:spPr>
+        <p:txBody>
+          <a:bodyPr spcFirstLastPara="1" wrap="square" lIns="50800" tIns="50800" rIns="50800" bIns="50800" anchor="ctr" anchorCtr="0">
+            <a:noAutofit/>
+          </a:bodyPr>
+          <a:lstStyle>
+            <a:lvl1pPr marL="457200" marR="0" lvl="0" indent="-523240" algn="l" rtl="0">
+              <a:lnSpc>
+                <a:spcPct val="100000"/>
+              </a:lnSpc>
+              <a:spcBef>
+                <a:spcPts val="4200"/>
+              </a:spcBef>
+              <a:spcAft>
+                <a:spcPts val="0"/>
+              </a:spcAft>
+              <a:buClr>
+                <a:srgbClr val="000000"/>
+              </a:buClr>
+              <a:buSzPts val="4640"/>
+              <a:buFont typeface="Helvetica Neue"/>
+              <a:buChar char="•"/>
+              <a:defRPr sz="3200" b="0" i="0" u="none" strike="noStrike" cap="none">
+                <a:solidFill>
+                  <a:srgbClr val="000000"/>
+                </a:solidFill>
+                <a:latin typeface="Helvetica Neue"/>
+                <a:ea typeface="Helvetica Neue"/>
+                <a:cs typeface="Helvetica Neue"/>
+                <a:sym typeface="Helvetica Neue"/>
+              </a:defRPr>
+            </a:lvl1pPr>
+            <a:lvl2pPr marL="914400" marR="0" lvl="1" indent="-523240" algn="l" rtl="0">
+              <a:lnSpc>
+                <a:spcPct val="100000"/>
+              </a:lnSpc>
+              <a:spcBef>
+                <a:spcPts val="4200"/>
+              </a:spcBef>
+              <a:spcAft>
+                <a:spcPts val="0"/>
+              </a:spcAft>
+              <a:buClr>
+                <a:srgbClr val="000000"/>
+              </a:buClr>
+              <a:buSzPts val="4640"/>
+              <a:buFont typeface="Helvetica Neue"/>
+              <a:buChar char="•"/>
+              <a:defRPr sz="3200" b="0" i="0" u="none" strike="noStrike" cap="none">
+                <a:solidFill>
+                  <a:srgbClr val="000000"/>
+                </a:solidFill>
+                <a:latin typeface="Helvetica Neue"/>
+                <a:ea typeface="Helvetica Neue"/>
+                <a:cs typeface="Helvetica Neue"/>
+                <a:sym typeface="Helvetica Neue"/>
+              </a:defRPr>
+            </a:lvl2pPr>
+            <a:lvl3pPr marL="1371600" marR="0" lvl="2" indent="-523239" algn="l" rtl="0">
+              <a:lnSpc>
+                <a:spcPct val="100000"/>
+              </a:lnSpc>
+              <a:spcBef>
+                <a:spcPts val="4200"/>
+              </a:spcBef>
+              <a:spcAft>
+                <a:spcPts val="0"/>
+              </a:spcAft>
+              <a:buClr>
+                <a:srgbClr val="000000"/>
+              </a:buClr>
+              <a:buSzPts val="4640"/>
+              <a:buFont typeface="Helvetica Neue"/>
+              <a:buChar char="•"/>
+              <a:defRPr sz="3200" b="0" i="0" u="none" strike="noStrike" cap="none">
+                <a:solidFill>
+                  <a:srgbClr val="000000"/>
+                </a:solidFill>
+                <a:latin typeface="Helvetica Neue"/>
+                <a:ea typeface="Helvetica Neue"/>
+                <a:cs typeface="Helvetica Neue"/>
+                <a:sym typeface="Helvetica Neue"/>
+              </a:defRPr>
+            </a:lvl3pPr>
+            <a:lvl4pPr marL="1828800" marR="0" lvl="3" indent="-523239" algn="l" rtl="0">
+              <a:lnSpc>
+                <a:spcPct val="100000"/>
+              </a:lnSpc>
+              <a:spcBef>
+                <a:spcPts val="4200"/>
+              </a:spcBef>
+              <a:spcAft>
+                <a:spcPts val="0"/>
+              </a:spcAft>
+              <a:buClr>
+                <a:srgbClr val="000000"/>
+              </a:buClr>
+              <a:buSzPts val="4640"/>
+              <a:buFont typeface="Helvetica Neue"/>
+              <a:buChar char="•"/>
+              <a:defRPr sz="3200" b="0" i="0" u="none" strike="noStrike" cap="none">
+                <a:solidFill>
+                  <a:srgbClr val="000000"/>
+                </a:solidFill>
+                <a:latin typeface="Helvetica Neue"/>
+                <a:ea typeface="Helvetica Neue"/>
+                <a:cs typeface="Helvetica Neue"/>
+                <a:sym typeface="Helvetica Neue"/>
+              </a:defRPr>
+            </a:lvl4pPr>
+            <a:lvl5pPr marL="2286000" marR="0" lvl="4" indent="-523239" algn="l" rtl="0">
+              <a:lnSpc>
+                <a:spcPct val="100000"/>
+              </a:lnSpc>
+              <a:spcBef>
+                <a:spcPts val="4200"/>
+              </a:spcBef>
+              <a:spcAft>
+                <a:spcPts val="0"/>
+              </a:spcAft>
+              <a:buClr>
+                <a:srgbClr val="000000"/>
+              </a:buClr>
+              <a:buSzPts val="4640"/>
+              <a:buFont typeface="Helvetica Neue"/>
+              <a:buChar char="•"/>
+              <a:defRPr sz="3200" b="0" i="0" u="none" strike="noStrike" cap="none">
+                <a:solidFill>
+                  <a:srgbClr val="000000"/>
+                </a:solidFill>
+                <a:latin typeface="Helvetica Neue"/>
+                <a:ea typeface="Helvetica Neue"/>
+                <a:cs typeface="Helvetica Neue"/>
+                <a:sym typeface="Helvetica Neue"/>
+              </a:defRPr>
+            </a:lvl5pPr>
+            <a:lvl6pPr marL="2743200" marR="0" lvl="5" indent="-523239" algn="l" rtl="0">
+              <a:lnSpc>
+                <a:spcPct val="100000"/>
+              </a:lnSpc>
+              <a:spcBef>
+                <a:spcPts val="4200"/>
+              </a:spcBef>
+              <a:spcAft>
+                <a:spcPts val="0"/>
+              </a:spcAft>
+              <a:buClr>
+                <a:srgbClr val="000000"/>
+              </a:buClr>
+              <a:buSzPts val="4640"/>
+              <a:buFont typeface="Helvetica Neue"/>
+              <a:buChar char="•"/>
+              <a:defRPr sz="3200" b="0" i="0" u="none" strike="noStrike" cap="none">
+                <a:solidFill>
+                  <a:srgbClr val="000000"/>
+                </a:solidFill>
+                <a:latin typeface="Helvetica Neue"/>
+                <a:ea typeface="Helvetica Neue"/>
+                <a:cs typeface="Helvetica Neue"/>
+                <a:sym typeface="Helvetica Neue"/>
+              </a:defRPr>
+            </a:lvl6pPr>
+            <a:lvl7pPr marL="3200400" marR="0" lvl="6" indent="-523239" algn="l" rtl="0">
+              <a:lnSpc>
+                <a:spcPct val="100000"/>
+              </a:lnSpc>
+              <a:spcBef>
+                <a:spcPts val="4200"/>
+              </a:spcBef>
+              <a:spcAft>
+                <a:spcPts val="0"/>
+              </a:spcAft>
+              <a:buClr>
+                <a:srgbClr val="000000"/>
+              </a:buClr>
+              <a:buSzPts val="4640"/>
+              <a:buFont typeface="Helvetica Neue"/>
+              <a:buChar char="•"/>
+              <a:defRPr sz="3200" b="0" i="0" u="none" strike="noStrike" cap="none">
+                <a:solidFill>
+                  <a:srgbClr val="000000"/>
+                </a:solidFill>
+                <a:latin typeface="Helvetica Neue"/>
+                <a:ea typeface="Helvetica Neue"/>
+                <a:cs typeface="Helvetica Neue"/>
+                <a:sym typeface="Helvetica Neue"/>
+              </a:defRPr>
+            </a:lvl7pPr>
+            <a:lvl8pPr marL="3657600" marR="0" lvl="7" indent="-523239" algn="l" rtl="0">
+              <a:lnSpc>
+                <a:spcPct val="100000"/>
+              </a:lnSpc>
+              <a:spcBef>
+                <a:spcPts val="4200"/>
+              </a:spcBef>
+              <a:spcAft>
+                <a:spcPts val="0"/>
+              </a:spcAft>
+              <a:buClr>
+                <a:srgbClr val="000000"/>
+              </a:buClr>
+              <a:buSzPts val="4640"/>
+              <a:buFont typeface="Helvetica Neue"/>
+              <a:buChar char="•"/>
+              <a:defRPr sz="3200" b="0" i="0" u="none" strike="noStrike" cap="none">
+                <a:solidFill>
+                  <a:srgbClr val="000000"/>
+                </a:solidFill>
+                <a:latin typeface="Helvetica Neue"/>
+                <a:ea typeface="Helvetica Neue"/>
+                <a:cs typeface="Helvetica Neue"/>
+                <a:sym typeface="Helvetica Neue"/>
+              </a:defRPr>
+            </a:lvl8pPr>
+            <a:lvl9pPr marL="4114800" marR="0" lvl="8" indent="-523240" algn="l" rtl="0">
+              <a:lnSpc>
+                <a:spcPct val="100000"/>
+              </a:lnSpc>
+              <a:spcBef>
+                <a:spcPts val="4200"/>
+              </a:spcBef>
+              <a:spcAft>
+                <a:spcPts val="0"/>
+              </a:spcAft>
+              <a:buClr>
+                <a:srgbClr val="000000"/>
+              </a:buClr>
+              <a:buSzPts val="4640"/>
+              <a:buFont typeface="Helvetica Neue"/>
+              <a:buChar char="•"/>
+              <a:defRPr sz="3200" b="0" i="0" u="none" strike="noStrike" cap="none">
+                <a:solidFill>
+                  <a:srgbClr val="000000"/>
+                </a:solidFill>
+                <a:latin typeface="Helvetica Neue"/>
+                <a:ea typeface="Helvetica Neue"/>
+                <a:cs typeface="Helvetica Neue"/>
+                <a:sym typeface="Helvetica Neue"/>
+              </a:defRPr>
+            </a:lvl9pPr>
+          </a:lstStyle>
+          <a:p>
+            <a:endParaRPr/>
+          </a:p>
+        </p:txBody>
+      </p:sp>
+      <p:sp>
+        <p:nvSpPr>
+          <p:cNvPr id="8" name="Google Shape;8;p1"/>
+          <p:cNvSpPr txBox="1">
+            <a:spLocks noGrp="1"/>
+          </p:cNvSpPr>
+          <p:nvPr>
+            <p:ph type="sldNum" idx="12"/>
+          </p:nvPr>
+        </p:nvSpPr>
+        <p:spPr>
+          <a:xfrm>
+            <a:off x="5933329" y="6536531"/>
+            <a:ext cx="318993" cy="228028"/>
+          </a:xfrm>
+          <a:prstGeom prst="rect">
+            <a:avLst/>
+          </a:prstGeom>
+          <a:noFill/>
+          <a:ln>
+            <a:noFill/>
+          </a:ln>
+        </p:spPr>
+        <p:txBody>
+          <a:bodyPr spcFirstLastPara="1" wrap="square" lIns="50800" tIns="50800" rIns="50800" bIns="50800" anchor="t" anchorCtr="0">
+            <a:noAutofit/>
+          </a:bodyPr>
+          <a:lstStyle>
+            <a:lvl1pPr marL="0" marR="0" lvl="0" indent="0" algn="ctr" rtl="0">
+              <a:lnSpc>
+                <a:spcPct val="100000"/>
+              </a:lnSpc>
+              <a:spcBef>
+                <a:spcPts val="0"/>
+              </a:spcBef>
+              <a:spcAft>
+                <a:spcPts val="0"/>
+              </a:spcAft>
+              <a:buClr>
+                <a:srgbClr val="000000"/>
+              </a:buClr>
+              <a:buSzPts val="1600"/>
+              <a:buFont typeface="Helvetica Neue Light"/>
+              <a:buNone/>
+              <a:defRPr sz="1125" b="0" i="0" u="none" strike="noStrike" cap="none">
+                <a:solidFill>
+                  <a:srgbClr val="000000"/>
+                </a:solidFill>
+                <a:latin typeface="Helvetica Neue Light"/>
+                <a:ea typeface="Helvetica Neue Light"/>
+                <a:cs typeface="Helvetica Neue Light"/>
+                <a:sym typeface="Helvetica Neue Light"/>
+              </a:defRPr>
+            </a:lvl1pPr>
+            <a:lvl2pPr marL="0" marR="0" lvl="1" indent="0" algn="ctr" rtl="0">
+              <a:lnSpc>
+                <a:spcPct val="100000"/>
+              </a:lnSpc>
+              <a:spcBef>
+                <a:spcPts val="0"/>
+              </a:spcBef>
+              <a:spcAft>
+                <a:spcPts val="0"/>
+              </a:spcAft>
+              <a:buClr>
+                <a:srgbClr val="000000"/>
+              </a:buClr>
+              <a:buSzPts val="1600"/>
+              <a:buFont typeface="Helvetica Neue Light"/>
+              <a:buNone/>
+              <a:defRPr sz="1125" b="0" i="0" u="none" strike="noStrike" cap="none">
+                <a:solidFill>
+                  <a:srgbClr val="000000"/>
+                </a:solidFill>
+                <a:latin typeface="Helvetica Neue Light"/>
+                <a:ea typeface="Helvetica Neue Light"/>
+                <a:cs typeface="Helvetica Neue Light"/>
+                <a:sym typeface="Helvetica Neue Light"/>
+              </a:defRPr>
+            </a:lvl2pPr>
+            <a:lvl3pPr marL="0" marR="0" lvl="2" indent="0" algn="ctr" rtl="0">
+              <a:lnSpc>
+                <a:spcPct val="100000"/>
+              </a:lnSpc>
+              <a:spcBef>
+                <a:spcPts val="0"/>
+              </a:spcBef>
+              <a:spcAft>
+                <a:spcPts val="0"/>
+              </a:spcAft>
+              <a:buClr>
+                <a:srgbClr val="000000"/>
+              </a:buClr>
+              <a:buSzPts val="1600"/>
+              <a:buFont typeface="Helvetica Neue Light"/>
+              <a:buNone/>
+              <a:defRPr sz="1125" b="0" i="0" u="none" strike="noStrike" cap="none">
+                <a:solidFill>
+                  <a:srgbClr val="000000"/>
+                </a:solidFill>
+                <a:latin typeface="Helvetica Neue Light"/>
+                <a:ea typeface="Helvetica Neue Light"/>
+                <a:cs typeface="Helvetica Neue Light"/>
+                <a:sym typeface="Helvetica Neue Light"/>
+              </a:defRPr>
+            </a:lvl3pPr>
+            <a:lvl4pPr marL="0" marR="0" lvl="3" indent="0" algn="ctr" rtl="0">
+              <a:lnSpc>
+                <a:spcPct val="100000"/>
+              </a:lnSpc>
+              <a:spcBef>
+                <a:spcPts val="0"/>
+              </a:spcBef>
+              <a:spcAft>
+                <a:spcPts val="0"/>
+              </a:spcAft>
+              <a:buClr>
+                <a:srgbClr val="000000"/>
+              </a:buClr>
+              <a:buSzPts val="1600"/>
+              <a:buFont typeface="Helvetica Neue Light"/>
+              <a:buNone/>
+              <a:defRPr sz="1125" b="0" i="0" u="none" strike="noStrike" cap="none">
+                <a:solidFill>
+                  <a:srgbClr val="000000"/>
+                </a:solidFill>
+                <a:latin typeface="Helvetica Neue Light"/>
+                <a:ea typeface="Helvetica Neue Light"/>
+                <a:cs typeface="Helvetica Neue Light"/>
+                <a:sym typeface="Helvetica Neue Light"/>
+              </a:defRPr>
+            </a:lvl4pPr>
+            <a:lvl5pPr marL="0" marR="0" lvl="4" indent="0" algn="ctr" rtl="0">
+              <a:lnSpc>
+                <a:spcPct val="100000"/>
+              </a:lnSpc>
+              <a:spcBef>
+                <a:spcPts val="0"/>
+              </a:spcBef>
+              <a:spcAft>
+                <a:spcPts val="0"/>
+              </a:spcAft>
+              <a:buClr>
+                <a:srgbClr val="000000"/>
+              </a:buClr>
+              <a:buSzPts val="1600"/>
+              <a:buFont typeface="Helvetica Neue Light"/>
+              <a:buNone/>
+              <a:defRPr sz="1125" b="0" i="0" u="none" strike="noStrike" cap="none">
+                <a:solidFill>
+                  <a:srgbClr val="000000"/>
+                </a:solidFill>
+                <a:latin typeface="Helvetica Neue Light"/>
+                <a:ea typeface="Helvetica Neue Light"/>
+                <a:cs typeface="Helvetica Neue Light"/>
+                <a:sym typeface="Helvetica Neue Light"/>
+              </a:defRPr>
+            </a:lvl5pPr>
+            <a:lvl6pPr marL="0" marR="0" lvl="5" indent="0" algn="ctr" rtl="0">
+              <a:lnSpc>
+                <a:spcPct val="100000"/>
+              </a:lnSpc>
+              <a:spcBef>
+                <a:spcPts val="0"/>
+              </a:spcBef>
+              <a:spcAft>
+                <a:spcPts val="0"/>
+              </a:spcAft>
+              <a:buClr>
+                <a:srgbClr val="000000"/>
+              </a:buClr>
+              <a:buSzPts val="1600"/>
+              <a:buFont typeface="Helvetica Neue Light"/>
+              <a:buNone/>
+              <a:defRPr sz="1125" b="0" i="0" u="none" strike="noStrike" cap="none">
+                <a:solidFill>
+                  <a:srgbClr val="000000"/>
+                </a:solidFill>
+                <a:latin typeface="Helvetica Neue Light"/>
+                <a:ea typeface="Helvetica Neue Light"/>
+                <a:cs typeface="Helvetica Neue Light"/>
+                <a:sym typeface="Helvetica Neue Light"/>
+              </a:defRPr>
+            </a:lvl6pPr>
+            <a:lvl7pPr marL="0" marR="0" lvl="6" indent="0" algn="ctr" rtl="0">
+              <a:lnSpc>
+                <a:spcPct val="100000"/>
+              </a:lnSpc>
+              <a:spcBef>
+                <a:spcPts val="0"/>
+              </a:spcBef>
+              <a:spcAft>
+                <a:spcPts val="0"/>
+              </a:spcAft>
+              <a:buClr>
+                <a:srgbClr val="000000"/>
+              </a:buClr>
+              <a:buSzPts val="1600"/>
+              <a:buFont typeface="Helvetica Neue Light"/>
+              <a:buNone/>
+              <a:defRPr sz="1125" b="0" i="0" u="none" strike="noStrike" cap="none">
+                <a:solidFill>
+                  <a:srgbClr val="000000"/>
+                </a:solidFill>
+                <a:latin typeface="Helvetica Neue Light"/>
+                <a:ea typeface="Helvetica Neue Light"/>
+                <a:cs typeface="Helvetica Neue Light"/>
+                <a:sym typeface="Helvetica Neue Light"/>
+              </a:defRPr>
+            </a:lvl7pPr>
+            <a:lvl8pPr marL="0" marR="0" lvl="7" indent="0" algn="ctr" rtl="0">
+              <a:lnSpc>
+                <a:spcPct val="100000"/>
+              </a:lnSpc>
+              <a:spcBef>
+                <a:spcPts val="0"/>
+              </a:spcBef>
+              <a:spcAft>
+                <a:spcPts val="0"/>
+              </a:spcAft>
+              <a:buClr>
+                <a:srgbClr val="000000"/>
+              </a:buClr>
+              <a:buSzPts val="1600"/>
+              <a:buFont typeface="Helvetica Neue Light"/>
+              <a:buNone/>
+              <a:defRPr sz="1125" b="0" i="0" u="none" strike="noStrike" cap="none">
+                <a:solidFill>
+                  <a:srgbClr val="000000"/>
+                </a:solidFill>
+                <a:latin typeface="Helvetica Neue Light"/>
+                <a:ea typeface="Helvetica Neue Light"/>
+                <a:cs typeface="Helvetica Neue Light"/>
+                <a:sym typeface="Helvetica Neue Light"/>
+              </a:defRPr>
+            </a:lvl8pPr>
+            <a:lvl9pPr marL="0" marR="0" lvl="8" indent="0" algn="ctr" rtl="0">
+              <a:lnSpc>
+                <a:spcPct val="100000"/>
+              </a:lnSpc>
+              <a:spcBef>
+                <a:spcPts val="0"/>
+              </a:spcBef>
+              <a:spcAft>
+                <a:spcPts val="0"/>
+              </a:spcAft>
+              <a:buClr>
+                <a:srgbClr val="000000"/>
+              </a:buClr>
+              <a:buSzPts val="1600"/>
+              <a:buFont typeface="Helvetica Neue Light"/>
+              <a:buNone/>
+              <a:defRPr sz="1125" b="0" i="0" u="none" strike="noStrike" cap="none">
+                <a:solidFill>
+                  <a:srgbClr val="000000"/>
+                </a:solidFill>
+                <a:latin typeface="Helvetica Neue Light"/>
+                <a:ea typeface="Helvetica Neue Light"/>
+                <a:cs typeface="Helvetica Neue Light"/>
+                <a:sym typeface="Helvetica Neue Light"/>
+              </a:defRPr>
+            </a:lvl9pPr>
+          </a:lstStyle>
+          <a:p>
+            <a:fld id="{00000000-1234-1234-1234-123412341234}" type="slidenum">
+              <a:rPr lang="en-US" smtClean="0"/>
+              <a:pPr/>
+              <a:t>‹#›</a:t>
+            </a:fld>
+            <a:endParaRPr lang="en-US" sz="984">
+              <a:latin typeface="Arial"/>
+              <a:ea typeface="Arial"/>
+              <a:cs typeface="Arial"/>
+              <a:sym typeface="Arial"/>
+            </a:endParaRPr>
+          </a:p>
+        </p:txBody>
+      </p:sp>
+    </p:spTree>
+    <p:extLst>
+      <p:ext uri="{BB962C8B-B14F-4D97-AF65-F5344CB8AC3E}">
+        <p14:creationId xmlns:p14="http://schemas.microsoft.com/office/powerpoint/2010/main" val="1742291507"/>
+      </p:ext>
+    </p:extLst>
+  </p:cSld>
+  <p:clrMap bg1="lt1" tx1="dk1" bg2="dk2" tx2="lt2" accent1="accent1" accent2="accent2" accent3="accent3" accent4="accent4" accent5="accent5" accent6="accent6" hlink="hlink" folHlink="folHlink"/>
+  <p:sldLayoutIdLst>
+    <p:sldLayoutId id="2147483936" r:id="rId1"/>
+  </p:sldLayoutIdLst>
+  <p:hf sldNum="0" hdr="0" ftr="0" dt="0"/>
+  <p:txStyles>
+    <p:titleStyle>
+      <a:defPPr marR="0" lvl="0" algn="l" rtl="0">
+        <a:lnSpc>
+          <a:spcPct val="100000"/>
+        </a:lnSpc>
+        <a:spcBef>
+          <a:spcPts val="0"/>
+        </a:spcBef>
+        <a:spcAft>
+          <a:spcPts val="0"/>
+        </a:spcAft>
+      </a:defPPr>
+      <a:lvl1pPr marR="0" lvl="0" algn="l" rtl="0">
+        <a:lnSpc>
+          <a:spcPct val="100000"/>
+        </a:lnSpc>
+        <a:spcBef>
+          <a:spcPts val="0"/>
+        </a:spcBef>
+        <a:spcAft>
+          <a:spcPts val="0"/>
+        </a:spcAft>
+        <a:buClr>
+          <a:srgbClr val="000000"/>
+        </a:buClr>
+        <a:buFont typeface="Arial"/>
+        <a:defRPr sz="984" b="0" i="0" u="none" strike="noStrike" cap="none">
+          <a:solidFill>
+            <a:srgbClr val="000000"/>
+          </a:solidFill>
+          <a:latin typeface="Arial"/>
+          <a:ea typeface="Arial"/>
+          <a:cs typeface="Arial"/>
+          <a:sym typeface="Arial"/>
+        </a:defRPr>
+      </a:lvl1pPr>
+      <a:lvl2pPr marR="0" lvl="1" algn="l" rtl="0">
+        <a:lnSpc>
+          <a:spcPct val="100000"/>
+        </a:lnSpc>
+        <a:spcBef>
+          <a:spcPts val="0"/>
+        </a:spcBef>
+        <a:spcAft>
+          <a:spcPts val="0"/>
+        </a:spcAft>
+        <a:buClr>
+          <a:srgbClr val="000000"/>
+        </a:buClr>
+        <a:buFont typeface="Arial"/>
+        <a:defRPr sz="984" b="0" i="0" u="none" strike="noStrike" cap="none">
+          <a:solidFill>
+            <a:srgbClr val="000000"/>
+          </a:solidFill>
+          <a:latin typeface="Arial"/>
+          <a:ea typeface="Arial"/>
+          <a:cs typeface="Arial"/>
+          <a:sym typeface="Arial"/>
+        </a:defRPr>
+      </a:lvl2pPr>
+      <a:lvl3pPr marR="0" lvl="2" algn="l" rtl="0">
+        <a:lnSpc>
+          <a:spcPct val="100000"/>
+        </a:lnSpc>
+        <a:spcBef>
+          <a:spcPts val="0"/>
+        </a:spcBef>
+        <a:spcAft>
+          <a:spcPts val="0"/>
+        </a:spcAft>
+        <a:buClr>
+          <a:srgbClr val="000000"/>
+        </a:buClr>
+        <a:buFont typeface="Arial"/>
+        <a:defRPr sz="984" b="0" i="0" u="none" strike="noStrike" cap="none">
+          <a:solidFill>
+            <a:srgbClr val="000000"/>
+          </a:solidFill>
+          <a:latin typeface="Arial"/>
+          <a:ea typeface="Arial"/>
+          <a:cs typeface="Arial"/>
+          <a:sym typeface="Arial"/>
+        </a:defRPr>
+      </a:lvl3pPr>
+      <a:lvl4pPr marR="0" lvl="3" algn="l" rtl="0">
+        <a:lnSpc>
+          <a:spcPct val="100000"/>
+        </a:lnSpc>
+        <a:spcBef>
+          <a:spcPts val="0"/>
+        </a:spcBef>
+        <a:spcAft>
+          <a:spcPts val="0"/>
+        </a:spcAft>
+        <a:buClr>
+          <a:srgbClr val="000000"/>
+        </a:buClr>
+        <a:buFont typeface="Arial"/>
+        <a:defRPr sz="984" b="0" i="0" u="none" strike="noStrike" cap="none">
+          <a:solidFill>
+            <a:srgbClr val="000000"/>
+          </a:solidFill>
+          <a:latin typeface="Arial"/>
+          <a:ea typeface="Arial"/>
+          <a:cs typeface="Arial"/>
+          <a:sym typeface="Arial"/>
+        </a:defRPr>
+      </a:lvl4pPr>
+      <a:lvl5pPr marR="0" lvl="4" algn="l" rtl="0">
+        <a:lnSpc>
+          <a:spcPct val="100000"/>
+        </a:lnSpc>
+        <a:spcBef>
+          <a:spcPts val="0"/>
+        </a:spcBef>
+        <a:spcAft>
+          <a:spcPts val="0"/>
+        </a:spcAft>
+        <a:buClr>
+          <a:srgbClr val="000000"/>
+        </a:buClr>
+        <a:buFont typeface="Arial"/>
+        <a:defRPr sz="984" b="0" i="0" u="none" strike="noStrike" cap="none">
+          <a:solidFill>
+            <a:srgbClr val="000000"/>
+          </a:solidFill>
+          <a:latin typeface="Arial"/>
+          <a:ea typeface="Arial"/>
+          <a:cs typeface="Arial"/>
+          <a:sym typeface="Arial"/>
+        </a:defRPr>
+      </a:lvl5pPr>
+      <a:lvl6pPr marR="0" lvl="5" algn="l" rtl="0">
+        <a:lnSpc>
+          <a:spcPct val="100000"/>
+        </a:lnSpc>
+        <a:spcBef>
+          <a:spcPts val="0"/>
+        </a:spcBef>
+        <a:spcAft>
+          <a:spcPts val="0"/>
+        </a:spcAft>
+        <a:buClr>
+          <a:srgbClr val="000000"/>
+        </a:buClr>
+        <a:buFont typeface="Arial"/>
+        <a:defRPr sz="984" b="0" i="0" u="none" strike="noStrike" cap="none">
+          <a:solidFill>
+            <a:srgbClr val="000000"/>
+          </a:solidFill>
+          <a:latin typeface="Arial"/>
+          <a:ea typeface="Arial"/>
+          <a:cs typeface="Arial"/>
+          <a:sym typeface="Arial"/>
+        </a:defRPr>
+      </a:lvl6pPr>
+      <a:lvl7pPr marR="0" lvl="6" algn="l" rtl="0">
+        <a:lnSpc>
+          <a:spcPct val="100000"/>
+        </a:lnSpc>
+        <a:spcBef>
+          <a:spcPts val="0"/>
+        </a:spcBef>
+        <a:spcAft>
+          <a:spcPts val="0"/>
+        </a:spcAft>
+        <a:buClr>
+          <a:srgbClr val="000000"/>
+        </a:buClr>
+        <a:buFont typeface="Arial"/>
+        <a:defRPr sz="984" b="0" i="0" u="none" strike="noStrike" cap="none">
+          <a:solidFill>
+            <a:srgbClr val="000000"/>
+          </a:solidFill>
+          <a:latin typeface="Arial"/>
+          <a:ea typeface="Arial"/>
+          <a:cs typeface="Arial"/>
+          <a:sym typeface="Arial"/>
+        </a:defRPr>
+      </a:lvl7pPr>
+      <a:lvl8pPr marR="0" lvl="7" algn="l" rtl="0">
+        <a:lnSpc>
+          <a:spcPct val="100000"/>
+        </a:lnSpc>
+        <a:spcBef>
+          <a:spcPts val="0"/>
+        </a:spcBef>
+        <a:spcAft>
+          <a:spcPts val="0"/>
+        </a:spcAft>
+        <a:buClr>
+          <a:srgbClr val="000000"/>
+        </a:buClr>
+        <a:buFont typeface="Arial"/>
+        <a:defRPr sz="984" b="0" i="0" u="none" strike="noStrike" cap="none">
+          <a:solidFill>
+            <a:srgbClr val="000000"/>
+          </a:solidFill>
+          <a:latin typeface="Arial"/>
+          <a:ea typeface="Arial"/>
+          <a:cs typeface="Arial"/>
+          <a:sym typeface="Arial"/>
+        </a:defRPr>
+      </a:lvl8pPr>
+      <a:lvl9pPr marR="0" lvl="8" algn="l" rtl="0">
+        <a:lnSpc>
+          <a:spcPct val="100000"/>
+        </a:lnSpc>
+        <a:spcBef>
+          <a:spcPts val="0"/>
+        </a:spcBef>
+        <a:spcAft>
+          <a:spcPts val="0"/>
+        </a:spcAft>
+        <a:buClr>
+          <a:srgbClr val="000000"/>
+        </a:buClr>
+        <a:buFont typeface="Arial"/>
+        <a:defRPr sz="984" b="0" i="0" u="none" strike="noStrike" cap="none">
+          <a:solidFill>
+            <a:srgbClr val="000000"/>
+          </a:solidFill>
+          <a:latin typeface="Arial"/>
+          <a:ea typeface="Arial"/>
+          <a:cs typeface="Arial"/>
+          <a:sym typeface="Arial"/>
+        </a:defRPr>
+      </a:lvl9pPr>
+    </p:titleStyle>
+    <p:bodyStyle>
+      <a:defPPr marR="0" lvl="0" algn="l" rtl="0">
+        <a:lnSpc>
+          <a:spcPct val="100000"/>
+        </a:lnSpc>
+        <a:spcBef>
+          <a:spcPts val="0"/>
+        </a:spcBef>
+        <a:spcAft>
+          <a:spcPts val="0"/>
+        </a:spcAft>
+      </a:defPPr>
+      <a:lvl1pPr marR="0" lvl="0" algn="l" rtl="0">
+        <a:lnSpc>
+          <a:spcPct val="100000"/>
+        </a:lnSpc>
+        <a:spcBef>
+          <a:spcPts val="0"/>
+        </a:spcBef>
+        <a:spcAft>
+          <a:spcPts val="0"/>
+        </a:spcAft>
+        <a:buClr>
+          <a:srgbClr val="000000"/>
+        </a:buClr>
+        <a:buFont typeface="Arial"/>
+        <a:defRPr sz="984" b="0" i="0" u="none" strike="noStrike" cap="none">
+          <a:solidFill>
+            <a:srgbClr val="000000"/>
+          </a:solidFill>
+          <a:latin typeface="Arial"/>
+          <a:ea typeface="Arial"/>
+          <a:cs typeface="Arial"/>
+          <a:sym typeface="Arial"/>
+        </a:defRPr>
+      </a:lvl1pPr>
+      <a:lvl2pPr marR="0" lvl="1" algn="l" rtl="0">
+        <a:lnSpc>
+          <a:spcPct val="100000"/>
+        </a:lnSpc>
+        <a:spcBef>
+          <a:spcPts val="0"/>
+        </a:spcBef>
+        <a:spcAft>
+          <a:spcPts val="0"/>
+        </a:spcAft>
+        <a:buClr>
+          <a:srgbClr val="000000"/>
+        </a:buClr>
+        <a:buFont typeface="Arial"/>
+        <a:defRPr sz="984" b="0" i="0" u="none" strike="noStrike" cap="none">
+          <a:solidFill>
+            <a:srgbClr val="000000"/>
+          </a:solidFill>
+          <a:latin typeface="Arial"/>
+          <a:ea typeface="Arial"/>
+          <a:cs typeface="Arial"/>
+          <a:sym typeface="Arial"/>
+        </a:defRPr>
+      </a:lvl2pPr>
+      <a:lvl3pPr marR="0" lvl="2" algn="l" rtl="0">
+        <a:lnSpc>
+          <a:spcPct val="100000"/>
+        </a:lnSpc>
+        <a:spcBef>
+          <a:spcPts val="0"/>
+        </a:spcBef>
+        <a:spcAft>
+          <a:spcPts val="0"/>
+        </a:spcAft>
+        <a:buClr>
+          <a:srgbClr val="000000"/>
+        </a:buClr>
+        <a:buFont typeface="Arial"/>
+        <a:defRPr sz="984" b="0" i="0" u="none" strike="noStrike" cap="none">
+          <a:solidFill>
+            <a:srgbClr val="000000"/>
+          </a:solidFill>
+          <a:latin typeface="Arial"/>
+          <a:ea typeface="Arial"/>
+          <a:cs typeface="Arial"/>
+          <a:sym typeface="Arial"/>
+        </a:defRPr>
+      </a:lvl3pPr>
+      <a:lvl4pPr marR="0" lvl="3" algn="l" rtl="0">
+        <a:lnSpc>
+          <a:spcPct val="100000"/>
+        </a:lnSpc>
+        <a:spcBef>
+          <a:spcPts val="0"/>
+        </a:spcBef>
+        <a:spcAft>
+          <a:spcPts val="0"/>
+        </a:spcAft>
+        <a:buClr>
+          <a:srgbClr val="000000"/>
+        </a:buClr>
+        <a:buFont typeface="Arial"/>
+        <a:defRPr sz="984" b="0" i="0" u="none" strike="noStrike" cap="none">
+          <a:solidFill>
+            <a:srgbClr val="000000"/>
+          </a:solidFill>
+          <a:latin typeface="Arial"/>
+          <a:ea typeface="Arial"/>
+          <a:cs typeface="Arial"/>
+          <a:sym typeface="Arial"/>
+        </a:defRPr>
+      </a:lvl4pPr>
+      <a:lvl5pPr marR="0" lvl="4" algn="l" rtl="0">
+        <a:lnSpc>
+          <a:spcPct val="100000"/>
+        </a:lnSpc>
+        <a:spcBef>
+          <a:spcPts val="0"/>
+        </a:spcBef>
+        <a:spcAft>
+          <a:spcPts val="0"/>
+        </a:spcAft>
+        <a:buClr>
+          <a:srgbClr val="000000"/>
+        </a:buClr>
+        <a:buFont typeface="Arial"/>
+        <a:defRPr sz="984" b="0" i="0" u="none" strike="noStrike" cap="none">
+          <a:solidFill>
+            <a:srgbClr val="000000"/>
+          </a:solidFill>
+          <a:latin typeface="Arial"/>
+          <a:ea typeface="Arial"/>
+          <a:cs typeface="Arial"/>
+          <a:sym typeface="Arial"/>
+        </a:defRPr>
+      </a:lvl5pPr>
+      <a:lvl6pPr marR="0" lvl="5" algn="l" rtl="0">
+        <a:lnSpc>
+          <a:spcPct val="100000"/>
+        </a:lnSpc>
+        <a:spcBef>
+          <a:spcPts val="0"/>
+        </a:spcBef>
+        <a:spcAft>
+          <a:spcPts val="0"/>
+        </a:spcAft>
+        <a:buClr>
+          <a:srgbClr val="000000"/>
+        </a:buClr>
+        <a:buFont typeface="Arial"/>
+        <a:defRPr sz="984" b="0" i="0" u="none" strike="noStrike" cap="none">
+          <a:solidFill>
+            <a:srgbClr val="000000"/>
+          </a:solidFill>
+          <a:latin typeface="Arial"/>
+          <a:ea typeface="Arial"/>
+          <a:cs typeface="Arial"/>
+          <a:sym typeface="Arial"/>
+        </a:defRPr>
+      </a:lvl6pPr>
+      <a:lvl7pPr marR="0" lvl="6" algn="l" rtl="0">
+        <a:lnSpc>
+          <a:spcPct val="100000"/>
+        </a:lnSpc>
+        <a:spcBef>
+          <a:spcPts val="0"/>
+        </a:spcBef>
+        <a:spcAft>
+          <a:spcPts val="0"/>
+        </a:spcAft>
+        <a:buClr>
+          <a:srgbClr val="000000"/>
+        </a:buClr>
+        <a:buFont typeface="Arial"/>
+        <a:defRPr sz="984" b="0" i="0" u="none" strike="noStrike" cap="none">
+          <a:solidFill>
+            <a:srgbClr val="000000"/>
+          </a:solidFill>
+          <a:latin typeface="Arial"/>
+          <a:ea typeface="Arial"/>
+          <a:cs typeface="Arial"/>
+          <a:sym typeface="Arial"/>
+        </a:defRPr>
+      </a:lvl7pPr>
+      <a:lvl8pPr marR="0" lvl="7" algn="l" rtl="0">
+        <a:lnSpc>
+          <a:spcPct val="100000"/>
+        </a:lnSpc>
+        <a:spcBef>
+          <a:spcPts val="0"/>
+        </a:spcBef>
+        <a:spcAft>
+          <a:spcPts val="0"/>
+        </a:spcAft>
+        <a:buClr>
+          <a:srgbClr val="000000"/>
+        </a:buClr>
+        <a:buFont typeface="Arial"/>
+        <a:defRPr sz="984" b="0" i="0" u="none" strike="noStrike" cap="none">
+          <a:solidFill>
+            <a:srgbClr val="000000"/>
+          </a:solidFill>
+          <a:latin typeface="Arial"/>
+          <a:ea typeface="Arial"/>
+          <a:cs typeface="Arial"/>
+          <a:sym typeface="Arial"/>
+        </a:defRPr>
+      </a:lvl8pPr>
+      <a:lvl9pPr marR="0" lvl="8" algn="l" rtl="0">
+        <a:lnSpc>
+          <a:spcPct val="100000"/>
+        </a:lnSpc>
+        <a:spcBef>
+          <a:spcPts val="0"/>
+        </a:spcBef>
+        <a:spcAft>
+          <a:spcPts val="0"/>
+        </a:spcAft>
+        <a:buClr>
+          <a:srgbClr val="000000"/>
+        </a:buClr>
+        <a:buFont typeface="Arial"/>
+        <a:defRPr sz="984" b="0" i="0" u="none" strike="noStrike" cap="none">
+          <a:solidFill>
+            <a:srgbClr val="000000"/>
+          </a:solidFill>
+          <a:latin typeface="Arial"/>
+          <a:ea typeface="Arial"/>
+          <a:cs typeface="Arial"/>
+          <a:sym typeface="Arial"/>
+        </a:defRPr>
+      </a:lvl9pPr>
+    </p:bodyStyle>
+    <p:otherStyle>
+      <a:defPPr marR="0" lvl="0" algn="l" rtl="0">
+        <a:lnSpc>
+          <a:spcPct val="100000"/>
+        </a:lnSpc>
+        <a:spcBef>
+          <a:spcPts val="0"/>
+        </a:spcBef>
+        <a:spcAft>
+          <a:spcPts val="0"/>
+        </a:spcAft>
+      </a:defPPr>
+      <a:lvl1pPr marR="0" lvl="0" algn="l" rtl="0">
+        <a:lnSpc>
+          <a:spcPct val="100000"/>
+        </a:lnSpc>
+        <a:spcBef>
+          <a:spcPts val="0"/>
+        </a:spcBef>
+        <a:spcAft>
+          <a:spcPts val="0"/>
+        </a:spcAft>
+        <a:buClr>
+          <a:srgbClr val="000000"/>
+        </a:buClr>
+        <a:buFont typeface="Arial"/>
+        <a:defRPr sz="984" b="0" i="0" u="none" strike="noStrike" cap="none">
+          <a:solidFill>
+            <a:srgbClr val="000000"/>
+          </a:solidFill>
+          <a:latin typeface="Arial"/>
+          <a:ea typeface="Arial"/>
+          <a:cs typeface="Arial"/>
+          <a:sym typeface="Arial"/>
+        </a:defRPr>
+      </a:lvl1pPr>
+      <a:lvl2pPr marR="0" lvl="1" algn="l" rtl="0">
+        <a:lnSpc>
+          <a:spcPct val="100000"/>
+        </a:lnSpc>
+        <a:spcBef>
+          <a:spcPts val="0"/>
+        </a:spcBef>
+        <a:spcAft>
+          <a:spcPts val="0"/>
+        </a:spcAft>
+        <a:buClr>
+          <a:srgbClr val="000000"/>
+        </a:buClr>
+        <a:buFont typeface="Arial"/>
+        <a:defRPr sz="984" b="0" i="0" u="none" strike="noStrike" cap="none">
+          <a:solidFill>
+            <a:srgbClr val="000000"/>
+          </a:solidFill>
+          <a:latin typeface="Arial"/>
+          <a:ea typeface="Arial"/>
+          <a:cs typeface="Arial"/>
+          <a:sym typeface="Arial"/>
+        </a:defRPr>
+      </a:lvl2pPr>
+      <a:lvl3pPr marR="0" lvl="2" algn="l" rtl="0">
+        <a:lnSpc>
+          <a:spcPct val="100000"/>
+        </a:lnSpc>
+        <a:spcBef>
+          <a:spcPts val="0"/>
+        </a:spcBef>
+        <a:spcAft>
+          <a:spcPts val="0"/>
+        </a:spcAft>
+        <a:buClr>
+          <a:srgbClr val="000000"/>
+        </a:buClr>
+        <a:buFont typeface="Arial"/>
+        <a:defRPr sz="984" b="0" i="0" u="none" strike="noStrike" cap="none">
+          <a:solidFill>
+            <a:srgbClr val="000000"/>
+          </a:solidFill>
+          <a:latin typeface="Arial"/>
+          <a:ea typeface="Arial"/>
+          <a:cs typeface="Arial"/>
+          <a:sym typeface="Arial"/>
+        </a:defRPr>
+      </a:lvl3pPr>
+      <a:lvl4pPr marR="0" lvl="3" algn="l" rtl="0">
+        <a:lnSpc>
+          <a:spcPct val="100000"/>
+        </a:lnSpc>
+        <a:spcBef>
+          <a:spcPts val="0"/>
+        </a:spcBef>
+        <a:spcAft>
+          <a:spcPts val="0"/>
+        </a:spcAft>
+        <a:buClr>
+          <a:srgbClr val="000000"/>
+        </a:buClr>
+        <a:buFont typeface="Arial"/>
+        <a:defRPr sz="984" b="0" i="0" u="none" strike="noStrike" cap="none">
+          <a:solidFill>
+            <a:srgbClr val="000000"/>
+          </a:solidFill>
+          <a:latin typeface="Arial"/>
+          <a:ea typeface="Arial"/>
+          <a:cs typeface="Arial"/>
+          <a:sym typeface="Arial"/>
+        </a:defRPr>
+      </a:lvl4pPr>
+      <a:lvl5pPr marR="0" lvl="4" algn="l" rtl="0">
+        <a:lnSpc>
+          <a:spcPct val="100000"/>
+        </a:lnSpc>
+        <a:spcBef>
+          <a:spcPts val="0"/>
+        </a:spcBef>
+        <a:spcAft>
+          <a:spcPts val="0"/>
+        </a:spcAft>
+        <a:buClr>
+          <a:srgbClr val="000000"/>
+        </a:buClr>
+        <a:buFont typeface="Arial"/>
+        <a:defRPr sz="984" b="0" i="0" u="none" strike="noStrike" cap="none">
+          <a:solidFill>
+            <a:srgbClr val="000000"/>
+          </a:solidFill>
+          <a:latin typeface="Arial"/>
+          <a:ea typeface="Arial"/>
+          <a:cs typeface="Arial"/>
+          <a:sym typeface="Arial"/>
+        </a:defRPr>
+      </a:lvl5pPr>
+      <a:lvl6pPr marR="0" lvl="5" algn="l" rtl="0">
+        <a:lnSpc>
+          <a:spcPct val="100000"/>
+        </a:lnSpc>
+        <a:spcBef>
+          <a:spcPts val="0"/>
+        </a:spcBef>
+        <a:spcAft>
+          <a:spcPts val="0"/>
+        </a:spcAft>
+        <a:buClr>
+          <a:srgbClr val="000000"/>
+        </a:buClr>
+        <a:buFont typeface="Arial"/>
+        <a:defRPr sz="984" b="0" i="0" u="none" strike="noStrike" cap="none">
+          <a:solidFill>
+            <a:srgbClr val="000000"/>
+          </a:solidFill>
+          <a:latin typeface="Arial"/>
+          <a:ea typeface="Arial"/>
+          <a:cs typeface="Arial"/>
+          <a:sym typeface="Arial"/>
+        </a:defRPr>
+      </a:lvl6pPr>
+      <a:lvl7pPr marR="0" lvl="6" algn="l" rtl="0">
+        <a:lnSpc>
+          <a:spcPct val="100000"/>
+        </a:lnSpc>
+        <a:spcBef>
+          <a:spcPts val="0"/>
+        </a:spcBef>
+        <a:spcAft>
+          <a:spcPts val="0"/>
+        </a:spcAft>
+        <a:buClr>
+          <a:srgbClr val="000000"/>
+        </a:buClr>
+        <a:buFont typeface="Arial"/>
+        <a:defRPr sz="984" b="0" i="0" u="none" strike="noStrike" cap="none">
+          <a:solidFill>
+            <a:srgbClr val="000000"/>
+          </a:solidFill>
+          <a:latin typeface="Arial"/>
+          <a:ea typeface="Arial"/>
+          <a:cs typeface="Arial"/>
+          <a:sym typeface="Arial"/>
+        </a:defRPr>
+      </a:lvl7pPr>
+      <a:lvl8pPr marR="0" lvl="7" algn="l" rtl="0">
+        <a:lnSpc>
+          <a:spcPct val="100000"/>
+        </a:lnSpc>
+        <a:spcBef>
+          <a:spcPts val="0"/>
+        </a:spcBef>
+        <a:spcAft>
+          <a:spcPts val="0"/>
+        </a:spcAft>
+        <a:buClr>
+          <a:srgbClr val="000000"/>
+        </a:buClr>
+        <a:buFont typeface="Arial"/>
+        <a:defRPr sz="984" b="0" i="0" u="none" strike="noStrike" cap="none">
+          <a:solidFill>
+            <a:srgbClr val="000000"/>
+          </a:solidFill>
+          <a:latin typeface="Arial"/>
+          <a:ea typeface="Arial"/>
+          <a:cs typeface="Arial"/>
+          <a:sym typeface="Arial"/>
+        </a:defRPr>
+      </a:lvl8pPr>
+      <a:lvl9pPr marR="0" lvl="8" algn="l" rtl="0">
+        <a:lnSpc>
+          <a:spcPct val="100000"/>
+        </a:lnSpc>
+        <a:spcBef>
+          <a:spcPts val="0"/>
+        </a:spcBef>
+        <a:spcAft>
+          <a:spcPts val="0"/>
+        </a:spcAft>
+        <a:buClr>
+          <a:srgbClr val="000000"/>
+        </a:buClr>
+        <a:buFont typeface="Arial"/>
+        <a:defRPr sz="984" b="0" i="0" u="none" strike="noStrike" cap="none">
+          <a:solidFill>
+            <a:srgbClr val="000000"/>
+          </a:solidFill>
+          <a:latin typeface="Arial"/>
+          <a:ea typeface="Arial"/>
+          <a:cs typeface="Arial"/>
+          <a:sym typeface="Arial"/>
+        </a:defRPr>
+      </a:lvl9pPr>
+    </p:otherStyle>
+  </p:txStyles>
+</p:sldMaster>
+</file>
+
 <file path=ppt/slides/slide1.xml><?xml version="1.0" encoding="utf-8"?>
 <p:sld xmlns:a="http://schemas.openxmlformats.org/drawingml/2006/main" xmlns:r="http://schemas.openxmlformats.org/officeDocument/2006/relationships" xmlns:p="http://schemas.openxmlformats.org/presentationml/2006/main">
   <p:cSld>
@@ -3482,7 +5795,7 @@
           <a:p>
             <a:r>
               <a:rPr lang="en-US" dirty="0"/>
-              <a:t>Gary Grewal	</a:t>
+              <a:t>Rupinder Grewal	</a:t>
             </a:r>
           </a:p>
           <a:p>
@@ -3602,54 +5915,295 @@
             <p:ph idx="1"/>
           </p:nvPr>
         </p:nvSpPr>
-        <p:spPr/>
+        <p:spPr>
+          <a:xfrm>
+            <a:off x="1024128" y="1777999"/>
+            <a:ext cx="9720071" cy="4893733"/>
+          </a:xfrm>
+        </p:spPr>
         <p:txBody>
-          <a:bodyPr/>
+          <a:bodyPr>
+            <a:normAutofit/>
+          </a:bodyPr>
           <a:lstStyle/>
           <a:p>
+            <a:pPr marL="0" indent="0">
+              <a:buNone/>
+            </a:pPr>
+            <a:r>
+              <a:rPr lang="en-US" b="1" dirty="0"/>
+              <a:t>Bhanu Bhattarai</a:t>
+            </a:r>
+          </a:p>
+          <a:p>
+            <a:pPr lvl="1"/>
             <a:r>
               <a:rPr lang="en-US" dirty="0"/>
-              <a:t>Bhanu Bhattarai</a:t>
-            </a:r>
-          </a:p>
-          <a:p>
+              <a:t>Associate, Project Manager, Commercial Bank, Finance and Business Management </a:t>
+            </a:r>
+          </a:p>
+          <a:p>
+            <a:pPr marL="0" indent="0">
+              <a:buNone/>
+            </a:pPr>
+            <a:r>
+              <a:rPr lang="en-US" b="1" dirty="0"/>
+              <a:t>Michael Cook</a:t>
+            </a:r>
+          </a:p>
+          <a:p>
+            <a:pPr lvl="1"/>
             <a:r>
               <a:rPr lang="en-US" dirty="0"/>
-              <a:t>Michael Cook </a:t>
-            </a:r>
-          </a:p>
-          <a:p>
-            <a:r>
-              <a:rPr lang="en-US" dirty="0" err="1"/>
+              <a:t>Trade Lifecycle Associate, Corporate and Investment Bank, Securities Operations </a:t>
+            </a:r>
+          </a:p>
+          <a:p>
+            <a:pPr marL="0" indent="0">
+              <a:buNone/>
+            </a:pPr>
+            <a:r>
+              <a:rPr lang="en-US" b="1" dirty="0" err="1"/>
               <a:t>Jinu</a:t>
             </a:r>
             <a:r>
+              <a:rPr lang="en-US" b="1" dirty="0"/>
+              <a:t> Daniel</a:t>
+            </a:r>
+          </a:p>
+          <a:p>
+            <a:pPr lvl="1"/>
+            <a:r>
               <a:rPr lang="en-US" dirty="0"/>
-              <a:t> Daniel</a:t>
-            </a:r>
-          </a:p>
-          <a:p>
+              <a:t>Vice President, Chief Quality Office, Operations Technology</a:t>
+            </a:r>
+          </a:p>
+          <a:p>
+            <a:pPr marL="0" indent="0">
+              <a:buNone/>
+            </a:pPr>
+            <a:r>
+              <a:rPr lang="en-US" b="1" dirty="0"/>
+              <a:t>Rupinder Grewal</a:t>
+            </a:r>
+          </a:p>
+          <a:p>
+            <a:pPr lvl="1"/>
             <a:r>
               <a:rPr lang="en-US" dirty="0"/>
-              <a:t>Gary Grewal	</a:t>
-            </a:r>
-          </a:p>
-          <a:p>
+              <a:t>Vice President, Software Engineer, Retail</a:t>
+            </a:r>
+            <a:r>
+              <a:rPr lang="en-US" b="1" dirty="0"/>
+              <a:t>	</a:t>
+            </a:r>
+          </a:p>
+          <a:p>
+            <a:pPr marL="0" indent="0">
+              <a:buNone/>
+            </a:pPr>
+            <a:r>
+              <a:rPr lang="en-US" b="1" dirty="0"/>
+              <a:t>Basil </a:t>
+            </a:r>
+            <a:r>
+              <a:rPr lang="en-US" b="1" dirty="0" err="1"/>
+              <a:t>Marotical</a:t>
+            </a:r>
+            <a:endParaRPr lang="en-US" b="1" dirty="0"/>
+          </a:p>
+          <a:p>
+            <a:pPr lvl="1"/>
             <a:r>
               <a:rPr lang="en-US" dirty="0"/>
-              <a:t>Basil </a:t>
-            </a:r>
-            <a:r>
-              <a:rPr lang="en-US" dirty="0" err="1"/>
-              <a:t>Marotical</a:t>
-            </a:r>
-            <a:endParaRPr lang="en-US" dirty="0"/>
+              <a:t>Vice President, Data Visualization Manager, Finance Data and Insights</a:t>
+            </a:r>
           </a:p>
           <a:p>
             <a:endParaRPr lang="en-US" dirty="0"/>
           </a:p>
         </p:txBody>
       </p:sp>
+      <p:pic>
+        <p:nvPicPr>
+          <p:cNvPr id="9" name="Picture 8">
+            <a:extLst>
+              <a:ext uri="{FF2B5EF4-FFF2-40B4-BE49-F238E27FC236}">
+                <a16:creationId xmlns:a16="http://schemas.microsoft.com/office/drawing/2014/main" id="{DEE19240-63DE-4037-9C75-BCEFCB22472B}"/>
+              </a:ext>
+            </a:extLst>
+          </p:cNvPr>
+          <p:cNvPicPr>
+            <a:picLocks noChangeAspect="1"/>
+          </p:cNvPicPr>
+          <p:nvPr/>
+        </p:nvPicPr>
+        <p:blipFill>
+          <a:blip r:embed="rId2">
+            <a:extLst>
+              <a:ext uri="{28A0092B-C50C-407E-A947-70E740481C1C}">
+                <a14:useLocalDpi xmlns:a14="http://schemas.microsoft.com/office/drawing/2010/main" val="0"/>
+              </a:ext>
+            </a:extLst>
+          </a:blip>
+          <a:stretch>
+            <a:fillRect/>
+          </a:stretch>
+        </p:blipFill>
+        <p:spPr>
+          <a:xfrm>
+            <a:off x="9217076" y="3538301"/>
+            <a:ext cx="815420" cy="814862"/>
+          </a:xfrm>
+          <a:prstGeom prst="rect">
+            <a:avLst/>
+          </a:prstGeom>
+        </p:spPr>
+      </p:pic>
+      <p:pic>
+        <p:nvPicPr>
+          <p:cNvPr id="11" name="Picture 10">
+            <a:extLst>
+              <a:ext uri="{FF2B5EF4-FFF2-40B4-BE49-F238E27FC236}">
+                <a16:creationId xmlns:a16="http://schemas.microsoft.com/office/drawing/2014/main" id="{A2DBD4E3-5285-4FA2-9C01-2A65E8E8D54E}"/>
+              </a:ext>
+            </a:extLst>
+          </p:cNvPr>
+          <p:cNvPicPr>
+            <a:picLocks noChangeAspect="1"/>
+          </p:cNvPicPr>
+          <p:nvPr/>
+        </p:nvPicPr>
+        <p:blipFill>
+          <a:blip r:embed="rId3">
+            <a:extLst>
+              <a:ext uri="{28A0092B-C50C-407E-A947-70E740481C1C}">
+                <a14:useLocalDpi xmlns:a14="http://schemas.microsoft.com/office/drawing/2010/main" val="0"/>
+              </a:ext>
+            </a:extLst>
+          </a:blip>
+          <a:stretch>
+            <a:fillRect/>
+          </a:stretch>
+        </p:blipFill>
+        <p:spPr>
+          <a:xfrm>
+            <a:off x="9217075" y="2487995"/>
+            <a:ext cx="815421" cy="1029516"/>
+          </a:xfrm>
+          <a:prstGeom prst="rect">
+            <a:avLst/>
+          </a:prstGeom>
+        </p:spPr>
+      </p:pic>
+      <p:pic>
+        <p:nvPicPr>
+          <p:cNvPr id="13" name="Picture 12">
+            <a:extLst>
+              <a:ext uri="{FF2B5EF4-FFF2-40B4-BE49-F238E27FC236}">
+                <a16:creationId xmlns:a16="http://schemas.microsoft.com/office/drawing/2014/main" id="{DDD7B39F-31F8-433A-AF4F-43A7136FEF86}"/>
+              </a:ext>
+            </a:extLst>
+          </p:cNvPr>
+          <p:cNvPicPr>
+            <a:picLocks noChangeAspect="1"/>
+          </p:cNvPicPr>
+          <p:nvPr/>
+        </p:nvPicPr>
+        <p:blipFill>
+          <a:blip r:embed="rId4">
+            <a:extLst>
+              <a:ext uri="{28A0092B-C50C-407E-A947-70E740481C1C}">
+                <a14:useLocalDpi xmlns:a14="http://schemas.microsoft.com/office/drawing/2010/main" val="0"/>
+              </a:ext>
+            </a:extLst>
+          </a:blip>
+          <a:stretch>
+            <a:fillRect/>
+          </a:stretch>
+        </p:blipFill>
+        <p:spPr>
+          <a:xfrm>
+            <a:off x="9301860" y="4383520"/>
+            <a:ext cx="730636" cy="999160"/>
+          </a:xfrm>
+          <a:prstGeom prst="rect">
+            <a:avLst/>
+          </a:prstGeom>
+        </p:spPr>
+      </p:pic>
+      <p:pic>
+        <p:nvPicPr>
+          <p:cNvPr id="15" name="Picture 14">
+            <a:extLst>
+              <a:ext uri="{FF2B5EF4-FFF2-40B4-BE49-F238E27FC236}">
+                <a16:creationId xmlns:a16="http://schemas.microsoft.com/office/drawing/2014/main" id="{9F0F1D78-02ED-4C40-9EA5-F9102FE4F93B}"/>
+              </a:ext>
+            </a:extLst>
+          </p:cNvPr>
+          <p:cNvPicPr>
+            <a:picLocks noChangeAspect="1"/>
+          </p:cNvPicPr>
+          <p:nvPr/>
+        </p:nvPicPr>
+        <p:blipFill>
+          <a:blip r:embed="rId5">
+            <a:extLst>
+              <a:ext uri="{28A0092B-C50C-407E-A947-70E740481C1C}">
+                <a14:useLocalDpi xmlns:a14="http://schemas.microsoft.com/office/drawing/2010/main" val="0"/>
+              </a:ext>
+            </a:extLst>
+          </a:blip>
+          <a:stretch>
+            <a:fillRect/>
+          </a:stretch>
+        </p:blipFill>
+        <p:spPr>
+          <a:xfrm>
+            <a:off x="9217075" y="5413037"/>
+            <a:ext cx="815421" cy="1082772"/>
+          </a:xfrm>
+          <a:prstGeom prst="rect">
+            <a:avLst/>
+          </a:prstGeom>
+        </p:spPr>
+      </p:pic>
+      <p:pic>
+        <p:nvPicPr>
+          <p:cNvPr id="17" name="Picture 16">
+            <a:extLst>
+              <a:ext uri="{FF2B5EF4-FFF2-40B4-BE49-F238E27FC236}">
+                <a16:creationId xmlns:a16="http://schemas.microsoft.com/office/drawing/2014/main" id="{34DE0C46-DAD9-41AB-AC87-5B9867CA561F}"/>
+              </a:ext>
+            </a:extLst>
+          </p:cNvPr>
+          <p:cNvPicPr>
+            <a:picLocks noChangeAspect="1"/>
+          </p:cNvPicPr>
+          <p:nvPr/>
+        </p:nvPicPr>
+        <p:blipFill>
+          <a:blip r:embed="rId6">
+            <a:extLst>
+              <a:ext uri="{28A0092B-C50C-407E-A947-70E740481C1C}">
+                <a14:useLocalDpi xmlns:a14="http://schemas.microsoft.com/office/drawing/2010/main" val="0"/>
+              </a:ext>
+            </a:extLst>
+          </a:blip>
+          <a:stretch>
+            <a:fillRect/>
+          </a:stretch>
+        </p:blipFill>
+        <p:spPr>
+          <a:xfrm>
+            <a:off x="9217074" y="1554974"/>
+            <a:ext cx="802047" cy="917842"/>
+          </a:xfrm>
+          <a:prstGeom prst="rect">
+            <a:avLst/>
+          </a:prstGeom>
+        </p:spPr>
+      </p:pic>
     </p:spTree>
     <p:extLst>
       <p:ext uri="{BB962C8B-B14F-4D97-AF65-F5344CB8AC3E}">
@@ -3666,9 +6220,17 @@
 <file path=ppt/slides/slide3.xml><?xml version="1.0" encoding="utf-8"?>
 <p:sld xmlns:a="http://schemas.openxmlformats.org/drawingml/2006/main" xmlns:r="http://schemas.openxmlformats.org/officeDocument/2006/relationships" xmlns:p="http://schemas.openxmlformats.org/presentationml/2006/main">
   <p:cSld>
+    <p:bg>
+      <p:bgPr>
+        <a:solidFill>
+          <a:srgbClr val="DE7979"/>
+        </a:solidFill>
+        <a:effectLst/>
+      </p:bgPr>
+    </p:bg>
     <p:spTree>
       <p:nvGrpSpPr>
-        <p:cNvPr id="1" name=""/>
+        <p:cNvPr id="1" name="Shape 58"/>
         <p:cNvGrpSpPr/>
         <p:nvPr/>
       </p:nvGrpSpPr>
@@ -3680,253 +6242,1971 @@
           <a:chExt cx="0" cy="0"/>
         </a:xfrm>
       </p:grpSpPr>
+      <p:grpSp>
+        <p:nvGrpSpPr>
+          <p:cNvPr id="59" name="Google Shape;59;p14"/>
+          <p:cNvGrpSpPr/>
+          <p:nvPr/>
+        </p:nvGrpSpPr>
+        <p:grpSpPr>
+          <a:xfrm>
+            <a:off x="3913175" y="1409533"/>
+            <a:ext cx="2125267" cy="1838886"/>
+            <a:chOff x="-1" y="-1"/>
+            <a:chExt cx="3022601" cy="2615303"/>
+          </a:xfrm>
+        </p:grpSpPr>
+        <p:sp>
+          <p:nvSpPr>
+            <p:cNvPr id="60" name="Google Shape;60;p14"/>
+            <p:cNvSpPr/>
+            <p:nvPr/>
+          </p:nvSpPr>
+          <p:spPr>
+            <a:xfrm>
+              <a:off x="0" y="1929"/>
+              <a:ext cx="3022600" cy="2613373"/>
+            </a:xfrm>
+            <a:prstGeom prst="rect">
+              <a:avLst/>
+            </a:prstGeom>
+            <a:solidFill>
+              <a:srgbClr val="D6D5D5"/>
+            </a:solidFill>
+            <a:ln>
+              <a:noFill/>
+            </a:ln>
+          </p:spPr>
+          <p:txBody>
+            <a:bodyPr spcFirstLastPara="1" wrap="square" lIns="35719" tIns="35719" rIns="35719" bIns="35719" anchor="ctr" anchorCtr="0">
+              <a:noAutofit/>
+            </a:bodyPr>
+            <a:lstStyle/>
+            <a:p>
+              <a:pPr algn="ctr" defTabSz="642915">
+                <a:buClr>
+                  <a:srgbClr val="FFFFFF"/>
+                </a:buClr>
+                <a:buSzPts val="2200"/>
+              </a:pPr>
+              <a:endParaRPr sz="1547" kern="0">
+                <a:solidFill>
+                  <a:srgbClr val="FFFFFF"/>
+                </a:solidFill>
+                <a:latin typeface="Helvetica Neue"/>
+                <a:ea typeface="Helvetica Neue"/>
+                <a:cs typeface="Helvetica Neue"/>
+                <a:sym typeface="Helvetica Neue"/>
+              </a:endParaRPr>
+            </a:p>
+          </p:txBody>
+        </p:sp>
+        <p:sp>
+          <p:nvSpPr>
+            <p:cNvPr id="61" name="Google Shape;61;p14"/>
+            <p:cNvSpPr/>
+            <p:nvPr/>
+          </p:nvSpPr>
+          <p:spPr>
+            <a:xfrm>
+              <a:off x="-1" y="1929"/>
+              <a:ext cx="3021954" cy="457201"/>
+            </a:xfrm>
+            <a:prstGeom prst="rect">
+              <a:avLst/>
+            </a:prstGeom>
+            <a:solidFill>
+              <a:srgbClr val="52B289"/>
+            </a:solidFill>
+            <a:ln>
+              <a:noFill/>
+            </a:ln>
+          </p:spPr>
+          <p:txBody>
+            <a:bodyPr spcFirstLastPara="1" wrap="square" lIns="35719" tIns="35719" rIns="35719" bIns="35719" anchor="ctr" anchorCtr="0">
+              <a:noAutofit/>
+            </a:bodyPr>
+            <a:lstStyle/>
+            <a:p>
+              <a:pPr algn="ctr" defTabSz="642915">
+                <a:buClr>
+                  <a:srgbClr val="FFFFFF"/>
+                </a:buClr>
+                <a:buSzPts val="2200"/>
+              </a:pPr>
+              <a:endParaRPr sz="1547" kern="0">
+                <a:solidFill>
+                  <a:srgbClr val="FFFFFF"/>
+                </a:solidFill>
+                <a:latin typeface="Helvetica Neue"/>
+                <a:ea typeface="Helvetica Neue"/>
+                <a:cs typeface="Helvetica Neue"/>
+                <a:sym typeface="Helvetica Neue"/>
+              </a:endParaRPr>
+            </a:p>
+          </p:txBody>
+        </p:sp>
+        <p:sp>
+          <p:nvSpPr>
+            <p:cNvPr id="62" name="Google Shape;62;p14"/>
+            <p:cNvSpPr txBox="1"/>
+            <p:nvPr/>
+          </p:nvSpPr>
+          <p:spPr>
+            <a:xfrm>
+              <a:off x="402419" y="-1"/>
+              <a:ext cx="1632592" cy="461060"/>
+            </a:xfrm>
+            <a:prstGeom prst="rect">
+              <a:avLst/>
+            </a:prstGeom>
+            <a:noFill/>
+            <a:ln>
+              <a:noFill/>
+            </a:ln>
+          </p:spPr>
+          <p:txBody>
+            <a:bodyPr spcFirstLastPara="1" wrap="square" lIns="35719" tIns="35719" rIns="35719" bIns="35719" anchor="ctr" anchorCtr="0">
+              <a:noAutofit/>
+            </a:bodyPr>
+            <a:lstStyle/>
+            <a:p>
+              <a:pPr algn="ctr" defTabSz="642915">
+                <a:buClr>
+                  <a:srgbClr val="FFFFFF"/>
+                </a:buClr>
+                <a:buSzPts val="2400"/>
+              </a:pPr>
+              <a:r>
+                <a:rPr lang="en-US" sz="1687" b="1" kern="0">
+                  <a:solidFill>
+                    <a:srgbClr val="FFFFFF"/>
+                  </a:solidFill>
+                  <a:latin typeface="Helvetica Neue"/>
+                  <a:ea typeface="Helvetica Neue"/>
+                  <a:cs typeface="Helvetica Neue"/>
+                  <a:sym typeface="Helvetica Neue"/>
+                </a:rPr>
+                <a:t>Judgment</a:t>
+              </a:r>
+              <a:endParaRPr sz="984" kern="0">
+                <a:solidFill>
+                  <a:srgbClr val="000000"/>
+                </a:solidFill>
+                <a:latin typeface="Arial"/>
+                <a:cs typeface="Arial"/>
+                <a:sym typeface="Arial"/>
+              </a:endParaRPr>
+            </a:p>
+          </p:txBody>
+        </p:sp>
+      </p:grpSp>
       <p:sp>
         <p:nvSpPr>
-          <p:cNvPr id="2" name="Title 1">
-            <a:extLst>
-              <a:ext uri="{FF2B5EF4-FFF2-40B4-BE49-F238E27FC236}">
-                <a16:creationId xmlns:a16="http://schemas.microsoft.com/office/drawing/2014/main" id="{5872E351-518F-4803-9ADF-0315D229F77B}"/>
-              </a:ext>
-            </a:extLst>
-          </p:cNvPr>
-          <p:cNvSpPr>
-            <a:spLocks noGrp="1"/>
-          </p:cNvSpPr>
-          <p:nvPr>
-            <p:ph type="title"/>
-          </p:nvPr>
+          <p:cNvPr id="63" name="Google Shape;63;p14"/>
+          <p:cNvSpPr txBox="1"/>
+          <p:nvPr/>
         </p:nvSpPr>
         <p:spPr>
           <a:xfrm>
-            <a:off x="1024128" y="585216"/>
-            <a:ext cx="9720072" cy="1219521"/>
+            <a:off x="3950107" y="2134606"/>
+            <a:ext cx="2029504" cy="710376"/>
           </a:xfrm>
+          <a:prstGeom prst="rect">
+            <a:avLst/>
+          </a:prstGeom>
+          <a:noFill/>
+          <a:ln>
+            <a:noFill/>
+          </a:ln>
         </p:spPr>
         <p:txBody>
-          <a:bodyPr/>
+          <a:bodyPr spcFirstLastPara="1" wrap="square" lIns="35719" tIns="35719" rIns="35719" bIns="35719" anchor="ctr" anchorCtr="0">
+            <a:noAutofit/>
+          </a:bodyPr>
           <a:lstStyle/>
           <a:p>
-            <a:r>
-              <a:rPr lang="en-US" dirty="0"/>
-              <a:t>AI Canvas</a:t>
-            </a:r>
+            <a:pPr defTabSz="642915">
+              <a:buClr>
+                <a:srgbClr val="000000"/>
+              </a:buClr>
+              <a:buSzPts val="1600"/>
+            </a:pPr>
+            <a:r>
+              <a:rPr lang="en-US" sz="1125" kern="0" dirty="0">
+                <a:solidFill>
+                  <a:srgbClr val="000000"/>
+                </a:solidFill>
+                <a:latin typeface="Helvetica Neue"/>
+                <a:ea typeface="Helvetica Neue"/>
+                <a:cs typeface="Helvetica Neue"/>
+                <a:sym typeface="Helvetica Neue"/>
+              </a:rPr>
+              <a:t>True prediction will reduce risk, increase profitability of the bank. </a:t>
+            </a:r>
+          </a:p>
+          <a:p>
+            <a:pPr defTabSz="642915">
+              <a:buClr>
+                <a:srgbClr val="000000"/>
+              </a:buClr>
+              <a:buSzPts val="1600"/>
+            </a:pPr>
+            <a:r>
+              <a:rPr lang="en-US" sz="1125" kern="0" dirty="0">
+                <a:solidFill>
+                  <a:srgbClr val="000000"/>
+                </a:solidFill>
+                <a:latin typeface="Helvetica Neue"/>
+                <a:ea typeface="Helvetica Neue"/>
+                <a:cs typeface="Helvetica Neue"/>
+                <a:sym typeface="Helvetica Neue"/>
+              </a:rPr>
+              <a:t>False Positive will increase risk to the bank while False Negative will have adverse impact on the bank-customer relationship.</a:t>
+            </a:r>
+          </a:p>
+        </p:txBody>
+      </p:sp>
+      <p:grpSp>
+        <p:nvGrpSpPr>
+          <p:cNvPr id="64" name="Google Shape;64;p14"/>
+          <p:cNvGrpSpPr/>
+          <p:nvPr/>
+        </p:nvGrpSpPr>
+        <p:grpSpPr>
+          <a:xfrm>
+            <a:off x="1702872" y="1409533"/>
+            <a:ext cx="2125267" cy="1838886"/>
+            <a:chOff x="-1" y="-1"/>
+            <a:chExt cx="3022601" cy="2615303"/>
+          </a:xfrm>
+        </p:grpSpPr>
+        <p:sp>
+          <p:nvSpPr>
+            <p:cNvPr id="65" name="Google Shape;65;p14"/>
+            <p:cNvSpPr/>
+            <p:nvPr/>
+          </p:nvSpPr>
+          <p:spPr>
+            <a:xfrm>
+              <a:off x="0" y="1929"/>
+              <a:ext cx="3022600" cy="2613373"/>
+            </a:xfrm>
+            <a:prstGeom prst="rect">
+              <a:avLst/>
+            </a:prstGeom>
+            <a:solidFill>
+              <a:srgbClr val="D6D5D5"/>
+            </a:solidFill>
+            <a:ln>
+              <a:noFill/>
+            </a:ln>
+          </p:spPr>
+          <p:txBody>
+            <a:bodyPr spcFirstLastPara="1" wrap="square" lIns="35719" tIns="35719" rIns="35719" bIns="35719" anchor="ctr" anchorCtr="0">
+              <a:noAutofit/>
+            </a:bodyPr>
+            <a:lstStyle/>
+            <a:p>
+              <a:pPr algn="ctr" defTabSz="642915">
+                <a:buClr>
+                  <a:srgbClr val="FFFFFF"/>
+                </a:buClr>
+                <a:buSzPts val="2200"/>
+              </a:pPr>
+              <a:endParaRPr sz="1547" kern="0">
+                <a:solidFill>
+                  <a:srgbClr val="FFFFFF"/>
+                </a:solidFill>
+                <a:latin typeface="Helvetica Neue"/>
+                <a:ea typeface="Helvetica Neue"/>
+                <a:cs typeface="Helvetica Neue"/>
+                <a:sym typeface="Helvetica Neue"/>
+              </a:endParaRPr>
+            </a:p>
+          </p:txBody>
+        </p:sp>
+        <p:sp>
+          <p:nvSpPr>
+            <p:cNvPr id="66" name="Google Shape;66;p14"/>
+            <p:cNvSpPr/>
+            <p:nvPr/>
+          </p:nvSpPr>
+          <p:spPr>
+            <a:xfrm>
+              <a:off x="-1" y="1929"/>
+              <a:ext cx="3021954" cy="457201"/>
+            </a:xfrm>
+            <a:prstGeom prst="rect">
+              <a:avLst/>
+            </a:prstGeom>
+            <a:solidFill>
+              <a:srgbClr val="52B289"/>
+            </a:solidFill>
+            <a:ln>
+              <a:noFill/>
+            </a:ln>
+          </p:spPr>
+          <p:txBody>
+            <a:bodyPr spcFirstLastPara="1" wrap="square" lIns="35719" tIns="35719" rIns="35719" bIns="35719" anchor="ctr" anchorCtr="0">
+              <a:noAutofit/>
+            </a:bodyPr>
+            <a:lstStyle/>
+            <a:p>
+              <a:pPr algn="ctr" defTabSz="642915">
+                <a:buClr>
+                  <a:srgbClr val="FFFFFF"/>
+                </a:buClr>
+                <a:buSzPts val="2200"/>
+              </a:pPr>
+              <a:endParaRPr sz="1547" kern="0">
+                <a:solidFill>
+                  <a:srgbClr val="FFFFFF"/>
+                </a:solidFill>
+                <a:latin typeface="Helvetica Neue"/>
+                <a:ea typeface="Helvetica Neue"/>
+                <a:cs typeface="Helvetica Neue"/>
+                <a:sym typeface="Helvetica Neue"/>
+              </a:endParaRPr>
+            </a:p>
+          </p:txBody>
+        </p:sp>
+        <p:sp>
+          <p:nvSpPr>
+            <p:cNvPr id="67" name="Google Shape;67;p14"/>
+            <p:cNvSpPr txBox="1"/>
+            <p:nvPr/>
+          </p:nvSpPr>
+          <p:spPr>
+            <a:xfrm>
+              <a:off x="415299" y="-1"/>
+              <a:ext cx="1632592" cy="461060"/>
+            </a:xfrm>
+            <a:prstGeom prst="rect">
+              <a:avLst/>
+            </a:prstGeom>
+            <a:noFill/>
+            <a:ln>
+              <a:noFill/>
+            </a:ln>
+          </p:spPr>
+          <p:txBody>
+            <a:bodyPr spcFirstLastPara="1" wrap="square" lIns="35719" tIns="35719" rIns="35719" bIns="35719" anchor="ctr" anchorCtr="0">
+              <a:noAutofit/>
+            </a:bodyPr>
+            <a:lstStyle/>
+            <a:p>
+              <a:pPr algn="ctr" defTabSz="642915">
+                <a:buClr>
+                  <a:srgbClr val="FFFFFF"/>
+                </a:buClr>
+                <a:buSzPts val="2400"/>
+              </a:pPr>
+              <a:r>
+                <a:rPr lang="en-US" sz="1687" b="1" kern="0">
+                  <a:solidFill>
+                    <a:srgbClr val="FFFFFF"/>
+                  </a:solidFill>
+                  <a:latin typeface="Helvetica Neue"/>
+                  <a:ea typeface="Helvetica Neue"/>
+                  <a:cs typeface="Helvetica Neue"/>
+                  <a:sym typeface="Helvetica Neue"/>
+                </a:rPr>
+                <a:t>Prediction</a:t>
+              </a:r>
+              <a:endParaRPr sz="984" kern="0">
+                <a:solidFill>
+                  <a:srgbClr val="000000"/>
+                </a:solidFill>
+                <a:latin typeface="Arial"/>
+                <a:cs typeface="Arial"/>
+                <a:sym typeface="Arial"/>
+              </a:endParaRPr>
+            </a:p>
+          </p:txBody>
+        </p:sp>
+      </p:grpSp>
+      <p:sp>
+        <p:nvSpPr>
+          <p:cNvPr id="68" name="Google Shape;68;p14"/>
+          <p:cNvSpPr txBox="1"/>
+          <p:nvPr/>
+        </p:nvSpPr>
+        <p:spPr>
+          <a:xfrm>
+            <a:off x="1771170" y="1948697"/>
+            <a:ext cx="2029505" cy="614123"/>
+          </a:xfrm>
+          <a:prstGeom prst="rect">
+            <a:avLst/>
+          </a:prstGeom>
+          <a:noFill/>
+          <a:ln>
+            <a:noFill/>
+          </a:ln>
+        </p:spPr>
+        <p:txBody>
+          <a:bodyPr spcFirstLastPara="1" wrap="square" lIns="35719" tIns="35719" rIns="35719" bIns="35719" anchor="ctr" anchorCtr="0">
+            <a:noAutofit/>
+          </a:bodyPr>
+          <a:lstStyle/>
+          <a:p>
+            <a:pPr defTabSz="642915">
+              <a:buClr>
+                <a:srgbClr val="000000"/>
+              </a:buClr>
+              <a:buSzPts val="1600"/>
+            </a:pPr>
+            <a:r>
+              <a:rPr lang="en-US" sz="1125" kern="0" dirty="0">
+                <a:solidFill>
+                  <a:srgbClr val="000000"/>
+                </a:solidFill>
+                <a:latin typeface="Helvetica Neue"/>
+                <a:ea typeface="Helvetica Neue"/>
+                <a:cs typeface="Helvetica Neue"/>
+                <a:sym typeface="Helvetica Neue"/>
+              </a:rPr>
+              <a:t>The variation of housing prices across different geographical locations</a:t>
+            </a:r>
+            <a:endParaRPr sz="984" kern="0" dirty="0">
+              <a:solidFill>
+                <a:srgbClr val="000000"/>
+              </a:solidFill>
+              <a:latin typeface="Arial"/>
+              <a:cs typeface="Arial"/>
+              <a:sym typeface="Arial"/>
+            </a:endParaRPr>
+          </a:p>
+        </p:txBody>
+      </p:sp>
+      <p:pic>
+        <p:nvPicPr>
+          <p:cNvPr id="69" name="Google Shape;69;p14" descr="prediction.png"/>
+          <p:cNvPicPr preferRelativeResize="0"/>
+          <p:nvPr/>
+        </p:nvPicPr>
+        <p:blipFill rotWithShape="1">
+          <a:blip r:embed="rId3">
+            <a:alphaModFix/>
+          </a:blip>
+          <a:srcRect/>
+          <a:stretch/>
+        </p:blipFill>
+        <p:spPr>
+          <a:xfrm>
+            <a:off x="1717436" y="1436709"/>
+            <a:ext cx="253688" cy="253688"/>
+          </a:xfrm>
+          <a:prstGeom prst="rect">
+            <a:avLst/>
+          </a:prstGeom>
+          <a:noFill/>
+          <a:ln>
+            <a:noFill/>
+          </a:ln>
+        </p:spPr>
+      </p:pic>
+      <p:grpSp>
+        <p:nvGrpSpPr>
+          <p:cNvPr id="70" name="Google Shape;70;p14"/>
+          <p:cNvGrpSpPr/>
+          <p:nvPr/>
+        </p:nvGrpSpPr>
+        <p:grpSpPr>
+          <a:xfrm>
+            <a:off x="8295563" y="1409533"/>
+            <a:ext cx="2125267" cy="1838886"/>
+            <a:chOff x="-1" y="-1"/>
+            <a:chExt cx="3022601" cy="2615303"/>
+          </a:xfrm>
+        </p:grpSpPr>
+        <p:sp>
+          <p:nvSpPr>
+            <p:cNvPr id="71" name="Google Shape;71;p14"/>
+            <p:cNvSpPr/>
+            <p:nvPr/>
+          </p:nvSpPr>
+          <p:spPr>
+            <a:xfrm>
+              <a:off x="0" y="1929"/>
+              <a:ext cx="3022600" cy="2613373"/>
+            </a:xfrm>
+            <a:prstGeom prst="rect">
+              <a:avLst/>
+            </a:prstGeom>
+            <a:solidFill>
+              <a:srgbClr val="D6D5D5"/>
+            </a:solidFill>
+            <a:ln>
+              <a:noFill/>
+            </a:ln>
+          </p:spPr>
+          <p:txBody>
+            <a:bodyPr spcFirstLastPara="1" wrap="square" lIns="35719" tIns="35719" rIns="35719" bIns="35719" anchor="ctr" anchorCtr="0">
+              <a:noAutofit/>
+            </a:bodyPr>
+            <a:lstStyle/>
+            <a:p>
+              <a:pPr algn="ctr" defTabSz="642915">
+                <a:buClr>
+                  <a:srgbClr val="FFFFFF"/>
+                </a:buClr>
+                <a:buSzPts val="2200"/>
+              </a:pPr>
+              <a:endParaRPr sz="1547" kern="0">
+                <a:solidFill>
+                  <a:srgbClr val="FFFFFF"/>
+                </a:solidFill>
+                <a:latin typeface="Helvetica Neue"/>
+                <a:ea typeface="Helvetica Neue"/>
+                <a:cs typeface="Helvetica Neue"/>
+                <a:sym typeface="Helvetica Neue"/>
+              </a:endParaRPr>
+            </a:p>
+          </p:txBody>
+        </p:sp>
+        <p:sp>
+          <p:nvSpPr>
+            <p:cNvPr id="72" name="Google Shape;72;p14"/>
+            <p:cNvSpPr/>
+            <p:nvPr/>
+          </p:nvSpPr>
+          <p:spPr>
+            <a:xfrm>
+              <a:off x="-1" y="1929"/>
+              <a:ext cx="3021954" cy="457201"/>
+            </a:xfrm>
+            <a:prstGeom prst="rect">
+              <a:avLst/>
+            </a:prstGeom>
+            <a:solidFill>
+              <a:srgbClr val="52B289"/>
+            </a:solidFill>
+            <a:ln>
+              <a:noFill/>
+            </a:ln>
+          </p:spPr>
+          <p:txBody>
+            <a:bodyPr spcFirstLastPara="1" wrap="square" lIns="35719" tIns="35719" rIns="35719" bIns="35719" anchor="ctr" anchorCtr="0">
+              <a:noAutofit/>
+            </a:bodyPr>
+            <a:lstStyle/>
+            <a:p>
+              <a:pPr algn="ctr" defTabSz="642915">
+                <a:buClr>
+                  <a:srgbClr val="FFFFFF"/>
+                </a:buClr>
+                <a:buSzPts val="2200"/>
+              </a:pPr>
+              <a:endParaRPr sz="1547" kern="0">
+                <a:solidFill>
+                  <a:srgbClr val="FFFFFF"/>
+                </a:solidFill>
+                <a:latin typeface="Helvetica Neue"/>
+                <a:ea typeface="Helvetica Neue"/>
+                <a:cs typeface="Helvetica Neue"/>
+                <a:sym typeface="Helvetica Neue"/>
+              </a:endParaRPr>
+            </a:p>
+          </p:txBody>
+        </p:sp>
+        <p:sp>
+          <p:nvSpPr>
+            <p:cNvPr id="73" name="Google Shape;73;p14"/>
+            <p:cNvSpPr txBox="1"/>
+            <p:nvPr/>
+          </p:nvSpPr>
+          <p:spPr>
+            <a:xfrm>
+              <a:off x="338021" y="-1"/>
+              <a:ext cx="1632592" cy="461060"/>
+            </a:xfrm>
+            <a:prstGeom prst="rect">
+              <a:avLst/>
+            </a:prstGeom>
+            <a:noFill/>
+            <a:ln>
+              <a:noFill/>
+            </a:ln>
+          </p:spPr>
+          <p:txBody>
+            <a:bodyPr spcFirstLastPara="1" wrap="square" lIns="35719" tIns="35719" rIns="35719" bIns="35719" anchor="ctr" anchorCtr="0">
+              <a:noAutofit/>
+            </a:bodyPr>
+            <a:lstStyle/>
+            <a:p>
+              <a:pPr algn="ctr" defTabSz="642915">
+                <a:buClr>
+                  <a:srgbClr val="FFFFFF"/>
+                </a:buClr>
+                <a:buSzPts val="2400"/>
+              </a:pPr>
+              <a:r>
+                <a:rPr lang="en-US" sz="1687" b="1" kern="0">
+                  <a:solidFill>
+                    <a:srgbClr val="FFFFFF"/>
+                  </a:solidFill>
+                  <a:latin typeface="Helvetica Neue"/>
+                  <a:ea typeface="Helvetica Neue"/>
+                  <a:cs typeface="Helvetica Neue"/>
+                  <a:sym typeface="Helvetica Neue"/>
+                </a:rPr>
+                <a:t>Outcome</a:t>
+              </a:r>
+              <a:endParaRPr sz="984" kern="0">
+                <a:solidFill>
+                  <a:srgbClr val="000000"/>
+                </a:solidFill>
+                <a:latin typeface="Arial"/>
+                <a:cs typeface="Arial"/>
+                <a:sym typeface="Arial"/>
+              </a:endParaRPr>
+            </a:p>
+          </p:txBody>
+        </p:sp>
+      </p:grpSp>
+      <p:sp>
+        <p:nvSpPr>
+          <p:cNvPr id="74" name="Google Shape;74;p14"/>
+          <p:cNvSpPr txBox="1"/>
+          <p:nvPr/>
+        </p:nvSpPr>
+        <p:spPr>
+          <a:xfrm>
+            <a:off x="8343216" y="1779418"/>
+            <a:ext cx="2029505" cy="710376"/>
+          </a:xfrm>
+          <a:prstGeom prst="rect">
+            <a:avLst/>
+          </a:prstGeom>
+          <a:noFill/>
+          <a:ln>
+            <a:noFill/>
+          </a:ln>
+        </p:spPr>
+        <p:txBody>
+          <a:bodyPr spcFirstLastPara="1" wrap="square" lIns="35719" tIns="35719" rIns="35719" bIns="35719" anchor="ctr" anchorCtr="0">
+            <a:noAutofit/>
+          </a:bodyPr>
+          <a:lstStyle/>
+          <a:p>
+            <a:pPr defTabSz="642915">
+              <a:buClr>
+                <a:srgbClr val="000000"/>
+              </a:buClr>
+              <a:buSzPts val="1600"/>
+            </a:pPr>
+            <a:r>
+              <a:rPr lang="en-US" sz="984" kern="0" dirty="0">
+                <a:solidFill>
+                  <a:srgbClr val="000000"/>
+                </a:solidFill>
+                <a:latin typeface="Arial"/>
+                <a:cs typeface="Arial"/>
+                <a:sym typeface="Arial"/>
+              </a:rPr>
+              <a:t>The primary measure of the model’s performance will be Root Mean Square Error (RMSE)</a:t>
+            </a:r>
+            <a:endParaRPr sz="984" kern="0" dirty="0">
+              <a:solidFill>
+                <a:srgbClr val="000000"/>
+              </a:solidFill>
+              <a:latin typeface="Arial"/>
+              <a:cs typeface="Arial"/>
+              <a:sym typeface="Arial"/>
+            </a:endParaRPr>
+          </a:p>
+        </p:txBody>
+      </p:sp>
+      <p:grpSp>
+        <p:nvGrpSpPr>
+          <p:cNvPr id="75" name="Google Shape;75;p14"/>
+          <p:cNvGrpSpPr/>
+          <p:nvPr/>
+        </p:nvGrpSpPr>
+        <p:grpSpPr>
+          <a:xfrm>
+            <a:off x="6102034" y="1409533"/>
+            <a:ext cx="2125267" cy="1838886"/>
+            <a:chOff x="-1" y="0"/>
+            <a:chExt cx="3022601" cy="2615302"/>
+          </a:xfrm>
+        </p:grpSpPr>
+        <p:sp>
+          <p:nvSpPr>
+            <p:cNvPr id="76" name="Google Shape;76;p14"/>
+            <p:cNvSpPr/>
+            <p:nvPr/>
+          </p:nvSpPr>
+          <p:spPr>
+            <a:xfrm>
+              <a:off x="0" y="1929"/>
+              <a:ext cx="3022600" cy="2613373"/>
+            </a:xfrm>
+            <a:prstGeom prst="rect">
+              <a:avLst/>
+            </a:prstGeom>
+            <a:solidFill>
+              <a:srgbClr val="D6D5D5"/>
+            </a:solidFill>
+            <a:ln>
+              <a:noFill/>
+            </a:ln>
+          </p:spPr>
+          <p:txBody>
+            <a:bodyPr spcFirstLastPara="1" wrap="square" lIns="35719" tIns="35719" rIns="35719" bIns="35719" anchor="ctr" anchorCtr="0">
+              <a:noAutofit/>
+            </a:bodyPr>
+            <a:lstStyle/>
+            <a:p>
+              <a:pPr algn="ctr" defTabSz="642915">
+                <a:buClr>
+                  <a:srgbClr val="FFFFFF"/>
+                </a:buClr>
+                <a:buSzPts val="2200"/>
+              </a:pPr>
+              <a:endParaRPr sz="1547" kern="0">
+                <a:solidFill>
+                  <a:srgbClr val="FFFFFF"/>
+                </a:solidFill>
+                <a:latin typeface="Helvetica Neue"/>
+                <a:ea typeface="Helvetica Neue"/>
+                <a:cs typeface="Helvetica Neue"/>
+                <a:sym typeface="Helvetica Neue"/>
+              </a:endParaRPr>
+            </a:p>
+          </p:txBody>
+        </p:sp>
+        <p:sp>
+          <p:nvSpPr>
+            <p:cNvPr id="77" name="Google Shape;77;p14"/>
+            <p:cNvSpPr/>
+            <p:nvPr/>
+          </p:nvSpPr>
+          <p:spPr>
+            <a:xfrm>
+              <a:off x="-1" y="1929"/>
+              <a:ext cx="3021954" cy="457201"/>
+            </a:xfrm>
+            <a:prstGeom prst="rect">
+              <a:avLst/>
+            </a:prstGeom>
+            <a:solidFill>
+              <a:srgbClr val="52B289"/>
+            </a:solidFill>
+            <a:ln>
+              <a:noFill/>
+            </a:ln>
+          </p:spPr>
+          <p:txBody>
+            <a:bodyPr spcFirstLastPara="1" wrap="square" lIns="35719" tIns="35719" rIns="35719" bIns="35719" anchor="ctr" anchorCtr="0">
+              <a:noAutofit/>
+            </a:bodyPr>
+            <a:lstStyle/>
+            <a:p>
+              <a:pPr algn="ctr" defTabSz="642915">
+                <a:buClr>
+                  <a:srgbClr val="FFFFFF"/>
+                </a:buClr>
+                <a:buSzPts val="2200"/>
+              </a:pPr>
+              <a:endParaRPr sz="1547" kern="0">
+                <a:solidFill>
+                  <a:srgbClr val="FFFFFF"/>
+                </a:solidFill>
+                <a:latin typeface="Helvetica Neue"/>
+                <a:ea typeface="Helvetica Neue"/>
+                <a:cs typeface="Helvetica Neue"/>
+                <a:sym typeface="Helvetica Neue"/>
+              </a:endParaRPr>
+            </a:p>
+          </p:txBody>
+        </p:sp>
+        <p:sp>
+          <p:nvSpPr>
+            <p:cNvPr id="78" name="Google Shape;78;p14"/>
+            <p:cNvSpPr txBox="1"/>
+            <p:nvPr/>
+          </p:nvSpPr>
+          <p:spPr>
+            <a:xfrm>
+              <a:off x="119066" y="0"/>
+              <a:ext cx="1632592" cy="461059"/>
+            </a:xfrm>
+            <a:prstGeom prst="rect">
+              <a:avLst/>
+            </a:prstGeom>
+            <a:noFill/>
+            <a:ln>
+              <a:noFill/>
+            </a:ln>
+          </p:spPr>
+          <p:txBody>
+            <a:bodyPr spcFirstLastPara="1" wrap="square" lIns="35719" tIns="35719" rIns="35719" bIns="35719" anchor="ctr" anchorCtr="0">
+              <a:noAutofit/>
+            </a:bodyPr>
+            <a:lstStyle/>
+            <a:p>
+              <a:pPr algn="ctr" defTabSz="642915">
+                <a:buClr>
+                  <a:srgbClr val="FFFFFF"/>
+                </a:buClr>
+                <a:buSzPts val="2400"/>
+              </a:pPr>
+              <a:r>
+                <a:rPr lang="en-US" sz="1687" b="1" kern="0">
+                  <a:solidFill>
+                    <a:srgbClr val="FFFFFF"/>
+                  </a:solidFill>
+                  <a:latin typeface="Helvetica Neue"/>
+                  <a:ea typeface="Helvetica Neue"/>
+                  <a:cs typeface="Helvetica Neue"/>
+                  <a:sym typeface="Helvetica Neue"/>
+                </a:rPr>
+                <a:t>Action</a:t>
+              </a:r>
+              <a:endParaRPr sz="984" kern="0">
+                <a:solidFill>
+                  <a:srgbClr val="000000"/>
+                </a:solidFill>
+                <a:latin typeface="Arial"/>
+                <a:cs typeface="Arial"/>
+                <a:sym typeface="Arial"/>
+              </a:endParaRPr>
+            </a:p>
+          </p:txBody>
+        </p:sp>
+      </p:grpSp>
+      <p:sp>
+        <p:nvSpPr>
+          <p:cNvPr id="79" name="Google Shape;79;p14"/>
+          <p:cNvSpPr txBox="1"/>
+          <p:nvPr/>
+        </p:nvSpPr>
+        <p:spPr>
+          <a:xfrm>
+            <a:off x="6149687" y="2135201"/>
+            <a:ext cx="2029505" cy="388907"/>
+          </a:xfrm>
+          <a:prstGeom prst="rect">
+            <a:avLst/>
+          </a:prstGeom>
+          <a:noFill/>
+          <a:ln>
+            <a:noFill/>
+          </a:ln>
+        </p:spPr>
+        <p:txBody>
+          <a:bodyPr spcFirstLastPara="1" wrap="square" lIns="35719" tIns="35719" rIns="35719" bIns="35719" anchor="ctr" anchorCtr="0">
+            <a:noAutofit/>
+          </a:bodyPr>
+          <a:lstStyle/>
+          <a:p>
+            <a:pPr defTabSz="642915">
+              <a:buClr>
+                <a:srgbClr val="000000"/>
+              </a:buClr>
+              <a:buSzPts val="1600"/>
+            </a:pPr>
+            <a:r>
+              <a:rPr lang="en-US" sz="1125" kern="0" dirty="0">
+                <a:solidFill>
+                  <a:srgbClr val="000000"/>
+                </a:solidFill>
+                <a:latin typeface="Helvetica Neue"/>
+                <a:cs typeface="Arial"/>
+                <a:sym typeface="Helvetica Neue"/>
+              </a:rPr>
+              <a:t>In case of high variance between the predicted  versus appraised market value of the house, the bank can initiate extra measures to minimize the risk.</a:t>
+            </a:r>
+            <a:endParaRPr sz="984" kern="0" dirty="0">
+              <a:solidFill>
+                <a:srgbClr val="000000"/>
+              </a:solidFill>
+              <a:latin typeface="Arial"/>
+              <a:cs typeface="Arial"/>
+              <a:sym typeface="Arial"/>
+            </a:endParaRPr>
+          </a:p>
+        </p:txBody>
+      </p:sp>
+      <p:pic>
+        <p:nvPicPr>
+          <p:cNvPr id="80" name="Google Shape;80;p14" descr="judgment.png"/>
+          <p:cNvPicPr preferRelativeResize="0"/>
+          <p:nvPr/>
+        </p:nvPicPr>
+        <p:blipFill rotWithShape="1">
+          <a:blip r:embed="rId4">
+            <a:alphaModFix/>
+          </a:blip>
+          <a:srcRect/>
+          <a:stretch/>
+        </p:blipFill>
+        <p:spPr>
+          <a:xfrm>
+            <a:off x="3923069" y="1436709"/>
+            <a:ext cx="253688" cy="253688"/>
+          </a:xfrm>
+          <a:prstGeom prst="rect">
+            <a:avLst/>
+          </a:prstGeom>
+          <a:noFill/>
+          <a:ln>
+            <a:noFill/>
+          </a:ln>
+        </p:spPr>
+      </p:pic>
+      <p:pic>
+        <p:nvPicPr>
+          <p:cNvPr id="81" name="Google Shape;81;p14" descr="action.png"/>
+          <p:cNvPicPr preferRelativeResize="0"/>
+          <p:nvPr/>
+        </p:nvPicPr>
+        <p:blipFill rotWithShape="1">
+          <a:blip r:embed="rId5">
+            <a:alphaModFix/>
+          </a:blip>
+          <a:srcRect/>
+          <a:stretch/>
+        </p:blipFill>
+        <p:spPr>
+          <a:xfrm>
+            <a:off x="6137812" y="1438538"/>
+            <a:ext cx="250032" cy="250032"/>
+          </a:xfrm>
+          <a:prstGeom prst="rect">
+            <a:avLst/>
+          </a:prstGeom>
+          <a:noFill/>
+          <a:ln>
+            <a:noFill/>
+          </a:ln>
+        </p:spPr>
+      </p:pic>
+      <p:pic>
+        <p:nvPicPr>
+          <p:cNvPr id="82" name="Google Shape;82;p14" descr="outcome.png"/>
+          <p:cNvPicPr preferRelativeResize="0"/>
+          <p:nvPr/>
+        </p:nvPicPr>
+        <p:blipFill rotWithShape="1">
+          <a:blip r:embed="rId6">
+            <a:alphaModFix/>
+          </a:blip>
+          <a:srcRect/>
+          <a:stretch/>
+        </p:blipFill>
+        <p:spPr>
+          <a:xfrm>
+            <a:off x="8348899" y="1438538"/>
+            <a:ext cx="250032" cy="250032"/>
+          </a:xfrm>
+          <a:prstGeom prst="rect">
+            <a:avLst/>
+          </a:prstGeom>
+          <a:noFill/>
+          <a:ln>
+            <a:noFill/>
+          </a:ln>
+        </p:spPr>
+      </p:pic>
+      <p:grpSp>
+        <p:nvGrpSpPr>
+          <p:cNvPr id="83" name="Google Shape;83;p14"/>
+          <p:cNvGrpSpPr/>
+          <p:nvPr/>
+        </p:nvGrpSpPr>
+        <p:grpSpPr>
+          <a:xfrm>
+            <a:off x="1711522" y="3329114"/>
+            <a:ext cx="2857501" cy="1839518"/>
+            <a:chOff x="-1" y="37"/>
+            <a:chExt cx="4064001" cy="2616201"/>
+          </a:xfrm>
+        </p:grpSpPr>
+        <p:sp>
+          <p:nvSpPr>
+            <p:cNvPr id="84" name="Google Shape;84;p14"/>
+            <p:cNvSpPr/>
+            <p:nvPr/>
+          </p:nvSpPr>
+          <p:spPr>
+            <a:xfrm>
+              <a:off x="0" y="1967"/>
+              <a:ext cx="4064000" cy="2614271"/>
+            </a:xfrm>
+            <a:prstGeom prst="rect">
+              <a:avLst/>
+            </a:prstGeom>
+            <a:solidFill>
+              <a:srgbClr val="D6D5D5"/>
+            </a:solidFill>
+            <a:ln>
+              <a:noFill/>
+            </a:ln>
+          </p:spPr>
+          <p:txBody>
+            <a:bodyPr spcFirstLastPara="1" wrap="square" lIns="35719" tIns="35719" rIns="35719" bIns="35719" anchor="ctr" anchorCtr="0">
+              <a:noAutofit/>
+            </a:bodyPr>
+            <a:lstStyle/>
+            <a:p>
+              <a:pPr algn="ctr" defTabSz="642915">
+                <a:buClr>
+                  <a:srgbClr val="FFFFFF"/>
+                </a:buClr>
+                <a:buSzPts val="2200"/>
+              </a:pPr>
+              <a:endParaRPr sz="1547" kern="0">
+                <a:solidFill>
+                  <a:srgbClr val="FFFFFF"/>
+                </a:solidFill>
+                <a:latin typeface="Helvetica Neue"/>
+                <a:ea typeface="Helvetica Neue"/>
+                <a:cs typeface="Helvetica Neue"/>
+                <a:sym typeface="Helvetica Neue"/>
+              </a:endParaRPr>
+            </a:p>
+          </p:txBody>
+        </p:sp>
+        <p:sp>
+          <p:nvSpPr>
+            <p:cNvPr id="85" name="Google Shape;85;p14"/>
+            <p:cNvSpPr/>
+            <p:nvPr/>
+          </p:nvSpPr>
+          <p:spPr>
+            <a:xfrm>
+              <a:off x="-1" y="1967"/>
+              <a:ext cx="4063130" cy="457358"/>
+            </a:xfrm>
+            <a:prstGeom prst="rect">
+              <a:avLst/>
+            </a:prstGeom>
+            <a:solidFill>
+              <a:srgbClr val="66B890"/>
+            </a:solidFill>
+            <a:ln>
+              <a:noFill/>
+            </a:ln>
+          </p:spPr>
+          <p:txBody>
+            <a:bodyPr spcFirstLastPara="1" wrap="square" lIns="35719" tIns="35719" rIns="35719" bIns="35719" anchor="ctr" anchorCtr="0">
+              <a:noAutofit/>
+            </a:bodyPr>
+            <a:lstStyle/>
+            <a:p>
+              <a:pPr algn="ctr" defTabSz="642915">
+                <a:buClr>
+                  <a:srgbClr val="FFFFFF"/>
+                </a:buClr>
+                <a:buSzPts val="2200"/>
+              </a:pPr>
+              <a:endParaRPr sz="1547" kern="0">
+                <a:solidFill>
+                  <a:srgbClr val="FFFFFF"/>
+                </a:solidFill>
+                <a:latin typeface="Helvetica Neue"/>
+                <a:ea typeface="Helvetica Neue"/>
+                <a:cs typeface="Helvetica Neue"/>
+                <a:sym typeface="Helvetica Neue"/>
+              </a:endParaRPr>
+            </a:p>
+          </p:txBody>
+        </p:sp>
+        <p:sp>
+          <p:nvSpPr>
+            <p:cNvPr id="86" name="Google Shape;86;p14"/>
+            <p:cNvSpPr txBox="1"/>
+            <p:nvPr/>
+          </p:nvSpPr>
+          <p:spPr>
+            <a:xfrm>
+              <a:off x="393285" y="37"/>
+              <a:ext cx="1386995" cy="461218"/>
+            </a:xfrm>
+            <a:prstGeom prst="rect">
+              <a:avLst/>
+            </a:prstGeom>
+            <a:noFill/>
+            <a:ln>
+              <a:noFill/>
+            </a:ln>
+          </p:spPr>
+          <p:txBody>
+            <a:bodyPr spcFirstLastPara="1" wrap="square" lIns="35719" tIns="35719" rIns="35719" bIns="35719" anchor="ctr" anchorCtr="0">
+              <a:noAutofit/>
+            </a:bodyPr>
+            <a:lstStyle/>
+            <a:p>
+              <a:pPr algn="ctr" defTabSz="642915">
+                <a:buClr>
+                  <a:srgbClr val="FFFFFF"/>
+                </a:buClr>
+                <a:buSzPts val="2400"/>
+              </a:pPr>
+              <a:r>
+                <a:rPr lang="en-US" sz="1687" b="1" kern="0">
+                  <a:solidFill>
+                    <a:srgbClr val="FFFFFF"/>
+                  </a:solidFill>
+                  <a:latin typeface="Helvetica Neue"/>
+                  <a:ea typeface="Helvetica Neue"/>
+                  <a:cs typeface="Helvetica Neue"/>
+                  <a:sym typeface="Helvetica Neue"/>
+                </a:rPr>
+                <a:t>Training</a:t>
+              </a:r>
+              <a:endParaRPr sz="984" kern="0">
+                <a:solidFill>
+                  <a:srgbClr val="000000"/>
+                </a:solidFill>
+                <a:latin typeface="Arial"/>
+                <a:cs typeface="Arial"/>
+                <a:sym typeface="Arial"/>
+              </a:endParaRPr>
+            </a:p>
+          </p:txBody>
+        </p:sp>
+      </p:grpSp>
+      <p:grpSp>
+        <p:nvGrpSpPr>
+          <p:cNvPr id="87" name="Google Shape;87;p14"/>
+          <p:cNvGrpSpPr/>
+          <p:nvPr/>
+        </p:nvGrpSpPr>
+        <p:grpSpPr>
+          <a:xfrm>
+            <a:off x="4640459" y="3329087"/>
+            <a:ext cx="2857501" cy="1839518"/>
+            <a:chOff x="-1" y="37"/>
+            <a:chExt cx="4064001" cy="2616201"/>
+          </a:xfrm>
+        </p:grpSpPr>
+        <p:sp>
+          <p:nvSpPr>
+            <p:cNvPr id="88" name="Google Shape;88;p14"/>
+            <p:cNvSpPr/>
+            <p:nvPr/>
+          </p:nvSpPr>
+          <p:spPr>
+            <a:xfrm>
+              <a:off x="0" y="1967"/>
+              <a:ext cx="4064000" cy="2614271"/>
+            </a:xfrm>
+            <a:prstGeom prst="rect">
+              <a:avLst/>
+            </a:prstGeom>
+            <a:solidFill>
+              <a:srgbClr val="D6D5D5"/>
+            </a:solidFill>
+            <a:ln>
+              <a:noFill/>
+            </a:ln>
+          </p:spPr>
+          <p:txBody>
+            <a:bodyPr spcFirstLastPara="1" wrap="square" lIns="35719" tIns="35719" rIns="35719" bIns="35719" anchor="ctr" anchorCtr="0">
+              <a:noAutofit/>
+            </a:bodyPr>
+            <a:lstStyle/>
+            <a:p>
+              <a:pPr algn="ctr" defTabSz="642915">
+                <a:buClr>
+                  <a:srgbClr val="FFFFFF"/>
+                </a:buClr>
+                <a:buSzPts val="2200"/>
+              </a:pPr>
+              <a:endParaRPr sz="1547" kern="0">
+                <a:solidFill>
+                  <a:srgbClr val="FFFFFF"/>
+                </a:solidFill>
+                <a:latin typeface="Helvetica Neue"/>
+                <a:ea typeface="Helvetica Neue"/>
+                <a:cs typeface="Helvetica Neue"/>
+                <a:sym typeface="Helvetica Neue"/>
+              </a:endParaRPr>
+            </a:p>
+          </p:txBody>
+        </p:sp>
+        <p:sp>
+          <p:nvSpPr>
+            <p:cNvPr id="89" name="Google Shape;89;p14"/>
+            <p:cNvSpPr/>
+            <p:nvPr/>
+          </p:nvSpPr>
+          <p:spPr>
+            <a:xfrm>
+              <a:off x="-1" y="1967"/>
+              <a:ext cx="4063130" cy="457358"/>
+            </a:xfrm>
+            <a:prstGeom prst="rect">
+              <a:avLst/>
+            </a:prstGeom>
+            <a:solidFill>
+              <a:srgbClr val="66B890"/>
+            </a:solidFill>
+            <a:ln>
+              <a:noFill/>
+            </a:ln>
+          </p:spPr>
+          <p:txBody>
+            <a:bodyPr spcFirstLastPara="1" wrap="square" lIns="35719" tIns="35719" rIns="35719" bIns="35719" anchor="ctr" anchorCtr="0">
+              <a:noAutofit/>
+            </a:bodyPr>
+            <a:lstStyle/>
+            <a:p>
+              <a:pPr algn="ctr" defTabSz="642915">
+                <a:buClr>
+                  <a:srgbClr val="FFFFFF"/>
+                </a:buClr>
+                <a:buSzPts val="2200"/>
+              </a:pPr>
+              <a:endParaRPr sz="1547" kern="0">
+                <a:solidFill>
+                  <a:srgbClr val="FFFFFF"/>
+                </a:solidFill>
+                <a:latin typeface="Helvetica Neue"/>
+                <a:ea typeface="Helvetica Neue"/>
+                <a:cs typeface="Helvetica Neue"/>
+                <a:sym typeface="Helvetica Neue"/>
+              </a:endParaRPr>
+            </a:p>
+          </p:txBody>
+        </p:sp>
+        <p:sp>
+          <p:nvSpPr>
+            <p:cNvPr id="90" name="Google Shape;90;p14"/>
+            <p:cNvSpPr txBox="1"/>
+            <p:nvPr/>
+          </p:nvSpPr>
+          <p:spPr>
+            <a:xfrm>
+              <a:off x="329785" y="37"/>
+              <a:ext cx="1010856" cy="461218"/>
+            </a:xfrm>
+            <a:prstGeom prst="rect">
+              <a:avLst/>
+            </a:prstGeom>
+            <a:noFill/>
+            <a:ln>
+              <a:noFill/>
+            </a:ln>
+          </p:spPr>
+          <p:txBody>
+            <a:bodyPr spcFirstLastPara="1" wrap="square" lIns="35719" tIns="35719" rIns="35719" bIns="35719" anchor="ctr" anchorCtr="0">
+              <a:noAutofit/>
+            </a:bodyPr>
+            <a:lstStyle/>
+            <a:p>
+              <a:pPr algn="ctr" defTabSz="642915">
+                <a:buClr>
+                  <a:srgbClr val="FFFFFF"/>
+                </a:buClr>
+                <a:buSzPts val="2400"/>
+              </a:pPr>
+              <a:r>
+                <a:rPr lang="en-US" sz="1687" b="1" kern="0">
+                  <a:solidFill>
+                    <a:srgbClr val="FFFFFF"/>
+                  </a:solidFill>
+                  <a:latin typeface="Helvetica Neue"/>
+                  <a:ea typeface="Helvetica Neue"/>
+                  <a:cs typeface="Helvetica Neue"/>
+                  <a:sym typeface="Helvetica Neue"/>
+                </a:rPr>
+                <a:t>Input</a:t>
+              </a:r>
+              <a:endParaRPr sz="984" kern="0">
+                <a:solidFill>
+                  <a:srgbClr val="000000"/>
+                </a:solidFill>
+                <a:latin typeface="Arial"/>
+                <a:cs typeface="Arial"/>
+                <a:sym typeface="Arial"/>
+              </a:endParaRPr>
+            </a:p>
+          </p:txBody>
+        </p:sp>
+      </p:grpSp>
+      <p:grpSp>
+        <p:nvGrpSpPr>
+          <p:cNvPr id="91" name="Google Shape;91;p14"/>
+          <p:cNvGrpSpPr/>
+          <p:nvPr/>
+        </p:nvGrpSpPr>
+        <p:grpSpPr>
+          <a:xfrm>
+            <a:off x="7569397" y="3329114"/>
+            <a:ext cx="2857501" cy="1839518"/>
+            <a:chOff x="-1" y="37"/>
+            <a:chExt cx="4064001" cy="2616201"/>
+          </a:xfrm>
+        </p:grpSpPr>
+        <p:sp>
+          <p:nvSpPr>
+            <p:cNvPr id="92" name="Google Shape;92;p14"/>
+            <p:cNvSpPr/>
+            <p:nvPr/>
+          </p:nvSpPr>
+          <p:spPr>
+            <a:xfrm>
+              <a:off x="0" y="1967"/>
+              <a:ext cx="4064000" cy="2614271"/>
+            </a:xfrm>
+            <a:prstGeom prst="rect">
+              <a:avLst/>
+            </a:prstGeom>
+            <a:solidFill>
+              <a:srgbClr val="D6D5D5"/>
+            </a:solidFill>
+            <a:ln>
+              <a:noFill/>
+            </a:ln>
+          </p:spPr>
+          <p:txBody>
+            <a:bodyPr spcFirstLastPara="1" wrap="square" lIns="35719" tIns="35719" rIns="35719" bIns="35719" anchor="ctr" anchorCtr="0">
+              <a:noAutofit/>
+            </a:bodyPr>
+            <a:lstStyle/>
+            <a:p>
+              <a:pPr algn="ctr" defTabSz="642915">
+                <a:buClr>
+                  <a:srgbClr val="FFFFFF"/>
+                </a:buClr>
+                <a:buSzPts val="2200"/>
+              </a:pPr>
+              <a:endParaRPr sz="1547" kern="0">
+                <a:solidFill>
+                  <a:srgbClr val="FFFFFF"/>
+                </a:solidFill>
+                <a:latin typeface="Helvetica Neue"/>
+                <a:ea typeface="Helvetica Neue"/>
+                <a:cs typeface="Helvetica Neue"/>
+                <a:sym typeface="Helvetica Neue"/>
+              </a:endParaRPr>
+            </a:p>
+          </p:txBody>
+        </p:sp>
+        <p:sp>
+          <p:nvSpPr>
+            <p:cNvPr id="93" name="Google Shape;93;p14"/>
+            <p:cNvSpPr/>
+            <p:nvPr/>
+          </p:nvSpPr>
+          <p:spPr>
+            <a:xfrm>
+              <a:off x="-1" y="1967"/>
+              <a:ext cx="4063130" cy="457358"/>
+            </a:xfrm>
+            <a:prstGeom prst="rect">
+              <a:avLst/>
+            </a:prstGeom>
+            <a:solidFill>
+              <a:srgbClr val="66B890"/>
+            </a:solidFill>
+            <a:ln>
+              <a:noFill/>
+            </a:ln>
+          </p:spPr>
+          <p:txBody>
+            <a:bodyPr spcFirstLastPara="1" wrap="square" lIns="35719" tIns="35719" rIns="35719" bIns="35719" anchor="ctr" anchorCtr="0">
+              <a:noAutofit/>
+            </a:bodyPr>
+            <a:lstStyle/>
+            <a:p>
+              <a:pPr algn="ctr" defTabSz="642915">
+                <a:buClr>
+                  <a:srgbClr val="FFFFFF"/>
+                </a:buClr>
+                <a:buSzPts val="2200"/>
+              </a:pPr>
+              <a:endParaRPr sz="1547" kern="0">
+                <a:solidFill>
+                  <a:srgbClr val="FFFFFF"/>
+                </a:solidFill>
+                <a:latin typeface="Helvetica Neue"/>
+                <a:ea typeface="Helvetica Neue"/>
+                <a:cs typeface="Helvetica Neue"/>
+                <a:sym typeface="Helvetica Neue"/>
+              </a:endParaRPr>
+            </a:p>
+          </p:txBody>
+        </p:sp>
+        <p:sp>
+          <p:nvSpPr>
+            <p:cNvPr id="94" name="Google Shape;94;p14"/>
+            <p:cNvSpPr txBox="1"/>
+            <p:nvPr/>
+          </p:nvSpPr>
+          <p:spPr>
+            <a:xfrm>
+              <a:off x="355185" y="37"/>
+              <a:ext cx="1593816" cy="461218"/>
+            </a:xfrm>
+            <a:prstGeom prst="rect">
+              <a:avLst/>
+            </a:prstGeom>
+            <a:noFill/>
+            <a:ln>
+              <a:noFill/>
+            </a:ln>
+          </p:spPr>
+          <p:txBody>
+            <a:bodyPr spcFirstLastPara="1" wrap="square" lIns="35719" tIns="35719" rIns="35719" bIns="35719" anchor="ctr" anchorCtr="0">
+              <a:noAutofit/>
+            </a:bodyPr>
+            <a:lstStyle/>
+            <a:p>
+              <a:pPr algn="ctr" defTabSz="642915">
+                <a:buClr>
+                  <a:srgbClr val="FFFFFF"/>
+                </a:buClr>
+                <a:buSzPts val="2400"/>
+              </a:pPr>
+              <a:r>
+                <a:rPr lang="en-US" sz="1687" b="1" kern="0">
+                  <a:solidFill>
+                    <a:srgbClr val="FFFFFF"/>
+                  </a:solidFill>
+                  <a:latin typeface="Helvetica Neue"/>
+                  <a:ea typeface="Helvetica Neue"/>
+                  <a:cs typeface="Helvetica Neue"/>
+                  <a:sym typeface="Helvetica Neue"/>
+                </a:rPr>
+                <a:t>Feedback</a:t>
+              </a:r>
+              <a:endParaRPr sz="984" kern="0">
+                <a:solidFill>
+                  <a:srgbClr val="000000"/>
+                </a:solidFill>
+                <a:latin typeface="Arial"/>
+                <a:cs typeface="Arial"/>
+                <a:sym typeface="Arial"/>
+              </a:endParaRPr>
+            </a:p>
+          </p:txBody>
+        </p:sp>
+      </p:grpSp>
+      <p:sp>
+        <p:nvSpPr>
+          <p:cNvPr id="95" name="Google Shape;95;p14"/>
+          <p:cNvSpPr/>
+          <p:nvPr/>
+        </p:nvSpPr>
+        <p:spPr>
+          <a:xfrm>
+            <a:off x="1720451" y="5249300"/>
+            <a:ext cx="8706447" cy="1139233"/>
+          </a:xfrm>
+          <a:prstGeom prst="rect">
+            <a:avLst/>
+          </a:prstGeom>
+          <a:solidFill>
+            <a:srgbClr val="D6D5D5"/>
+          </a:solidFill>
+          <a:ln>
+            <a:noFill/>
+          </a:ln>
+        </p:spPr>
+        <p:txBody>
+          <a:bodyPr spcFirstLastPara="1" wrap="square" lIns="35719" tIns="35719" rIns="35719" bIns="35719" anchor="t" anchorCtr="0">
+            <a:noAutofit/>
+          </a:bodyPr>
+          <a:lstStyle/>
+          <a:p>
+            <a:pPr defTabSz="642915">
+              <a:buClr>
+                <a:srgbClr val="000000"/>
+              </a:buClr>
+              <a:buSzPts val="2000"/>
+            </a:pPr>
+            <a:r>
+              <a:rPr lang="en-US" sz="1406" kern="0" dirty="0">
+                <a:solidFill>
+                  <a:srgbClr val="000000"/>
+                </a:solidFill>
+                <a:latin typeface="Helvetica Neue"/>
+                <a:ea typeface="Helvetica Neue"/>
+                <a:cs typeface="Helvetica Neue"/>
+                <a:sym typeface="Helvetica Neue"/>
+              </a:rPr>
+              <a:t>How will this AI impact on the overall workflow?</a:t>
+            </a:r>
+            <a:endParaRPr sz="984" kern="0" dirty="0">
+              <a:solidFill>
+                <a:srgbClr val="000000"/>
+              </a:solidFill>
+              <a:latin typeface="Arial"/>
+              <a:cs typeface="Arial"/>
+              <a:sym typeface="Arial"/>
+            </a:endParaRPr>
+          </a:p>
+          <a:p>
+            <a:pPr defTabSz="642915">
+              <a:buClr>
+                <a:srgbClr val="000000"/>
+              </a:buClr>
+              <a:buSzPts val="1600"/>
+            </a:pPr>
+            <a:r>
+              <a:rPr lang="en-US" sz="1125" kern="0" dirty="0">
+                <a:solidFill>
+                  <a:srgbClr val="000000"/>
+                </a:solidFill>
+                <a:latin typeface="Helvetica Neue"/>
+                <a:ea typeface="Helvetica Neue"/>
+                <a:cs typeface="Helvetica Neue"/>
+                <a:sym typeface="Helvetica Neue"/>
+              </a:rPr>
+              <a:t>This AI model will improve the appraisal process, which will optimize the home lending workflow from loan origination to closing. This will require modification to the business process and staff re-training.</a:t>
+            </a:r>
+            <a:endParaRPr sz="984" kern="0" dirty="0">
+              <a:solidFill>
+                <a:srgbClr val="000000"/>
+              </a:solidFill>
+              <a:latin typeface="Arial"/>
+              <a:cs typeface="Arial"/>
+              <a:sym typeface="Arial"/>
+            </a:endParaRPr>
+          </a:p>
+        </p:txBody>
+      </p:sp>
+      <p:pic>
+        <p:nvPicPr>
+          <p:cNvPr id="96" name="Google Shape;96;p14" descr="Picture 11"/>
+          <p:cNvPicPr preferRelativeResize="0"/>
+          <p:nvPr/>
+        </p:nvPicPr>
+        <p:blipFill rotWithShape="1">
+          <a:blip r:embed="rId7">
+            <a:alphaModFix/>
+          </a:blip>
+          <a:srcRect/>
+          <a:stretch/>
+        </p:blipFill>
+        <p:spPr>
+          <a:xfrm>
+            <a:off x="4658320" y="3355877"/>
+            <a:ext cx="250031" cy="250032"/>
+          </a:xfrm>
+          <a:prstGeom prst="rect">
+            <a:avLst/>
+          </a:prstGeom>
+          <a:noFill/>
+          <a:ln>
+            <a:noFill/>
+          </a:ln>
+        </p:spPr>
+      </p:pic>
+      <p:pic>
+        <p:nvPicPr>
+          <p:cNvPr id="97" name="Google Shape;97;p14" descr="Picture 51"/>
+          <p:cNvPicPr preferRelativeResize="0"/>
+          <p:nvPr/>
+        </p:nvPicPr>
+        <p:blipFill rotWithShape="1">
+          <a:blip r:embed="rId8">
+            <a:alphaModFix/>
+          </a:blip>
+          <a:srcRect/>
+          <a:stretch/>
+        </p:blipFill>
+        <p:spPr>
+          <a:xfrm>
+            <a:off x="1747243" y="3360577"/>
+            <a:ext cx="250032" cy="250032"/>
+          </a:xfrm>
+          <a:prstGeom prst="rect">
+            <a:avLst/>
+          </a:prstGeom>
+          <a:noFill/>
+          <a:ln>
+            <a:noFill/>
+          </a:ln>
+        </p:spPr>
+      </p:pic>
+      <p:pic>
+        <p:nvPicPr>
+          <p:cNvPr id="98" name="Google Shape;98;p14" descr="Picture 48"/>
+          <p:cNvPicPr preferRelativeResize="0"/>
+          <p:nvPr/>
+        </p:nvPicPr>
+        <p:blipFill rotWithShape="1">
+          <a:blip r:embed="rId9">
+            <a:alphaModFix/>
+          </a:blip>
+          <a:srcRect/>
+          <a:stretch/>
+        </p:blipFill>
+        <p:spPr>
+          <a:xfrm>
+            <a:off x="7578328" y="3360577"/>
+            <a:ext cx="250031" cy="250032"/>
+          </a:xfrm>
+          <a:prstGeom prst="rect">
+            <a:avLst/>
+          </a:prstGeom>
+          <a:noFill/>
+          <a:ln>
+            <a:noFill/>
+          </a:ln>
+        </p:spPr>
+      </p:pic>
+      <p:sp>
+        <p:nvSpPr>
+          <p:cNvPr id="99" name="Google Shape;99;p14"/>
+          <p:cNvSpPr txBox="1"/>
+          <p:nvPr/>
+        </p:nvSpPr>
+        <p:spPr>
+          <a:xfrm>
+            <a:off x="1758082" y="4228408"/>
+            <a:ext cx="2750344" cy="40903"/>
+          </a:xfrm>
+          <a:prstGeom prst="rect">
+            <a:avLst/>
+          </a:prstGeom>
+          <a:noFill/>
+          <a:ln>
+            <a:noFill/>
+          </a:ln>
+        </p:spPr>
+        <p:txBody>
+          <a:bodyPr spcFirstLastPara="1" wrap="square" lIns="35719" tIns="35719" rIns="35719" bIns="35719" anchor="ctr" anchorCtr="0">
+            <a:noAutofit/>
+          </a:bodyPr>
+          <a:lstStyle/>
+          <a:p>
+            <a:pPr defTabSz="642915">
+              <a:buClr>
+                <a:srgbClr val="000000"/>
+              </a:buClr>
+              <a:buSzPts val="1600"/>
+            </a:pPr>
+            <a:r>
+              <a:rPr lang="en-US" sz="1125" kern="0" dirty="0">
+                <a:solidFill>
+                  <a:srgbClr val="000000"/>
+                </a:solidFill>
+                <a:latin typeface="Helvetica Neue"/>
+                <a:cs typeface="Arial"/>
+                <a:sym typeface="Helvetica Neue"/>
+              </a:rPr>
+              <a:t>Model needs to be trained with housing data collected from a specific geographical location , over a period of time, and Sales price adjusted for inflation </a:t>
+            </a:r>
+            <a:endParaRPr sz="984" kern="0" dirty="0">
+              <a:solidFill>
+                <a:srgbClr val="000000"/>
+              </a:solidFill>
+              <a:latin typeface="Arial"/>
+              <a:cs typeface="Arial"/>
+              <a:sym typeface="Arial"/>
+            </a:endParaRPr>
           </a:p>
         </p:txBody>
       </p:sp>
       <p:sp>
         <p:nvSpPr>
-          <p:cNvPr id="3" name="Content Placeholder 2">
-            <a:extLst>
-              <a:ext uri="{FF2B5EF4-FFF2-40B4-BE49-F238E27FC236}">
-                <a16:creationId xmlns:a16="http://schemas.microsoft.com/office/drawing/2014/main" id="{54607D06-3052-4B8C-B942-6149876AF00E}"/>
-              </a:ext>
-            </a:extLst>
-          </p:cNvPr>
-          <p:cNvSpPr>
-            <a:spLocks noGrp="1"/>
-          </p:cNvSpPr>
-          <p:nvPr>
-            <p:ph sz="half" idx="1"/>
-          </p:nvPr>
+          <p:cNvPr id="100" name="Google Shape;100;p14"/>
+          <p:cNvSpPr txBox="1"/>
+          <p:nvPr/>
         </p:nvSpPr>
         <p:spPr>
           <a:xfrm>
-            <a:off x="1024128" y="1804737"/>
-            <a:ext cx="4754880" cy="4668252"/>
+            <a:off x="4694040" y="3695700"/>
+            <a:ext cx="2750344" cy="505271"/>
           </a:xfrm>
+          <a:prstGeom prst="rect">
+            <a:avLst/>
+          </a:prstGeom>
+          <a:noFill/>
+          <a:ln>
+            <a:noFill/>
+          </a:ln>
         </p:spPr>
         <p:txBody>
-          <a:bodyPr>
-            <a:normAutofit fontScale="77500" lnSpcReduction="20000"/>
+          <a:bodyPr spcFirstLastPara="1" wrap="square" lIns="35719" tIns="35719" rIns="35719" bIns="35719" anchor="ctr" anchorCtr="0">
+            <a:noAutofit/>
           </a:bodyPr>
           <a:lstStyle/>
           <a:p>
-            <a:r>
-              <a:rPr lang="en-US" b="1" dirty="0"/>
-              <a:t>Task/Decision Being Examined</a:t>
-            </a:r>
-          </a:p>
-          <a:p>
-            <a:pPr lvl="1"/>
-            <a:r>
-              <a:rPr lang="en-US" dirty="0"/>
-              <a:t>The objective of this model is to predict the market value of a house for the home lending team to verify against its appraised value</a:t>
-            </a:r>
-          </a:p>
-          <a:p>
-            <a:r>
-              <a:rPr lang="en-US" b="1" dirty="0"/>
-              <a:t>Prediction</a:t>
-            </a:r>
-          </a:p>
-          <a:p>
-            <a:pPr lvl="1"/>
-            <a:r>
-              <a:rPr lang="en-US" dirty="0"/>
-              <a:t>The variation of housing prices across different geographic locations</a:t>
-            </a:r>
-          </a:p>
-          <a:p>
-            <a:r>
-              <a:rPr lang="en-US" b="1" dirty="0"/>
-              <a:t>Judgment</a:t>
-            </a:r>
-          </a:p>
-          <a:p>
-            <a:pPr lvl="1"/>
-            <a:r>
-              <a:rPr lang="en-US" dirty="0"/>
-              <a:t>True prediction will reduce risk, increase profitability of the bank</a:t>
-            </a:r>
-          </a:p>
-          <a:p>
-            <a:pPr lvl="1"/>
-            <a:r>
-              <a:rPr lang="en-US" dirty="0"/>
-              <a:t>False Positive will increase risk to the bank </a:t>
-            </a:r>
-          </a:p>
-          <a:p>
-            <a:pPr lvl="1"/>
-            <a:r>
-              <a:rPr lang="en-US" dirty="0"/>
-              <a:t>False Negative will have adverse impact on the bank-customer relationship</a:t>
-            </a:r>
-          </a:p>
-          <a:p>
-            <a:r>
-              <a:rPr lang="en-US" b="1" dirty="0"/>
-              <a:t>Action</a:t>
-            </a:r>
-          </a:p>
-          <a:p>
-            <a:pPr lvl="1"/>
-            <a:r>
-              <a:rPr lang="en-US" dirty="0"/>
-              <a:t>In case of high variance between predicted vs. appraised house value, the bank can initiate extra measures to minimize the risk</a:t>
-            </a:r>
-          </a:p>
-          <a:p>
-            <a:r>
-              <a:rPr lang="en-US" b="1" dirty="0"/>
-              <a:t>Outcome</a:t>
-            </a:r>
-          </a:p>
-          <a:p>
-            <a:pPr lvl="1"/>
-            <a:r>
-              <a:rPr lang="en-US" dirty="0"/>
-              <a:t>The primary measure of the model’s performance will be its accuracy and R2 scores</a:t>
-            </a:r>
-            <a:endParaRPr lang="en-US" b="1" dirty="0"/>
-          </a:p>
-          <a:p>
-            <a:endParaRPr lang="en-US" dirty="0"/>
+            <a:pPr defTabSz="642915">
+              <a:buClr>
+                <a:srgbClr val="000000"/>
+              </a:buClr>
+              <a:buSzPts val="1600"/>
+            </a:pPr>
+            <a:r>
+              <a:rPr lang="en-US" sz="1125" kern="0" dirty="0">
+                <a:solidFill>
+                  <a:srgbClr val="000000"/>
+                </a:solidFill>
+                <a:latin typeface="Helvetica Neue"/>
+                <a:cs typeface="Arial"/>
+                <a:sym typeface="Helvetica Neue"/>
+              </a:rPr>
+              <a:t>Specific features of a house such as year built, number of bedrooms/bathrooms, lot area, etc. </a:t>
+            </a:r>
+            <a:endParaRPr sz="984" kern="0" dirty="0">
+              <a:solidFill>
+                <a:srgbClr val="000000"/>
+              </a:solidFill>
+              <a:latin typeface="Arial"/>
+              <a:cs typeface="Arial"/>
+              <a:sym typeface="Arial"/>
+            </a:endParaRPr>
           </a:p>
         </p:txBody>
       </p:sp>
       <p:sp>
         <p:nvSpPr>
-          <p:cNvPr id="4" name="Content Placeholder 3">
-            <a:extLst>
-              <a:ext uri="{FF2B5EF4-FFF2-40B4-BE49-F238E27FC236}">
-                <a16:creationId xmlns:a16="http://schemas.microsoft.com/office/drawing/2014/main" id="{091F1E34-B28D-48D2-BF2D-02CD20A9C70F}"/>
-              </a:ext>
-            </a:extLst>
-          </p:cNvPr>
-          <p:cNvSpPr>
-            <a:spLocks noGrp="1"/>
-          </p:cNvSpPr>
-          <p:nvPr>
-            <p:ph sz="half" idx="2"/>
-          </p:nvPr>
+          <p:cNvPr id="101" name="Google Shape;101;p14"/>
+          <p:cNvSpPr txBox="1"/>
+          <p:nvPr/>
         </p:nvSpPr>
         <p:spPr>
           <a:xfrm>
-            <a:off x="5989320" y="1804737"/>
-            <a:ext cx="4754880" cy="4668252"/>
+            <a:off x="7591408" y="3730950"/>
+            <a:ext cx="2750344" cy="1240537"/>
           </a:xfrm>
+          <a:prstGeom prst="rect">
+            <a:avLst/>
+          </a:prstGeom>
+          <a:noFill/>
+          <a:ln>
+            <a:noFill/>
+          </a:ln>
         </p:spPr>
         <p:txBody>
-          <a:bodyPr>
-            <a:normAutofit fontScale="77500" lnSpcReduction="20000"/>
+          <a:bodyPr spcFirstLastPara="1" wrap="square" lIns="35719" tIns="35719" rIns="35719" bIns="35719" anchor="ctr" anchorCtr="0">
+            <a:noAutofit/>
           </a:bodyPr>
           <a:lstStyle/>
           <a:p>
-            <a:r>
-              <a:rPr lang="en-US" b="1" dirty="0"/>
-              <a:t>Training</a:t>
-            </a:r>
-          </a:p>
-          <a:p>
-            <a:pPr lvl="1"/>
-            <a:r>
-              <a:rPr lang="en-US" dirty="0"/>
-              <a:t>Model needs to be trained with housing data collected from a specific geographic location over a period of time</a:t>
-            </a:r>
-          </a:p>
-          <a:p>
-            <a:pPr lvl="1"/>
-            <a:r>
-              <a:rPr lang="en-US" dirty="0"/>
-              <a:t>Sales price adjusted for inflation</a:t>
-            </a:r>
-          </a:p>
-          <a:p>
-            <a:r>
-              <a:rPr lang="en-US" b="1" dirty="0"/>
-              <a:t>Input</a:t>
-            </a:r>
-          </a:p>
-          <a:p>
-            <a:pPr lvl="1"/>
-            <a:r>
-              <a:rPr lang="en-US" dirty="0"/>
-              <a:t>Specific features of a house such as year built, number of bedrooms/bathrooms, lot area, etc.</a:t>
-            </a:r>
-          </a:p>
-          <a:p>
-            <a:r>
-              <a:rPr lang="en-US" b="1" dirty="0"/>
-              <a:t>Feedback</a:t>
-            </a:r>
-          </a:p>
-          <a:p>
-            <a:pPr lvl="1"/>
-            <a:r>
-              <a:rPr lang="en-US" dirty="0"/>
-              <a:t>Retrain and test on new dataset on a given interval to improve performance of the model</a:t>
-            </a:r>
-          </a:p>
-          <a:p>
-            <a:r>
-              <a:rPr lang="en-US" b="1" dirty="0"/>
-              <a:t>How will this AI impact on the overall workflow?</a:t>
-            </a:r>
-          </a:p>
-          <a:p>
-            <a:pPr lvl="1"/>
-            <a:r>
-              <a:rPr lang="en-US" dirty="0"/>
-              <a:t>AI model will improve the appraisal process which will optimize the home lending workflow from loan origination to closing</a:t>
-            </a:r>
-          </a:p>
-          <a:p>
-            <a:pPr lvl="1"/>
-            <a:r>
-              <a:rPr lang="en-US" dirty="0"/>
-              <a:t>This will require modification to the business process and staff retraining</a:t>
-            </a:r>
-          </a:p>
-          <a:p>
-            <a:endParaRPr lang="en-US" dirty="0"/>
+            <a:pPr defTabSz="642915">
+              <a:buClr>
+                <a:srgbClr val="000000"/>
+              </a:buClr>
+              <a:buSzPts val="1600"/>
+            </a:pPr>
+            <a:r>
+              <a:rPr lang="en-US" sz="1000" dirty="0"/>
+              <a:t>Compare predicted house price with the data collected, refine features, and remove the least important features from the dataset to decrease RMSE in the algorithm </a:t>
+            </a:r>
+            <a:r>
+              <a:rPr lang="en-US" sz="1000"/>
+              <a:t>while operating.</a:t>
+            </a:r>
+            <a:endParaRPr lang="en-US" sz="1000" dirty="0"/>
+          </a:p>
+          <a:p>
+            <a:pPr defTabSz="642915">
+              <a:buClr>
+                <a:srgbClr val="000000"/>
+              </a:buClr>
+              <a:buSzPts val="1600"/>
+            </a:pPr>
+            <a:endParaRPr lang="en-US" sz="984" kern="0" dirty="0">
+              <a:solidFill>
+                <a:srgbClr val="000000"/>
+              </a:solidFill>
+              <a:latin typeface="Arial"/>
+              <a:cs typeface="Arial"/>
+              <a:sym typeface="Arial"/>
+            </a:endParaRPr>
+          </a:p>
+        </p:txBody>
+      </p:sp>
+      <p:sp>
+        <p:nvSpPr>
+          <p:cNvPr id="102" name="Google Shape;102;p14"/>
+          <p:cNvSpPr/>
+          <p:nvPr/>
+        </p:nvSpPr>
+        <p:spPr>
+          <a:xfrm>
+            <a:off x="1715988" y="618463"/>
+            <a:ext cx="8706445" cy="710375"/>
+          </a:xfrm>
+          <a:prstGeom prst="rect">
+            <a:avLst/>
+          </a:prstGeom>
+          <a:solidFill>
+            <a:srgbClr val="D6D5D5"/>
+          </a:solidFill>
+          <a:ln>
+            <a:noFill/>
+          </a:ln>
+        </p:spPr>
+        <p:txBody>
+          <a:bodyPr spcFirstLastPara="1" wrap="square" lIns="35719" tIns="35719" rIns="35719" bIns="35719" anchor="t" anchorCtr="0">
+            <a:noAutofit/>
+          </a:bodyPr>
+          <a:lstStyle/>
+          <a:p>
+            <a:pPr defTabSz="642915">
+              <a:buClr>
+                <a:srgbClr val="000000"/>
+              </a:buClr>
+              <a:buSzPts val="2000"/>
+            </a:pPr>
+            <a:r>
+              <a:rPr lang="en-US" sz="1406" kern="0" dirty="0">
+                <a:solidFill>
+                  <a:srgbClr val="000000"/>
+                </a:solidFill>
+                <a:latin typeface="Helvetica Neue"/>
+                <a:ea typeface="Helvetica Neue"/>
+                <a:cs typeface="Helvetica Neue"/>
+                <a:sym typeface="Helvetica Neue"/>
+              </a:rPr>
+              <a:t>What task/decision are you examining?</a:t>
+            </a:r>
+          </a:p>
+          <a:p>
+            <a:pPr defTabSz="642915">
+              <a:buClr>
+                <a:srgbClr val="000000"/>
+              </a:buClr>
+              <a:buSzPts val="1600"/>
+            </a:pPr>
+            <a:r>
+              <a:rPr lang="en-US" sz="1125" kern="0" dirty="0">
+                <a:solidFill>
+                  <a:srgbClr val="000000"/>
+                </a:solidFill>
+                <a:latin typeface="Helvetica Neue"/>
+                <a:ea typeface="Helvetica Neue"/>
+                <a:cs typeface="Helvetica Neue"/>
+                <a:sym typeface="Helvetica Neue"/>
+              </a:rPr>
+              <a:t>The objective of this model is to predict the market value of a house for the home lending team to verify the house’s appraised value.</a:t>
+            </a:r>
+            <a:endParaRPr lang="en-US" sz="984" kern="0" dirty="0">
+              <a:solidFill>
+                <a:srgbClr val="000000"/>
+              </a:solidFill>
+              <a:latin typeface="Arial"/>
+              <a:cs typeface="Arial"/>
+              <a:sym typeface="Arial"/>
+            </a:endParaRPr>
+          </a:p>
+        </p:txBody>
+      </p:sp>
+      <p:sp>
+        <p:nvSpPr>
+          <p:cNvPr id="103" name="Google Shape;103;p14"/>
+          <p:cNvSpPr txBox="1"/>
+          <p:nvPr/>
+        </p:nvSpPr>
+        <p:spPr>
+          <a:xfrm>
+            <a:off x="5019306" y="84196"/>
+            <a:ext cx="2314363" cy="452215"/>
+          </a:xfrm>
+          <a:prstGeom prst="rect">
+            <a:avLst/>
+          </a:prstGeom>
+          <a:noFill/>
+          <a:ln>
+            <a:noFill/>
+          </a:ln>
+        </p:spPr>
+        <p:txBody>
+          <a:bodyPr spcFirstLastPara="1" wrap="square" lIns="35719" tIns="35719" rIns="35719" bIns="35719" anchor="ctr" anchorCtr="0">
+            <a:noAutofit/>
+          </a:bodyPr>
+          <a:lstStyle/>
+          <a:p>
+            <a:pPr algn="ctr" defTabSz="642915">
+              <a:buClr>
+                <a:srgbClr val="FFFFFF"/>
+              </a:buClr>
+              <a:buSzPts val="3300"/>
+            </a:pPr>
+            <a:r>
+              <a:rPr lang="en-US" sz="2320" b="1" kern="0" dirty="0">
+                <a:solidFill>
+                  <a:srgbClr val="FFFFFF"/>
+                </a:solidFill>
+                <a:latin typeface="Helvetica Neue"/>
+                <a:ea typeface="Helvetica Neue"/>
+                <a:cs typeface="Helvetica Neue"/>
+                <a:sym typeface="Helvetica Neue"/>
+              </a:rPr>
+              <a:t>The AI Canvas</a:t>
+            </a:r>
+            <a:endParaRPr sz="984" kern="0" dirty="0">
+              <a:solidFill>
+                <a:srgbClr val="000000"/>
+              </a:solidFill>
+              <a:latin typeface="Arial"/>
+              <a:cs typeface="Arial"/>
+              <a:sym typeface="Arial"/>
+            </a:endParaRPr>
+          </a:p>
+        </p:txBody>
+      </p:sp>
+      <p:sp>
+        <p:nvSpPr>
+          <p:cNvPr id="104" name="Google Shape;104;p14"/>
+          <p:cNvSpPr txBox="1"/>
+          <p:nvPr/>
+        </p:nvSpPr>
+        <p:spPr>
+          <a:xfrm>
+            <a:off x="9215801" y="6666346"/>
+            <a:ext cx="1893797" cy="157570"/>
+          </a:xfrm>
+          <a:prstGeom prst="rect">
+            <a:avLst/>
+          </a:prstGeom>
+          <a:noFill/>
+          <a:ln>
+            <a:noFill/>
+          </a:ln>
+        </p:spPr>
+        <p:txBody>
+          <a:bodyPr spcFirstLastPara="1" wrap="square" lIns="64283" tIns="64283" rIns="64283" bIns="64283" anchor="t" anchorCtr="0">
+            <a:noAutofit/>
+          </a:bodyPr>
+          <a:lstStyle/>
+          <a:p>
+            <a:pPr defTabSz="642915">
+              <a:buClr>
+                <a:srgbClr val="000000"/>
+              </a:buClr>
+            </a:pPr>
+            <a:r>
+              <a:rPr lang="en-US" sz="703" kern="0">
+                <a:solidFill>
+                  <a:srgbClr val="000000"/>
+                </a:solidFill>
+                <a:latin typeface="Helvetica Neue"/>
+                <a:ea typeface="Helvetica Neue"/>
+                <a:cs typeface="Helvetica Neue"/>
+                <a:sym typeface="Helvetica Neue"/>
+              </a:rPr>
+              <a:t>© Agrawal, Gans, Goldfarb 2019</a:t>
+            </a:r>
+            <a:endParaRPr sz="703" kern="0">
+              <a:solidFill>
+                <a:srgbClr val="000000"/>
+              </a:solidFill>
+              <a:latin typeface="Helvetica Neue"/>
+              <a:ea typeface="Helvetica Neue"/>
+              <a:cs typeface="Helvetica Neue"/>
+              <a:sym typeface="Helvetica Neue"/>
+            </a:endParaRPr>
           </a:p>
         </p:txBody>
       </p:sp>
     </p:spTree>
     <p:extLst>
       <p:ext uri="{BB962C8B-B14F-4D97-AF65-F5344CB8AC3E}">
-        <p14:creationId xmlns:p14="http://schemas.microsoft.com/office/powerpoint/2010/main" val="233793715"/>
+        <p14:creationId xmlns:p14="http://schemas.microsoft.com/office/powerpoint/2010/main" val="1881153421"/>
       </p:ext>
     </p:extLst>
   </p:cSld>
@@ -3939,6 +8219,14 @@
 <file path=ppt/slides/slide4.xml><?xml version="1.0" encoding="utf-8"?>
 <p:sld xmlns:a="http://schemas.openxmlformats.org/drawingml/2006/main" xmlns:r="http://schemas.openxmlformats.org/officeDocument/2006/relationships" xmlns:p="http://schemas.openxmlformats.org/presentationml/2006/main">
   <p:cSld>
+    <p:bg>
+      <p:bgPr>
+        <a:solidFill>
+          <a:schemeClr val="bg1"/>
+        </a:solidFill>
+        <a:effectLst/>
+      </p:bgPr>
+    </p:bg>
     <p:spTree>
       <p:nvGrpSpPr>
         <p:cNvPr id="1" name=""/>
@@ -3969,9 +8257,16 @@
             <p:ph type="title"/>
           </p:nvPr>
         </p:nvSpPr>
-        <p:spPr/>
+        <p:spPr>
+          <a:xfrm>
+            <a:off x="1024128" y="585216"/>
+            <a:ext cx="6066818" cy="1499616"/>
+          </a:xfrm>
+        </p:spPr>
         <p:txBody>
-          <a:bodyPr/>
+          <a:bodyPr>
+            <a:normAutofit/>
+          </a:bodyPr>
           <a:lstStyle/>
           <a:p>
             <a:r>
@@ -3999,23 +8294,21 @@
         </p:nvSpPr>
         <p:spPr>
           <a:xfrm>
-            <a:off x="1024128" y="1635853"/>
-            <a:ext cx="10544290" cy="5159229"/>
+            <a:off x="788565" y="2084832"/>
+            <a:ext cx="6302381" cy="4508915"/>
           </a:xfrm>
         </p:spPr>
         <p:txBody>
           <a:bodyPr>
-            <a:normAutofit fontScale="77500" lnSpcReduction="20000"/>
+            <a:normAutofit/>
           </a:bodyPr>
           <a:lstStyle/>
           <a:p>
-            <a:pPr marL="0" indent="0" algn="l">
+            <a:pPr marL="0" indent="0">
               <a:buNone/>
             </a:pPr>
             <a:r>
-              <a:rPr lang="en-US" b="1" i="0" dirty="0">
-                <a:effectLst/>
-              </a:rPr>
+              <a:rPr lang="en-US" sz="1500" b="1" dirty="0"/>
               <a:t>Initial Data Analysis</a:t>
             </a:r>
           </a:p>
@@ -4025,11 +8318,12 @@
               <a:buChar char="•"/>
             </a:pPr>
             <a:r>
-              <a:rPr lang="en-US" b="0" i="0" dirty="0">
-                <a:effectLst/>
-              </a:rPr>
-              <a:t>The dataset contains 1460 rows and 81 columns and has data of houses sold during the period 2006-2010 in the city of Ames, IA.</a:t>
-            </a:r>
+              <a:rPr lang="en-US" sz="1600" dirty="0"/>
+              <a:t>Data was sourced from Ames- IA, Newark- DE, Bear-DE, Wilmington-DE</a:t>
+            </a:r>
+            <a:endParaRPr lang="en-US" sz="1600" b="0" i="0" dirty="0">
+              <a:effectLst/>
+            </a:endParaRPr>
           </a:p>
           <a:p>
             <a:pPr lvl="1">
@@ -4037,10 +8331,20 @@
               <a:buChar char="•"/>
             </a:pPr>
             <a:r>
-              <a:rPr lang="en-US" b="0" i="0" dirty="0">
+              <a:rPr lang="en-US" sz="1600" b="0" i="0" dirty="0">
                 <a:effectLst/>
               </a:rPr>
-              <a:t>The dataset has 43 categorical and 38 numerical fields which we can use.</a:t>
+              <a:t>Model was trained only on Ames- IA</a:t>
+            </a:r>
+            <a:r>
+              <a:rPr lang="en-US" sz="1600" dirty="0"/>
+              <a:t> which were from </a:t>
+            </a:r>
+            <a:r>
+              <a:rPr lang="en-US" sz="1600" b="0" i="0" dirty="0">
+                <a:effectLst/>
+              </a:rPr>
+              <a:t>the period of 2006-2010</a:t>
             </a:r>
           </a:p>
           <a:p>
@@ -4049,10 +8353,10 @@
               <a:buChar char="•"/>
             </a:pPr>
             <a:r>
-              <a:rPr lang="en-US" b="0" i="0" dirty="0">
+              <a:rPr lang="en-US" sz="1600" b="0" i="0" dirty="0">
                 <a:effectLst/>
               </a:rPr>
-              <a:t>Executed Describe, info() to find the type of data and 19 columns were identified as having NULL values</a:t>
+              <a:t>Garage car size, Year Built and Total Square Feet have high correlation with Sales Price</a:t>
             </a:r>
           </a:p>
           <a:p>
@@ -4061,42 +8365,35 @@
               <a:buChar char="•"/>
             </a:pPr>
             <a:r>
-              <a:rPr lang="en-US" b="0" i="0" dirty="0">
+              <a:rPr lang="en-US" sz="1600" b="0" i="0" dirty="0">
                 <a:effectLst/>
+                <a:latin typeface="Tw Cen MT (Body)"/>
               </a:rPr>
-              <a:t>Out of 19, 4 columns have more than 70 percent NULLs</a:t>
-            </a:r>
+              <a:t>Final columns selected : Lot Area, Total Square feet</a:t>
+            </a:r>
+            <a:r>
+              <a:rPr lang="en-US" sz="1600" dirty="0">
+                <a:latin typeface="Tw Cen MT (Body)"/>
+              </a:rPr>
+              <a:t>, </a:t>
+            </a:r>
+            <a:r>
+              <a:rPr lang="en-US" sz="1600" b="0" i="0" dirty="0">
+                <a:effectLst/>
+                <a:latin typeface="Tw Cen MT (Body)"/>
+              </a:rPr>
+              <a:t>Building Type, Year Built, Full Bath, Half Bath, Number of Bedroom, Number of Garage</a:t>
+            </a:r>
+            <a:endParaRPr lang="en-US" sz="1600" b="0" i="0" dirty="0">
+              <a:effectLst/>
+            </a:endParaRPr>
           </a:p>
           <a:p>
             <a:pPr lvl="1">
               <a:buFont typeface="Arial" panose="020B0604020202020204" pitchFamily="34" charset="0"/>
               <a:buChar char="•"/>
             </a:pPr>
-            <a:r>
-              <a:rPr lang="en-US" b="0" i="0" dirty="0">
-                <a:effectLst/>
-              </a:rPr>
-              <a:t>Garage car size, Year Built and Total Square Feet have high correlation with Sales Price.</a:t>
-            </a:r>
-          </a:p>
-          <a:p>
-            <a:pPr lvl="1">
-              <a:buFont typeface="Arial" panose="020B0604020202020204" pitchFamily="34" charset="0"/>
-              <a:buChar char="•"/>
-            </a:pPr>
-            <a:r>
-              <a:rPr lang="en-US" b="0" i="0" dirty="0">
-                <a:effectLst/>
-              </a:rPr>
-              <a:t>In the train data, the oldest house was built in 1872 and newest house in 2010.</a:t>
-            </a:r>
-          </a:p>
-          <a:p>
-            <a:pPr lvl="1">
-              <a:buFont typeface="Arial" panose="020B0604020202020204" pitchFamily="34" charset="0"/>
-              <a:buChar char="•"/>
-            </a:pPr>
-            <a:endParaRPr lang="en-US" b="0" i="0" dirty="0">
+            <a:endParaRPr lang="en-US" sz="1500" b="0" i="0" dirty="0">
               <a:effectLst/>
             </a:endParaRPr>
           </a:p>
@@ -4104,278 +8401,118 @@
             <a:pPr marL="128016" lvl="1" indent="0">
               <a:buNone/>
             </a:pPr>
-            <a:r>
-              <a:rPr lang="en-US" sz="2200" b="1" dirty="0"/>
+            <a:endParaRPr lang="en-US" sz="1500" b="1" dirty="0"/>
+          </a:p>
+          <a:p>
+            <a:pPr marL="128016" lvl="1" indent="0">
+              <a:buNone/>
+            </a:pPr>
+            <a:endParaRPr lang="en-US" sz="1500" b="1" dirty="0"/>
+          </a:p>
+          <a:p>
+            <a:pPr marL="0" lvl="1" indent="0">
+              <a:spcBef>
+                <a:spcPts val="1200"/>
+              </a:spcBef>
+              <a:spcAft>
+                <a:spcPts val="200"/>
+              </a:spcAft>
+              <a:buSzPct val="100000"/>
+              <a:buNone/>
+            </a:pPr>
+            <a:r>
+              <a:rPr lang="en-US" sz="1500" b="1" dirty="0"/>
               <a:t>Inflation Adjustment</a:t>
             </a:r>
           </a:p>
           <a:p>
-            <a:pPr lvl="1">
-              <a:buFont typeface="Arial" panose="020B0604020202020204" pitchFamily="34" charset="0"/>
-              <a:buChar char="•"/>
-            </a:pPr>
-            <a:r>
-              <a:rPr lang="en-US" b="0" i="0" dirty="0">
-                <a:effectLst/>
-              </a:rPr>
-              <a:t>Installed and imported the cpi package (https://www.bls.gov/) </a:t>
-            </a:r>
-          </a:p>
-          <a:p>
-            <a:pPr lvl="1">
-              <a:buFont typeface="Arial" panose="020B0604020202020204" pitchFamily="34" charset="0"/>
-              <a:buChar char="•"/>
-            </a:pPr>
-            <a:r>
-              <a:rPr lang="en-US" b="0" i="0" dirty="0">
-                <a:effectLst/>
-              </a:rPr>
-              <a:t>Used Year sold and the current Price to get the Adjusted </a:t>
-            </a:r>
-            <a:r>
-              <a:rPr lang="en-US" b="0" i="0" dirty="0" err="1">
-                <a:effectLst/>
-              </a:rPr>
-              <a:t>SalesPrice</a:t>
-            </a:r>
-            <a:r>
-              <a:rPr lang="en-US" b="0" i="0" dirty="0">
-                <a:effectLst/>
-              </a:rPr>
-              <a:t>.</a:t>
-            </a:r>
-          </a:p>
-          <a:p>
-            <a:pPr marL="128016" lvl="1" indent="0">
-              <a:buNone/>
-            </a:pPr>
-            <a:endParaRPr lang="en-US" dirty="0">
-              <a:latin typeface="Tw Cen MT (Body)"/>
-            </a:endParaRPr>
-          </a:p>
-          <a:p>
-            <a:pPr marL="128016" lvl="1" indent="0">
-              <a:buNone/>
-            </a:pPr>
-            <a:r>
-              <a:rPr lang="en-US" b="1" dirty="0">
-                <a:latin typeface="Tw Cen MT (Body)"/>
-              </a:rPr>
-              <a:t>Data Cleansing</a:t>
-            </a:r>
-          </a:p>
-          <a:p>
-            <a:pPr lvl="1">
-              <a:buFont typeface="Arial" panose="020B0604020202020204" pitchFamily="34" charset="0"/>
-              <a:buChar char="•"/>
-            </a:pPr>
-            <a:r>
-              <a:rPr lang="en-US" b="0" i="0" dirty="0">
-                <a:effectLst/>
-                <a:latin typeface="Tw Cen MT (Body)"/>
-              </a:rPr>
-              <a:t>Out of 19 which had nulls, 4 columns having more than 70 percent NULLs were dropped</a:t>
-            </a:r>
-          </a:p>
-          <a:p>
-            <a:pPr lvl="1">
-              <a:buFont typeface="Arial" panose="020B0604020202020204" pitchFamily="34" charset="0"/>
-              <a:buChar char="•"/>
-            </a:pPr>
-            <a:r>
-              <a:rPr lang="en-US" b="0" i="0" dirty="0">
-                <a:effectLst/>
-                <a:latin typeface="Tw Cen MT (Body)"/>
-              </a:rPr>
-              <a:t>Ran box plot for finding outliers and </a:t>
-            </a:r>
-            <a:r>
-              <a:rPr lang="en-US" b="0" i="0" dirty="0" err="1">
-                <a:effectLst/>
-                <a:latin typeface="Tw Cen MT (Body)"/>
-              </a:rPr>
-              <a:t>LotArea</a:t>
-            </a:r>
-            <a:r>
-              <a:rPr lang="en-US" b="0" i="0" dirty="0">
-                <a:effectLst/>
-                <a:latin typeface="Tw Cen MT (Body)"/>
-              </a:rPr>
-              <a:t> greater than 50,000 </a:t>
-            </a:r>
-            <a:r>
-              <a:rPr lang="en-US" b="0" i="0" dirty="0" err="1">
-                <a:effectLst/>
-                <a:latin typeface="Tw Cen MT (Body)"/>
-              </a:rPr>
-              <a:t>sq.ft</a:t>
-            </a:r>
-            <a:r>
-              <a:rPr lang="en-US" b="0" i="0" dirty="0">
-                <a:effectLst/>
-                <a:latin typeface="Tw Cen MT (Body)"/>
-              </a:rPr>
-              <a:t>. were eliminated</a:t>
-            </a:r>
-          </a:p>
-          <a:p>
-            <a:pPr marL="128016" lvl="1" indent="0">
-              <a:buNone/>
-            </a:pPr>
-            <a:endParaRPr lang="en-US" b="1" dirty="0">
-              <a:latin typeface="Tw Cen MT (Body)"/>
-            </a:endParaRPr>
-          </a:p>
-          <a:p>
-            <a:pPr marL="128016" lvl="1" indent="0">
-              <a:buNone/>
-            </a:pPr>
-            <a:r>
-              <a:rPr lang="en-US" b="1" dirty="0">
-                <a:latin typeface="Tw Cen MT (Body)"/>
-              </a:rPr>
-              <a:t>Data Correlation</a:t>
-            </a:r>
-          </a:p>
-          <a:p>
-            <a:pPr lvl="1">
-              <a:buFont typeface="Arial" panose="020B0604020202020204" pitchFamily="34" charset="0"/>
-              <a:buChar char="•"/>
-            </a:pPr>
-            <a:r>
-              <a:rPr lang="en-US" b="0" i="0" dirty="0">
-                <a:effectLst/>
-                <a:latin typeface="Tw Cen MT (Body)"/>
-              </a:rPr>
-              <a:t>Plotted histogram for the columns: LotArea,BldgType,YearBuilt,FullBath,HalfBath,BedroomAbvGr,GarageCars</a:t>
-            </a:r>
-          </a:p>
-          <a:p>
-            <a:pPr lvl="1">
-              <a:buFont typeface="Arial" panose="020B0604020202020204" pitchFamily="34" charset="0"/>
-              <a:buChar char="•"/>
-            </a:pPr>
-            <a:r>
-              <a:rPr lang="en-US" b="0" i="0" dirty="0">
-                <a:effectLst/>
-                <a:latin typeface="Tw Cen MT (Body)"/>
-              </a:rPr>
-              <a:t>Relationships of columns with </a:t>
-            </a:r>
-            <a:r>
-              <a:rPr lang="en-US" b="0" i="0" dirty="0" err="1">
-                <a:effectLst/>
-                <a:latin typeface="Tw Cen MT (Body)"/>
-              </a:rPr>
-              <a:t>SalesPrice</a:t>
-            </a:r>
-            <a:endParaRPr lang="en-US" b="0" i="0" dirty="0">
-              <a:effectLst/>
-              <a:latin typeface="Tw Cen MT (Body)"/>
-            </a:endParaRPr>
-          </a:p>
-          <a:p>
-            <a:pPr lvl="2">
-              <a:buFont typeface="Arial" panose="020B0604020202020204" pitchFamily="34" charset="0"/>
-              <a:buChar char="•"/>
-            </a:pPr>
-            <a:r>
-              <a:rPr lang="en-US" b="0" i="0" dirty="0">
-                <a:effectLst/>
-                <a:latin typeface="Tw Cen MT (Body)"/>
-              </a:rPr>
-              <a:t>Smaller increase in </a:t>
-            </a:r>
-            <a:r>
-              <a:rPr lang="en-US" b="0" i="0" dirty="0" err="1">
-                <a:effectLst/>
-                <a:latin typeface="Tw Cen MT (Body)"/>
-              </a:rPr>
-              <a:t>LotArea</a:t>
-            </a:r>
-            <a:r>
-              <a:rPr lang="en-US" b="0" i="0" dirty="0">
-                <a:effectLst/>
-                <a:latin typeface="Tw Cen MT (Body)"/>
-              </a:rPr>
-              <a:t> increased </a:t>
-            </a:r>
-            <a:r>
-              <a:rPr lang="en-US" b="0" i="0" dirty="0" err="1">
-                <a:effectLst/>
-                <a:latin typeface="Tw Cen MT (Body)"/>
-              </a:rPr>
-              <a:t>SalesPrice</a:t>
-            </a:r>
-            <a:r>
-              <a:rPr lang="en-US" b="0" i="0" dirty="0">
-                <a:effectLst/>
-                <a:latin typeface="Tw Cen MT (Body)"/>
-              </a:rPr>
-              <a:t> by a higher margin</a:t>
-            </a:r>
-          </a:p>
-          <a:p>
-            <a:pPr lvl="2">
-              <a:buFont typeface="Arial" panose="020B0604020202020204" pitchFamily="34" charset="0"/>
-              <a:buChar char="•"/>
-            </a:pPr>
-            <a:r>
-              <a:rPr lang="en-US" b="0" i="0" dirty="0">
-                <a:effectLst/>
-                <a:latin typeface="Tw Cen MT (Body)"/>
-              </a:rPr>
-              <a:t>Living Area was linearly related to the </a:t>
-            </a:r>
-            <a:r>
-              <a:rPr lang="en-US" b="0" i="0" dirty="0" err="1">
-                <a:effectLst/>
-                <a:latin typeface="Tw Cen MT (Body)"/>
-              </a:rPr>
-              <a:t>SalesPrice</a:t>
-            </a:r>
-            <a:r>
-              <a:rPr lang="en-US" b="0" i="0" dirty="0">
-                <a:effectLst/>
-                <a:latin typeface="Tw Cen MT (Body)"/>
-              </a:rPr>
-              <a:t>.</a:t>
-            </a:r>
-          </a:p>
-          <a:p>
-            <a:pPr lvl="1">
-              <a:buFont typeface="Arial" panose="020B0604020202020204" pitchFamily="34" charset="0"/>
-              <a:buChar char="•"/>
-            </a:pPr>
-            <a:r>
-              <a:rPr lang="en-US" b="0" i="0" dirty="0">
-                <a:effectLst/>
-                <a:latin typeface="Tw Cen MT (Body)"/>
-              </a:rPr>
-              <a:t>Total of Basement, 1st and 2nd floor square footage was highly correlated to </a:t>
-            </a:r>
-            <a:r>
-              <a:rPr lang="en-US" b="0" i="0" dirty="0" err="1">
-                <a:effectLst/>
-                <a:latin typeface="Tw Cen MT (Body)"/>
-              </a:rPr>
-              <a:t>SalesPrice</a:t>
-            </a:r>
-            <a:r>
-              <a:rPr lang="en-US" b="0" i="0" dirty="0">
-                <a:effectLst/>
-                <a:latin typeface="Tw Cen MT (Body)"/>
-              </a:rPr>
-              <a:t>.</a:t>
-            </a:r>
-            <a:endParaRPr lang="en-US" dirty="0"/>
+            <a:pPr lvl="1"/>
+            <a:r>
+              <a:rPr lang="en-US" sz="1600" dirty="0"/>
+              <a:t>$1 in 2006 = $1.4 in 2021 !</a:t>
+            </a:r>
           </a:p>
         </p:txBody>
       </p:sp>
+      <p:pic>
+        <p:nvPicPr>
+          <p:cNvPr id="11" name="Picture 10">
+            <a:extLst>
+              <a:ext uri="{FF2B5EF4-FFF2-40B4-BE49-F238E27FC236}">
+                <a16:creationId xmlns:a16="http://schemas.microsoft.com/office/drawing/2014/main" id="{1B4913EF-B3F9-45BA-94FA-38403A6078E0}"/>
+              </a:ext>
+            </a:extLst>
+          </p:cNvPr>
+          <p:cNvPicPr>
+            <a:picLocks noChangeAspect="1"/>
+          </p:cNvPicPr>
+          <p:nvPr/>
+        </p:nvPicPr>
+        <p:blipFill>
+          <a:blip r:embed="rId2"/>
+          <a:stretch>
+            <a:fillRect/>
+          </a:stretch>
+        </p:blipFill>
+        <p:spPr>
+          <a:xfrm>
+            <a:off x="7818239" y="153684"/>
+            <a:ext cx="3467708" cy="3217366"/>
+          </a:xfrm>
+          <a:prstGeom prst="rect">
+            <a:avLst/>
+          </a:prstGeom>
+        </p:spPr>
+      </p:pic>
+      <p:pic>
+        <p:nvPicPr>
+          <p:cNvPr id="1026" name="Picture 2">
+            <a:extLst>
+              <a:ext uri="{FF2B5EF4-FFF2-40B4-BE49-F238E27FC236}">
+                <a16:creationId xmlns:a16="http://schemas.microsoft.com/office/drawing/2014/main" id="{C06488D0-5E2A-4517-A779-A7AD71340E75}"/>
+              </a:ext>
+            </a:extLst>
+          </p:cNvPr>
+          <p:cNvPicPr>
+            <a:picLocks noChangeAspect="1" noChangeArrowheads="1"/>
+          </p:cNvPicPr>
+          <p:nvPr/>
+        </p:nvPicPr>
+        <p:blipFill rotWithShape="1">
+          <a:blip r:embed="rId3">
+            <a:extLst>
+              <a:ext uri="{28A0092B-C50C-407E-A947-70E740481C1C}">
+                <a14:useLocalDpi xmlns:a14="http://schemas.microsoft.com/office/drawing/2010/main" val="0"/>
+              </a:ext>
+            </a:extLst>
+          </a:blip>
+          <a:srcRect l="1679" r="4" b="4"/>
+          <a:stretch/>
+        </p:blipFill>
+        <p:spPr bwMode="auto">
+          <a:xfrm>
+            <a:off x="7614149" y="3589867"/>
+            <a:ext cx="3875889" cy="2628053"/>
+          </a:xfrm>
+          <a:prstGeom prst="rect">
+            <a:avLst/>
+          </a:prstGeom>
+          <a:noFill/>
+          <a:extLst>
+            <a:ext uri="{909E8E84-426E-40DD-AFC4-6F175D3DCCD1}">
+              <a14:hiddenFill xmlns:a14="http://schemas.microsoft.com/office/drawing/2010/main">
+                <a:solidFill>
+                  <a:srgbClr val="FFFFFF"/>
+                </a:solidFill>
+              </a14:hiddenFill>
+            </a:ext>
+          </a:extLst>
+        </p:spPr>
+      </p:pic>
     </p:spTree>
     <p:extLst>
       <p:ext uri="{BB962C8B-B14F-4D97-AF65-F5344CB8AC3E}">
-        <p14:creationId xmlns:p14="http://schemas.microsoft.com/office/powerpoint/2010/main" val="4015089410"/>
+        <p14:creationId xmlns:p14="http://schemas.microsoft.com/office/powerpoint/2010/main" val="1960493834"/>
       </p:ext>
     </p:extLst>
   </p:cSld>
@@ -4388,6 +8525,14 @@
 <file path=ppt/slides/slide5.xml><?xml version="1.0" encoding="utf-8"?>
 <p:sld xmlns:a="http://schemas.openxmlformats.org/drawingml/2006/main" xmlns:r="http://schemas.openxmlformats.org/officeDocument/2006/relationships" xmlns:p="http://schemas.openxmlformats.org/presentationml/2006/main">
   <p:cSld>
+    <p:bg>
+      <p:bgPr>
+        <a:solidFill>
+          <a:schemeClr val="bg1"/>
+        </a:solidFill>
+        <a:effectLst/>
+      </p:bgPr>
+    </p:bg>
     <p:spTree>
       <p:nvGrpSpPr>
         <p:cNvPr id="1" name=""/>
@@ -4404,6 +8549,244 @@
       </p:grpSpPr>
       <p:sp>
         <p:nvSpPr>
+          <p:cNvPr id="2" name="Title 1">
+            <a:extLst>
+              <a:ext uri="{FF2B5EF4-FFF2-40B4-BE49-F238E27FC236}">
+                <a16:creationId xmlns:a16="http://schemas.microsoft.com/office/drawing/2014/main" id="{0D2EE37F-0E38-417E-8579-77FECAE534A9}"/>
+              </a:ext>
+            </a:extLst>
+          </p:cNvPr>
+          <p:cNvSpPr>
+            <a:spLocks noGrp="1"/>
+          </p:cNvSpPr>
+          <p:nvPr>
+            <p:ph type="title"/>
+          </p:nvPr>
+        </p:nvSpPr>
+        <p:spPr>
+          <a:xfrm>
+            <a:off x="1024128" y="585216"/>
+            <a:ext cx="5902061" cy="1499616"/>
+          </a:xfrm>
+        </p:spPr>
+        <p:txBody>
+          <a:bodyPr>
+            <a:normAutofit/>
+          </a:bodyPr>
+          <a:lstStyle/>
+          <a:p>
+            <a:r>
+              <a:rPr lang="en-US" dirty="0"/>
+              <a:t>EDA and Preprocessing</a:t>
+            </a:r>
+          </a:p>
+        </p:txBody>
+      </p:sp>
+      <p:sp>
+        <p:nvSpPr>
+          <p:cNvPr id="3" name="Content Placeholder 2">
+            <a:extLst>
+              <a:ext uri="{FF2B5EF4-FFF2-40B4-BE49-F238E27FC236}">
+                <a16:creationId xmlns:a16="http://schemas.microsoft.com/office/drawing/2014/main" id="{156288E6-ECF9-4A02-9E70-5D819F9EC227}"/>
+              </a:ext>
+            </a:extLst>
+          </p:cNvPr>
+          <p:cNvSpPr>
+            <a:spLocks noGrp="1"/>
+          </p:cNvSpPr>
+          <p:nvPr>
+            <p:ph idx="1"/>
+          </p:nvPr>
+        </p:nvSpPr>
+        <p:spPr>
+          <a:xfrm>
+            <a:off x="838900" y="2285999"/>
+            <a:ext cx="6087290" cy="4240635"/>
+          </a:xfrm>
+        </p:spPr>
+        <p:txBody>
+          <a:bodyPr>
+            <a:normAutofit/>
+          </a:bodyPr>
+          <a:lstStyle/>
+          <a:p>
+            <a:pPr marL="128016" lvl="1" indent="0">
+              <a:buNone/>
+            </a:pPr>
+            <a:endParaRPr lang="en-US" sz="1500" dirty="0">
+              <a:latin typeface="Tw Cen MT (Body)"/>
+            </a:endParaRPr>
+          </a:p>
+          <a:p>
+            <a:pPr marL="128016" lvl="1" indent="0">
+              <a:buNone/>
+            </a:pPr>
+            <a:r>
+              <a:rPr lang="en-US" sz="1500" b="1" dirty="0"/>
+              <a:t>Data Cleansing</a:t>
+            </a:r>
+          </a:p>
+          <a:p>
+            <a:pPr lvl="1">
+              <a:buFont typeface="Arial" panose="020B0604020202020204" pitchFamily="34" charset="0"/>
+              <a:buChar char="•"/>
+            </a:pPr>
+            <a:r>
+              <a:rPr lang="en-US" sz="1600" dirty="0"/>
+              <a:t>Out of 19 attributes which had nulls, 4 attributes having more than 70 percent NULLs were dropped</a:t>
+            </a:r>
+          </a:p>
+          <a:p>
+            <a:pPr marL="128016" lvl="1" indent="0">
+              <a:buNone/>
+            </a:pPr>
+            <a:endParaRPr lang="en-US" sz="1500" b="1" dirty="0">
+              <a:latin typeface="Tw Cen MT (Body)"/>
+            </a:endParaRPr>
+          </a:p>
+          <a:p>
+            <a:pPr marL="128016" lvl="1" indent="0">
+              <a:buNone/>
+            </a:pPr>
+            <a:endParaRPr lang="en-US" sz="1500" b="1" dirty="0">
+              <a:latin typeface="Tw Cen MT (Body)"/>
+            </a:endParaRPr>
+          </a:p>
+          <a:p>
+            <a:pPr marL="128016" lvl="1" indent="0">
+              <a:buNone/>
+            </a:pPr>
+            <a:r>
+              <a:rPr lang="en-US" sz="1500" b="1" dirty="0"/>
+              <a:t>Data Correlation</a:t>
+            </a:r>
+          </a:p>
+          <a:p>
+            <a:pPr lvl="1">
+              <a:buFont typeface="Arial" panose="020B0604020202020204" pitchFamily="34" charset="0"/>
+              <a:buChar char="•"/>
+            </a:pPr>
+            <a:r>
+              <a:rPr lang="en-US" sz="1600" dirty="0"/>
+              <a:t>Slight increase in Lot Area increases Sales Price by a higher margin</a:t>
+            </a:r>
+          </a:p>
+          <a:p>
+            <a:pPr lvl="1">
+              <a:buFont typeface="Arial" panose="020B0604020202020204" pitchFamily="34" charset="0"/>
+              <a:buChar char="•"/>
+            </a:pPr>
+            <a:r>
+              <a:rPr lang="en-US" sz="1600" dirty="0"/>
+              <a:t>Total square footage is highly correlated to Sales Price</a:t>
+            </a:r>
+          </a:p>
+        </p:txBody>
+      </p:sp>
+      <p:pic>
+        <p:nvPicPr>
+          <p:cNvPr id="7" name="Picture 6">
+            <a:extLst>
+              <a:ext uri="{FF2B5EF4-FFF2-40B4-BE49-F238E27FC236}">
+                <a16:creationId xmlns:a16="http://schemas.microsoft.com/office/drawing/2014/main" id="{C83B9BB4-BA10-45EA-8397-EF77ABD2D0EC}"/>
+              </a:ext>
+            </a:extLst>
+          </p:cNvPr>
+          <p:cNvPicPr>
+            <a:picLocks noChangeAspect="1"/>
+          </p:cNvPicPr>
+          <p:nvPr/>
+        </p:nvPicPr>
+        <p:blipFill rotWithShape="1">
+          <a:blip r:embed="rId2"/>
+          <a:srcRect l="6266" r="3" b="3"/>
+          <a:stretch/>
+        </p:blipFill>
+        <p:spPr>
+          <a:xfrm>
+            <a:off x="6926188" y="585216"/>
+            <a:ext cx="4426911" cy="6173684"/>
+          </a:xfrm>
+          <a:prstGeom prst="rect">
+            <a:avLst/>
+          </a:prstGeom>
+        </p:spPr>
+      </p:pic>
+    </p:spTree>
+    <p:extLst>
+      <p:ext uri="{BB962C8B-B14F-4D97-AF65-F5344CB8AC3E}">
+        <p14:creationId xmlns:p14="http://schemas.microsoft.com/office/powerpoint/2010/main" val="4015089410"/>
+      </p:ext>
+    </p:extLst>
+  </p:cSld>
+  <p:clrMapOvr>
+    <a:masterClrMapping/>
+  </p:clrMapOvr>
+</p:sld>
+</file>
+
+<file path=ppt/slides/slide6.xml><?xml version="1.0" encoding="utf-8"?>
+<p:sld xmlns:a="http://schemas.openxmlformats.org/drawingml/2006/main" xmlns:r="http://schemas.openxmlformats.org/officeDocument/2006/relationships" xmlns:p="http://schemas.openxmlformats.org/presentationml/2006/main">
+  <p:cSld>
+    <p:bg>
+      <p:bgPr>
+        <a:solidFill>
+          <a:schemeClr val="bg1"/>
+        </a:solidFill>
+        <a:effectLst/>
+      </p:bgPr>
+    </p:bg>
+    <p:spTree>
+      <p:nvGrpSpPr>
+        <p:cNvPr id="1" name=""/>
+        <p:cNvGrpSpPr/>
+        <p:nvPr/>
+      </p:nvGrpSpPr>
+      <p:grpSpPr>
+        <a:xfrm>
+          <a:off x="0" y="0"/>
+          <a:ext cx="0" cy="0"/>
+          <a:chOff x="0" y="0"/>
+          <a:chExt cx="0" cy="0"/>
+        </a:xfrm>
+      </p:grpSpPr>
+      <p:sp>
+        <p:nvSpPr>
+          <p:cNvPr id="2" name="Title 1">
+            <a:extLst>
+              <a:ext uri="{FF2B5EF4-FFF2-40B4-BE49-F238E27FC236}">
+                <a16:creationId xmlns:a16="http://schemas.microsoft.com/office/drawing/2014/main" id="{53460515-FFBB-4327-A923-B25D9B0CDCBB}"/>
+              </a:ext>
+            </a:extLst>
+          </p:cNvPr>
+          <p:cNvSpPr>
+            <a:spLocks noGrp="1"/>
+          </p:cNvSpPr>
+          <p:nvPr>
+            <p:ph type="title"/>
+          </p:nvPr>
+        </p:nvSpPr>
+        <p:spPr>
+          <a:xfrm>
+            <a:off x="1024128" y="585216"/>
+            <a:ext cx="9720072" cy="1499616"/>
+          </a:xfrm>
+        </p:spPr>
+        <p:txBody>
+          <a:bodyPr vert="horz" lIns="91440" tIns="45720" rIns="91440" bIns="45720" rtlCol="0" anchor="ctr">
+            <a:normAutofit/>
+          </a:bodyPr>
+          <a:lstStyle/>
+          <a:p>
+            <a:r>
+              <a:rPr lang="en-US" dirty="0"/>
+              <a:t>Model Training, Tuning, and Selection</a:t>
+            </a:r>
+          </a:p>
+        </p:txBody>
+      </p:sp>
+      <p:sp>
+        <p:nvSpPr>
           <p:cNvPr id="6" name="Content Placeholder 2">
             <a:extLst>
               <a:ext uri="{FF2B5EF4-FFF2-40B4-BE49-F238E27FC236}">
@@ -4418,8 +8801,8 @@
         </p:nvSpPr>
         <p:spPr>
           <a:xfrm>
-            <a:off x="1024128" y="1635853"/>
-            <a:ext cx="10544290" cy="5159229"/>
+            <a:off x="1024128" y="2285999"/>
+            <a:ext cx="4754880" cy="4223857"/>
           </a:xfrm>
           <a:prstGeom prst="rect">
             <a:avLst/>
@@ -4427,7 +8810,7 @@
         </p:spPr>
         <p:txBody>
           <a:bodyPr vert="horz" lIns="45720" tIns="45720" rIns="45720" bIns="45720" rtlCol="0">
-            <a:normAutofit fontScale="85000" lnSpcReduction="20000"/>
+            <a:normAutofit/>
           </a:bodyPr>
           <a:lstStyle>
             <a:lvl1pPr marL="91440" indent="-91440" algn="l" defTabSz="914400" rtl="0" eaLnBrk="1" latinLnBrk="0" hangingPunct="1">
@@ -4654,17 +9037,15 @@
               <a:buChar char="•"/>
             </a:pPr>
             <a:r>
-              <a:rPr lang="en-US" dirty="0"/>
-              <a:t>Executed Linear Regression, Ridge and XG Boost to train the Model using </a:t>
-            </a:r>
-            <a:r>
-              <a:rPr lang="en-US" dirty="0" err="1"/>
-              <a:t>GridSearchCV</a:t>
-            </a:r>
-            <a:r>
-              <a:rPr lang="en-US" dirty="0"/>
-              <a:t> to test multiple parameters.</a:t>
-            </a:r>
+              <a:rPr lang="en-US" sz="1600" dirty="0"/>
+              <a:t>Selected XG Boost as the best performing model based on RMSE</a:t>
+            </a:r>
+          </a:p>
+          <a:p>
+            <a:pPr marL="128016" lvl="1" indent="0">
+              <a:buNone/>
+            </a:pPr>
+            <a:endParaRPr lang="en-US" sz="1600" dirty="0"/>
           </a:p>
           <a:p>
             <a:pPr lvl="1">
@@ -4672,195 +9053,8 @@
               <a:buChar char="•"/>
             </a:pPr>
             <a:r>
-              <a:rPr lang="en-US" dirty="0"/>
-              <a:t>Identified XG Boost as the best performing model by comparing the results and persisted it to apply on test data.</a:t>
-            </a:r>
-          </a:p>
-          <a:p>
-            <a:pPr marL="128016" lvl="1" indent="0">
-              <a:buNone/>
-            </a:pPr>
-            <a:endParaRPr lang="en-US" dirty="0"/>
-          </a:p>
-          <a:p>
-            <a:pPr marL="128016" lvl="1" indent="0">
-              <a:buNone/>
-            </a:pPr>
-            <a:r>
-              <a:rPr lang="en-US" sz="2200" b="1" dirty="0"/>
-              <a:t>Model Training, Tuning &amp; Evaluation</a:t>
-            </a:r>
-          </a:p>
-          <a:p>
-            <a:pPr lvl="1">
-              <a:buFont typeface="Arial" panose="020B0604020202020204" pitchFamily="34" charset="0"/>
-              <a:buChar char="•"/>
-            </a:pPr>
-            <a:r>
-              <a:rPr lang="en-US" dirty="0"/>
-              <a:t>Linear regressor, Ridge regressor and </a:t>
-            </a:r>
-            <a:r>
-              <a:rPr lang="en-US" dirty="0" err="1"/>
-              <a:t>XGBoost</a:t>
-            </a:r>
-            <a:r>
-              <a:rPr lang="en-US" dirty="0"/>
-              <a:t> Regressor were trained with different parameters and below are the best parameter selection for each.</a:t>
-            </a:r>
-          </a:p>
-          <a:p>
-            <a:pPr lvl="1">
-              <a:buFont typeface="Arial" panose="020B0604020202020204" pitchFamily="34" charset="0"/>
-              <a:buChar char="•"/>
-            </a:pPr>
-            <a:r>
-              <a:rPr lang="en-US" dirty="0"/>
-              <a:t>Linear regression:</a:t>
-            </a:r>
-          </a:p>
-          <a:p>
-            <a:pPr lvl="2">
-              <a:buFont typeface="Arial" panose="020B0604020202020204" pitchFamily="34" charset="0"/>
-              <a:buChar char="•"/>
-            </a:pPr>
-            <a:r>
-              <a:rPr lang="en-US" dirty="0"/>
-              <a:t>{'classifier__</a:t>
-            </a:r>
-            <a:r>
-              <a:rPr lang="en-US" dirty="0" err="1"/>
-              <a:t>copy_X</a:t>
-            </a:r>
-            <a:r>
-              <a:rPr lang="en-US" dirty="0"/>
-              <a:t>': True, 'classifier__</a:t>
-            </a:r>
-            <a:r>
-              <a:rPr lang="en-US" dirty="0" err="1"/>
-              <a:t>fit_intercept</a:t>
-            </a:r>
-            <a:r>
-              <a:rPr lang="en-US" dirty="0"/>
-              <a:t>': False, '</a:t>
-            </a:r>
-            <a:r>
-              <a:rPr lang="en-US" dirty="0" err="1"/>
-              <a:t>classifier__normalize</a:t>
-            </a:r>
-            <a:r>
-              <a:rPr lang="en-US" dirty="0"/>
-              <a:t>': True}</a:t>
-            </a:r>
-          </a:p>
-          <a:p>
-            <a:pPr lvl="1">
-              <a:buFont typeface="Arial" panose="020B0604020202020204" pitchFamily="34" charset="0"/>
-              <a:buChar char="•"/>
-            </a:pPr>
-            <a:r>
-              <a:rPr lang="en-US" dirty="0"/>
-              <a:t>Ridge regressor:</a:t>
-            </a:r>
-          </a:p>
-          <a:p>
-            <a:pPr lvl="2">
-              <a:buFont typeface="Arial" panose="020B0604020202020204" pitchFamily="34" charset="0"/>
-              <a:buChar char="•"/>
-            </a:pPr>
-            <a:r>
-              <a:rPr lang="en-US" dirty="0"/>
-              <a:t>{'</a:t>
-            </a:r>
-            <a:r>
-              <a:rPr lang="en-US" dirty="0" err="1"/>
-              <a:t>clf_RG__alpha</a:t>
-            </a:r>
-            <a:r>
-              <a:rPr lang="en-US" dirty="0"/>
-              <a:t>': 0.2, 'clf_RG__</a:t>
-            </a:r>
-            <a:r>
-              <a:rPr lang="en-US" dirty="0" err="1"/>
-              <a:t>copy_X</a:t>
-            </a:r>
-            <a:r>
-              <a:rPr lang="en-US" dirty="0"/>
-              <a:t>': True, 'clf_RG__</a:t>
-            </a:r>
-            <a:r>
-              <a:rPr lang="en-US" dirty="0" err="1"/>
-              <a:t>fit_intercept</a:t>
-            </a:r>
-            <a:r>
-              <a:rPr lang="en-US" dirty="0"/>
-              <a:t>': False}</a:t>
-            </a:r>
-          </a:p>
-          <a:p>
-            <a:pPr lvl="1">
-              <a:buFont typeface="Arial" panose="020B0604020202020204" pitchFamily="34" charset="0"/>
-              <a:buChar char="•"/>
-            </a:pPr>
-            <a:r>
-              <a:rPr lang="en-US" dirty="0" err="1"/>
-              <a:t>XGBoost</a:t>
-            </a:r>
-            <a:r>
-              <a:rPr lang="en-US" dirty="0"/>
-              <a:t> regressor:</a:t>
-            </a:r>
-          </a:p>
-          <a:p>
-            <a:pPr lvl="2">
-              <a:buFont typeface="Arial" panose="020B0604020202020204" pitchFamily="34" charset="0"/>
-              <a:buChar char="•"/>
-            </a:pPr>
-            <a:r>
-              <a:rPr lang="en-US" dirty="0"/>
-              <a:t>{'clf_XG__</a:t>
-            </a:r>
-            <a:r>
-              <a:rPr lang="en-US" dirty="0" err="1"/>
-              <a:t>learning_rate</a:t>
-            </a:r>
-            <a:r>
-              <a:rPr lang="en-US" dirty="0"/>
-              <a:t>': 0.1, 'clf_XG__</a:t>
-            </a:r>
-            <a:r>
-              <a:rPr lang="en-US" dirty="0" err="1"/>
-              <a:t>max_depth</a:t>
-            </a:r>
-            <a:r>
-              <a:rPr lang="en-US" dirty="0"/>
-              <a:t>': 5, 'clf_XG__</a:t>
-            </a:r>
-            <a:r>
-              <a:rPr lang="en-US" dirty="0" err="1"/>
-              <a:t>n_estimators</a:t>
-            </a:r>
-            <a:r>
-              <a:rPr lang="en-US" dirty="0"/>
-              <a:t>': 100}</a:t>
-            </a:r>
-          </a:p>
-          <a:p>
-            <a:pPr lvl="1">
-              <a:buFont typeface="Arial" panose="020B0604020202020204" pitchFamily="34" charset="0"/>
-              <a:buChar char="•"/>
-            </a:pPr>
-            <a:r>
-              <a:rPr lang="en-US" dirty="0"/>
-              <a:t>Checked the important features during tuning and removed one of the least important feature '</a:t>
-            </a:r>
-            <a:r>
-              <a:rPr lang="en-US" dirty="0" err="1"/>
-              <a:t>HouseStyle</a:t>
-            </a:r>
-            <a:r>
-              <a:rPr lang="en-US" dirty="0"/>
-              <a:t>' from the dataset which increased our score.</a:t>
+              <a:rPr lang="en-US" sz="1600" dirty="0"/>
+              <a:t>Checked the important features during tuning and removed one of the least important features (House Style) from the dataset which decreased RMSE</a:t>
             </a:r>
           </a:p>
           <a:p>
@@ -4871,302 +9065,44 @@
             <a:endParaRPr lang="en-US" dirty="0"/>
           </a:p>
           <a:p>
-            <a:pPr marL="128016" lvl="1" indent="0">
-              <a:buNone/>
-            </a:pPr>
-            <a:r>
-              <a:rPr lang="en-US" sz="2200" b="1" dirty="0"/>
-              <a:t>Final Selection of Model</a:t>
-            </a:r>
-          </a:p>
-          <a:p>
-            <a:pPr lvl="1">
-              <a:buFont typeface="Arial" panose="020B0604020202020204" pitchFamily="34" charset="0"/>
-              <a:buChar char="•"/>
-            </a:pPr>
-            <a:r>
-              <a:rPr lang="en-US" dirty="0"/>
-              <a:t>Following are the scores from Linear Regression, Ridge and XG Boost Regressor</a:t>
-            </a:r>
-          </a:p>
-          <a:p>
-            <a:pPr lvl="1">
-              <a:buFont typeface="Arial" panose="020B0604020202020204" pitchFamily="34" charset="0"/>
-              <a:buChar char="•"/>
-            </a:pPr>
-            <a:r>
-              <a:rPr lang="en-US" dirty="0"/>
-              <a:t>  - linear regression score is:  0.7494241357121679</a:t>
-            </a:r>
-          </a:p>
-          <a:p>
-            <a:pPr lvl="1">
-              <a:buFont typeface="Arial" panose="020B0604020202020204" pitchFamily="34" charset="0"/>
-              <a:buChar char="•"/>
-            </a:pPr>
-            <a:r>
-              <a:rPr lang="en-US" dirty="0"/>
-              <a:t>  - Ridge regression score is:  0.7459059322291025</a:t>
-            </a:r>
-          </a:p>
-          <a:p>
-            <a:pPr lvl="1">
-              <a:buFont typeface="Arial" panose="020B0604020202020204" pitchFamily="34" charset="0"/>
-              <a:buChar char="•"/>
-            </a:pPr>
-            <a:r>
-              <a:rPr lang="en-US" dirty="0"/>
-              <a:t>  - XG Boost Regressor  score is:  0.7852363569881567</a:t>
-            </a:r>
-          </a:p>
-          <a:p>
-            <a:pPr lvl="1">
-              <a:buFont typeface="Arial" panose="020B0604020202020204" pitchFamily="34" charset="0"/>
-              <a:buChar char="•"/>
-            </a:pPr>
-            <a:r>
-              <a:rPr lang="en-US" dirty="0"/>
-              <a:t>Based on the above Scores, we selected XG Boost Regressor as our desired model.</a:t>
-            </a:r>
-          </a:p>
-          <a:p>
-            <a:endParaRPr lang="en-US" dirty="0"/>
+            <a:endParaRPr lang="en-US" sz="1600" dirty="0"/>
           </a:p>
         </p:txBody>
       </p:sp>
-      <p:sp>
-        <p:nvSpPr>
-          <p:cNvPr id="2" name="Title 1">
+      <p:pic>
+        <p:nvPicPr>
+          <p:cNvPr id="9" name="Picture 8">
             <a:extLst>
               <a:ext uri="{FF2B5EF4-FFF2-40B4-BE49-F238E27FC236}">
-                <a16:creationId xmlns:a16="http://schemas.microsoft.com/office/drawing/2014/main" id="{53460515-FFBB-4327-A923-B25D9B0CDCBB}"/>
+                <a16:creationId xmlns:a16="http://schemas.microsoft.com/office/drawing/2014/main" id="{77EB7095-81D9-4348-9946-99CF1052B601}"/>
               </a:ext>
             </a:extLst>
           </p:cNvPr>
-          <p:cNvSpPr>
-            <a:spLocks noGrp="1"/>
-          </p:cNvSpPr>
-          <p:nvPr>
-            <p:ph type="title"/>
-          </p:nvPr>
-        </p:nvSpPr>
-        <p:spPr/>
-        <p:txBody>
-          <a:bodyPr/>
-          <a:lstStyle/>
-          <a:p>
-            <a:r>
-              <a:rPr lang="en-US" dirty="0"/>
-              <a:t>Model Training, Tuning, and Selection</a:t>
-            </a:r>
-          </a:p>
-        </p:txBody>
-      </p:sp>
+          <p:cNvPicPr>
+            <a:picLocks noChangeAspect="1"/>
+          </p:cNvPicPr>
+          <p:nvPr/>
+        </p:nvPicPr>
+        <p:blipFill>
+          <a:blip r:embed="rId2"/>
+          <a:stretch>
+            <a:fillRect/>
+          </a:stretch>
+        </p:blipFill>
+        <p:spPr>
+          <a:xfrm>
+            <a:off x="5636386" y="2084832"/>
+            <a:ext cx="6039371" cy="3376569"/>
+          </a:xfrm>
+          <a:prstGeom prst="rect">
+            <a:avLst/>
+          </a:prstGeom>
+        </p:spPr>
+      </p:pic>
     </p:spTree>
     <p:extLst>
       <p:ext uri="{BB962C8B-B14F-4D97-AF65-F5344CB8AC3E}">
         <p14:creationId xmlns:p14="http://schemas.microsoft.com/office/powerpoint/2010/main" val="3558757757"/>
-      </p:ext>
-    </p:extLst>
-  </p:cSld>
-  <p:clrMapOvr>
-    <a:masterClrMapping/>
-  </p:clrMapOvr>
-</p:sld>
-</file>
-
-<file path=ppt/slides/slide6.xml><?xml version="1.0" encoding="utf-8"?>
-<p:sld xmlns:a="http://schemas.openxmlformats.org/drawingml/2006/main" xmlns:r="http://schemas.openxmlformats.org/officeDocument/2006/relationships" xmlns:p="http://schemas.openxmlformats.org/presentationml/2006/main">
-  <p:cSld>
-    <p:spTree>
-      <p:nvGrpSpPr>
-        <p:cNvPr id="1" name=""/>
-        <p:cNvGrpSpPr/>
-        <p:nvPr/>
-      </p:nvGrpSpPr>
-      <p:grpSpPr>
-        <a:xfrm>
-          <a:off x="0" y="0"/>
-          <a:ext cx="0" cy="0"/>
-          <a:chOff x="0" y="0"/>
-          <a:chExt cx="0" cy="0"/>
-        </a:xfrm>
-      </p:grpSpPr>
-      <p:sp>
-        <p:nvSpPr>
-          <p:cNvPr id="2" name="Title 1">
-            <a:extLst>
-              <a:ext uri="{FF2B5EF4-FFF2-40B4-BE49-F238E27FC236}">
-                <a16:creationId xmlns:a16="http://schemas.microsoft.com/office/drawing/2014/main" id="{FACC7354-9FFD-4E98-8ACE-DA97D1A9B94F}"/>
-              </a:ext>
-            </a:extLst>
-          </p:cNvPr>
-          <p:cNvSpPr>
-            <a:spLocks noGrp="1"/>
-          </p:cNvSpPr>
-          <p:nvPr>
-            <p:ph type="title"/>
-          </p:nvPr>
-        </p:nvSpPr>
-        <p:spPr/>
-        <p:txBody>
-          <a:bodyPr/>
-          <a:lstStyle/>
-          <a:p>
-            <a:r>
-              <a:rPr lang="en-US" dirty="0"/>
-              <a:t>Demo of mL Web app</a:t>
-            </a:r>
-          </a:p>
-        </p:txBody>
-      </p:sp>
-      <p:sp>
-        <p:nvSpPr>
-          <p:cNvPr id="3" name="Content Placeholder 2">
-            <a:extLst>
-              <a:ext uri="{FF2B5EF4-FFF2-40B4-BE49-F238E27FC236}">
-                <a16:creationId xmlns:a16="http://schemas.microsoft.com/office/drawing/2014/main" id="{0B7D7337-34CA-4D64-AFB9-77EF1D481430}"/>
-              </a:ext>
-            </a:extLst>
-          </p:cNvPr>
-          <p:cNvSpPr>
-            <a:spLocks noGrp="1"/>
-          </p:cNvSpPr>
-          <p:nvPr>
-            <p:ph idx="1"/>
-          </p:nvPr>
-        </p:nvSpPr>
-        <p:spPr/>
-        <p:txBody>
-          <a:bodyPr/>
-          <a:lstStyle/>
-          <a:p>
-            <a:r>
-              <a:rPr lang="en-US" dirty="0">
-                <a:hlinkClick r:id="rId2"/>
-              </a:rPr>
-              <a:t>https://housing-demo-team6.herokuapp.com/</a:t>
-            </a:r>
-            <a:endParaRPr lang="en-US" dirty="0"/>
-          </a:p>
-          <a:p>
-            <a:endParaRPr lang="en-US" dirty="0"/>
-          </a:p>
-        </p:txBody>
-      </p:sp>
-      <p:grpSp>
-        <p:nvGrpSpPr>
-          <p:cNvPr id="12" name="Group 11">
-            <a:extLst>
-              <a:ext uri="{FF2B5EF4-FFF2-40B4-BE49-F238E27FC236}">
-                <a16:creationId xmlns:a16="http://schemas.microsoft.com/office/drawing/2014/main" id="{92289B3C-53AD-4541-A1B2-56AD55D28CFA}"/>
-              </a:ext>
-            </a:extLst>
-          </p:cNvPr>
-          <p:cNvGrpSpPr/>
-          <p:nvPr/>
-        </p:nvGrpSpPr>
-        <p:grpSpPr>
-          <a:xfrm>
-            <a:off x="6899806" y="159241"/>
-            <a:ext cx="4726145" cy="6487382"/>
-            <a:chOff x="6899806" y="159241"/>
-            <a:chExt cx="4726145" cy="6487382"/>
-          </a:xfrm>
-        </p:grpSpPr>
-        <p:pic>
-          <p:nvPicPr>
-            <p:cNvPr id="7" name="Picture 6">
-              <a:extLst>
-                <a:ext uri="{FF2B5EF4-FFF2-40B4-BE49-F238E27FC236}">
-                  <a16:creationId xmlns:a16="http://schemas.microsoft.com/office/drawing/2014/main" id="{B76F336F-F455-4F24-83D1-004ECC7CB954}"/>
-                </a:ext>
-              </a:extLst>
-            </p:cNvPr>
-            <p:cNvPicPr>
-              <a:picLocks noChangeAspect="1"/>
-            </p:cNvPicPr>
-            <p:nvPr/>
-          </p:nvPicPr>
-          <p:blipFill rotWithShape="1">
-            <a:blip r:embed="rId3"/>
-            <a:srcRect t="11388"/>
-            <a:stretch/>
-          </p:blipFill>
-          <p:spPr>
-            <a:xfrm>
-              <a:off x="6910955" y="3338818"/>
-              <a:ext cx="4670289" cy="3307805"/>
-            </a:xfrm>
-            <a:prstGeom prst="rect">
-              <a:avLst/>
-            </a:prstGeom>
-          </p:spPr>
-        </p:pic>
-        <p:pic>
-          <p:nvPicPr>
-            <p:cNvPr id="9" name="Picture 8">
-              <a:extLst>
-                <a:ext uri="{FF2B5EF4-FFF2-40B4-BE49-F238E27FC236}">
-                  <a16:creationId xmlns:a16="http://schemas.microsoft.com/office/drawing/2014/main" id="{C4705379-B9A0-4734-BB21-9D2B5FDD7BE6}"/>
-                </a:ext>
-              </a:extLst>
-            </p:cNvPr>
-            <p:cNvPicPr>
-              <a:picLocks noChangeAspect="1"/>
-            </p:cNvPicPr>
-            <p:nvPr/>
-          </p:nvPicPr>
-          <p:blipFill rotWithShape="1">
-            <a:blip r:embed="rId4"/>
-            <a:srcRect b="17457"/>
-            <a:stretch/>
-          </p:blipFill>
-          <p:spPr>
-            <a:xfrm>
-              <a:off x="6899806" y="159241"/>
-              <a:ext cx="4726145" cy="3179577"/>
-            </a:xfrm>
-            <a:prstGeom prst="rect">
-              <a:avLst/>
-            </a:prstGeom>
-          </p:spPr>
-        </p:pic>
-        <p:pic>
-          <p:nvPicPr>
-            <p:cNvPr id="11" name="Picture 10">
-              <a:extLst>
-                <a:ext uri="{FF2B5EF4-FFF2-40B4-BE49-F238E27FC236}">
-                  <a16:creationId xmlns:a16="http://schemas.microsoft.com/office/drawing/2014/main" id="{4439C366-DC4B-441B-AE3F-D4F917F7002F}"/>
-                </a:ext>
-              </a:extLst>
-            </p:cNvPr>
-            <p:cNvPicPr>
-              <a:picLocks noChangeAspect="1"/>
-            </p:cNvPicPr>
-            <p:nvPr/>
-          </p:nvPicPr>
-          <p:blipFill>
-            <a:blip r:embed="rId5"/>
-            <a:stretch>
-              <a:fillRect/>
-            </a:stretch>
-          </p:blipFill>
-          <p:spPr>
-            <a:xfrm>
-              <a:off x="6910955" y="3101997"/>
-              <a:ext cx="1040310" cy="956414"/>
-            </a:xfrm>
-            <a:prstGeom prst="rect">
-              <a:avLst/>
-            </a:prstGeom>
-          </p:spPr>
-        </p:pic>
-      </p:grpSp>
-    </p:spTree>
-    <p:extLst>
-      <p:ext uri="{BB962C8B-B14F-4D97-AF65-F5344CB8AC3E}">
-        <p14:creationId xmlns:p14="http://schemas.microsoft.com/office/powerpoint/2010/main" val="1261929963"/>
       </p:ext>
     </p:extLst>
   </p:cSld>
@@ -5211,12 +9147,14 @@
         </p:nvSpPr>
         <p:spPr/>
         <p:txBody>
-          <a:bodyPr/>
+          <a:bodyPr>
+            <a:normAutofit/>
+          </a:bodyPr>
           <a:lstStyle/>
           <a:p>
             <a:r>
               <a:rPr lang="en-US" dirty="0"/>
-              <a:t>Appendix</a:t>
+              <a:t>Demo of mL Web app</a:t>
             </a:r>
           </a:p>
         </p:txBody>
@@ -5243,41 +9181,333 @@
           <a:lstStyle/>
           <a:p>
             <a:r>
-              <a:rPr lang="en-US" dirty="0" err="1">
+              <a:rPr lang="en-US" dirty="0">
+                <a:hlinkClick r:id="rId2"/>
+              </a:rPr>
+              <a:t>https://housing-demo-team6.herokuapp.com/</a:t>
+            </a:r>
+            <a:endParaRPr lang="en-US" dirty="0"/>
+          </a:p>
+          <a:p>
+            <a:endParaRPr lang="en-US" dirty="0"/>
+          </a:p>
+        </p:txBody>
+      </p:sp>
+      <p:pic>
+        <p:nvPicPr>
+          <p:cNvPr id="5" name="Picture 4">
+            <a:extLst>
+              <a:ext uri="{FF2B5EF4-FFF2-40B4-BE49-F238E27FC236}">
+                <a16:creationId xmlns:a16="http://schemas.microsoft.com/office/drawing/2014/main" id="{714B96F7-E5AD-467B-9602-FE66172177A3}"/>
+              </a:ext>
+            </a:extLst>
+          </p:cNvPr>
+          <p:cNvPicPr>
+            <a:picLocks noChangeAspect="1"/>
+          </p:cNvPicPr>
+          <p:nvPr/>
+        </p:nvPicPr>
+        <p:blipFill>
+          <a:blip r:embed="rId3"/>
+          <a:stretch>
+            <a:fillRect/>
+          </a:stretch>
+        </p:blipFill>
+        <p:spPr>
+          <a:xfrm>
+            <a:off x="6330762" y="585216"/>
+            <a:ext cx="5416979" cy="5035408"/>
+          </a:xfrm>
+          <a:prstGeom prst="rect">
+            <a:avLst/>
+          </a:prstGeom>
+        </p:spPr>
+      </p:pic>
+    </p:spTree>
+    <p:extLst>
+      <p:ext uri="{BB962C8B-B14F-4D97-AF65-F5344CB8AC3E}">
+        <p14:creationId xmlns:p14="http://schemas.microsoft.com/office/powerpoint/2010/main" val="1261929963"/>
+      </p:ext>
+    </p:extLst>
+  </p:cSld>
+  <p:clrMapOvr>
+    <a:masterClrMapping/>
+  </p:clrMapOvr>
+</p:sld>
+</file>
+
+<file path=ppt/slides/slide8.xml><?xml version="1.0" encoding="utf-8"?>
+<p:sld xmlns:a="http://schemas.openxmlformats.org/drawingml/2006/main" xmlns:r="http://schemas.openxmlformats.org/officeDocument/2006/relationships" xmlns:p="http://schemas.openxmlformats.org/presentationml/2006/main">
+  <p:cSld>
+    <p:spTree>
+      <p:nvGrpSpPr>
+        <p:cNvPr id="1" name=""/>
+        <p:cNvGrpSpPr/>
+        <p:nvPr/>
+      </p:nvGrpSpPr>
+      <p:grpSpPr>
+        <a:xfrm>
+          <a:off x="0" y="0"/>
+          <a:ext cx="0" cy="0"/>
+          <a:chOff x="0" y="0"/>
+          <a:chExt cx="0" cy="0"/>
+        </a:xfrm>
+      </p:grpSpPr>
+      <p:sp>
+        <p:nvSpPr>
+          <p:cNvPr id="2" name="Title 1">
+            <a:extLst>
+              <a:ext uri="{FF2B5EF4-FFF2-40B4-BE49-F238E27FC236}">
+                <a16:creationId xmlns:a16="http://schemas.microsoft.com/office/drawing/2014/main" id="{BEB3C3DC-7406-4DE1-93EB-A41D5E816768}"/>
+              </a:ext>
+            </a:extLst>
+          </p:cNvPr>
+          <p:cNvSpPr>
+            <a:spLocks noGrp="1"/>
+          </p:cNvSpPr>
+          <p:nvPr>
+            <p:ph type="title"/>
+          </p:nvPr>
+        </p:nvSpPr>
+        <p:spPr/>
+        <p:txBody>
+          <a:bodyPr>
+            <a:normAutofit/>
+          </a:bodyPr>
+          <a:lstStyle/>
+          <a:p>
+            <a:r>
+              <a:rPr lang="en-US" dirty="0"/>
+              <a:t>Model Limitations/Generalization issues</a:t>
+            </a:r>
+          </a:p>
+        </p:txBody>
+      </p:sp>
+      <p:sp>
+        <p:nvSpPr>
+          <p:cNvPr id="3" name="Content Placeholder 2">
+            <a:extLst>
+              <a:ext uri="{FF2B5EF4-FFF2-40B4-BE49-F238E27FC236}">
+                <a16:creationId xmlns:a16="http://schemas.microsoft.com/office/drawing/2014/main" id="{DB87559C-54D1-4107-8028-20A0E7163867}"/>
+              </a:ext>
+            </a:extLst>
+          </p:cNvPr>
+          <p:cNvSpPr>
+            <a:spLocks noGrp="1"/>
+          </p:cNvSpPr>
+          <p:nvPr>
+            <p:ph idx="1"/>
+          </p:nvPr>
+        </p:nvSpPr>
+        <p:spPr>
+          <a:xfrm>
+            <a:off x="1024128" y="1938867"/>
+            <a:ext cx="10292621" cy="4763937"/>
+          </a:xfrm>
+        </p:spPr>
+        <p:txBody>
+          <a:bodyPr>
+            <a:normAutofit/>
+          </a:bodyPr>
+          <a:lstStyle/>
+          <a:p>
+            <a:pPr lvl="1"/>
+            <a:r>
+              <a:rPr lang="en-US" sz="1600" dirty="0"/>
+              <a:t>The current data source was more specific to one region and was lacking key features such as School District/School Rating, Future Development (Commercial Complex, Highways etc.), Crime rate</a:t>
+            </a:r>
+          </a:p>
+          <a:p>
+            <a:pPr lvl="1"/>
+            <a:endParaRPr lang="en-US" sz="1600" dirty="0"/>
+          </a:p>
+          <a:p>
+            <a:pPr lvl="1"/>
+            <a:r>
+              <a:rPr lang="en-US" sz="1600" dirty="0"/>
+              <a:t>Our project shows that it is not possible to train a housing model on only one city and generalize it to others</a:t>
+            </a:r>
+          </a:p>
+          <a:p>
+            <a:pPr lvl="3"/>
+            <a:r>
+              <a:rPr lang="en-US" sz="1600" dirty="0"/>
+              <a:t>Real Estate values are highly dependent upon location and geographical region</a:t>
+            </a:r>
+          </a:p>
+          <a:p>
+            <a:pPr lvl="1"/>
+            <a:r>
+              <a:rPr lang="en-US" sz="1600" dirty="0"/>
+              <a:t>To build a highly predictive model, multiple geographical regions are needed to train model. </a:t>
+            </a:r>
+          </a:p>
+          <a:p>
+            <a:pPr lvl="1"/>
+            <a:endParaRPr lang="en-US" sz="1600" dirty="0"/>
+          </a:p>
+          <a:p>
+            <a:pPr lvl="1"/>
+            <a:r>
+              <a:rPr lang="en-US" sz="1600" dirty="0"/>
+              <a:t>Next Steps:</a:t>
+            </a:r>
+          </a:p>
+          <a:p>
+            <a:pPr lvl="3"/>
+            <a:r>
+              <a:rPr lang="en-US" sz="1600" dirty="0"/>
+              <a:t> Interview Real Estate Agents to value the area based on</a:t>
+            </a:r>
+          </a:p>
+          <a:p>
+            <a:pPr lvl="4"/>
+            <a:r>
+              <a:rPr lang="en-US" sz="1600" dirty="0"/>
+              <a:t>School District/School Rating</a:t>
+            </a:r>
+          </a:p>
+          <a:p>
+            <a:pPr lvl="4"/>
+            <a:r>
+              <a:rPr lang="en-US" sz="1600" dirty="0"/>
+              <a:t>Future Development (Commercial Complex, Highways etc.)		</a:t>
+            </a:r>
+          </a:p>
+          <a:p>
+            <a:pPr lvl="3"/>
+            <a:r>
+              <a:rPr lang="en-US" sz="1600" dirty="0"/>
+              <a:t>Find proximity to amenities</a:t>
+            </a:r>
+          </a:p>
+          <a:p>
+            <a:pPr lvl="3"/>
+            <a:endParaRPr lang="en-US" dirty="0"/>
+          </a:p>
+        </p:txBody>
+      </p:sp>
+    </p:spTree>
+    <p:extLst>
+      <p:ext uri="{BB962C8B-B14F-4D97-AF65-F5344CB8AC3E}">
+        <p14:creationId xmlns:p14="http://schemas.microsoft.com/office/powerpoint/2010/main" val="3838597511"/>
+      </p:ext>
+    </p:extLst>
+  </p:cSld>
+  <p:clrMapOvr>
+    <a:masterClrMapping/>
+  </p:clrMapOvr>
+</p:sld>
+</file>
+
+<file path=ppt/slides/slide9.xml><?xml version="1.0" encoding="utf-8"?>
+<p:sld xmlns:a="http://schemas.openxmlformats.org/drawingml/2006/main" xmlns:r="http://schemas.openxmlformats.org/officeDocument/2006/relationships" xmlns:p="http://schemas.openxmlformats.org/presentationml/2006/main">
+  <p:cSld>
+    <p:spTree>
+      <p:nvGrpSpPr>
+        <p:cNvPr id="1" name=""/>
+        <p:cNvGrpSpPr/>
+        <p:nvPr/>
+      </p:nvGrpSpPr>
+      <p:grpSpPr>
+        <a:xfrm>
+          <a:off x="0" y="0"/>
+          <a:ext cx="0" cy="0"/>
+          <a:chOff x="0" y="0"/>
+          <a:chExt cx="0" cy="0"/>
+        </a:xfrm>
+      </p:grpSpPr>
+      <p:sp>
+        <p:nvSpPr>
+          <p:cNvPr id="2" name="Title 1">
+            <a:extLst>
+              <a:ext uri="{FF2B5EF4-FFF2-40B4-BE49-F238E27FC236}">
+                <a16:creationId xmlns:a16="http://schemas.microsoft.com/office/drawing/2014/main" id="{FACC7354-9FFD-4E98-8ACE-DA97D1A9B94F}"/>
+              </a:ext>
+            </a:extLst>
+          </p:cNvPr>
+          <p:cNvSpPr>
+            <a:spLocks noGrp="1"/>
+          </p:cNvSpPr>
+          <p:nvPr>
+            <p:ph type="title"/>
+          </p:nvPr>
+        </p:nvSpPr>
+        <p:spPr/>
+        <p:txBody>
+          <a:bodyPr/>
+          <a:lstStyle/>
+          <a:p>
+            <a:r>
+              <a:rPr lang="en-US" dirty="0"/>
+              <a:t>Appendix</a:t>
+            </a:r>
+          </a:p>
+        </p:txBody>
+      </p:sp>
+      <p:sp>
+        <p:nvSpPr>
+          <p:cNvPr id="3" name="Content Placeholder 2">
+            <a:extLst>
+              <a:ext uri="{FF2B5EF4-FFF2-40B4-BE49-F238E27FC236}">
+                <a16:creationId xmlns:a16="http://schemas.microsoft.com/office/drawing/2014/main" id="{0B7D7337-34CA-4D64-AFB9-77EF1D481430}"/>
+              </a:ext>
+            </a:extLst>
+          </p:cNvPr>
+          <p:cNvSpPr>
+            <a:spLocks noGrp="1"/>
+          </p:cNvSpPr>
+          <p:nvPr>
+            <p:ph idx="1"/>
+          </p:nvPr>
+        </p:nvSpPr>
+        <p:spPr/>
+        <p:txBody>
+          <a:bodyPr>
+            <a:normAutofit/>
+          </a:bodyPr>
+          <a:lstStyle/>
+          <a:p>
+            <a:pPr marL="128016" lvl="1" indent="0">
+              <a:buNone/>
+            </a:pPr>
+            <a:r>
+              <a:rPr lang="en-US" sz="2200" dirty="0" err="1">
                 <a:solidFill>
                   <a:schemeClr val="tx1">
                     <a:lumMod val="75000"/>
                     <a:lumOff val="25000"/>
                   </a:schemeClr>
                 </a:solidFill>
-                <a:hlinkClick r:id="rId2">
-                  <a:extLst>
-                    <a:ext uri="{A12FA001-AC4F-418D-AE19-62706E023703}">
-                      <ahyp:hlinkClr xmlns:ahyp="http://schemas.microsoft.com/office/drawing/2018/hyperlinkcolor" val="tx"/>
-                    </a:ext>
-                  </a:extLst>
-                </a:hlinkClick>
               </a:rPr>
               <a:t>Github</a:t>
             </a:r>
             <a:r>
-              <a:rPr lang="en-US" dirty="0">
+              <a:rPr lang="en-US" sz="2200" dirty="0">
                 <a:solidFill>
                   <a:schemeClr val="tx1">
                     <a:lumMod val="75000"/>
                     <a:lumOff val="25000"/>
                   </a:schemeClr>
                 </a:solidFill>
-                <a:hlinkClick r:id="rId2">
-                  <a:extLst>
-                    <a:ext uri="{A12FA001-AC4F-418D-AE19-62706E023703}">
-                      <ahyp:hlinkClr xmlns:ahyp="http://schemas.microsoft.com/office/drawing/2018/hyperlinkcolor" val="tx"/>
-                    </a:ext>
-                  </a:extLst>
-                </a:hlinkClick>
               </a:rPr>
               <a:t>:</a:t>
             </a:r>
+            <a:endParaRPr lang="en-US" sz="2200" dirty="0">
+              <a:solidFill>
+                <a:schemeClr val="tx1">
+                  <a:lumMod val="75000"/>
+                  <a:lumOff val="25000"/>
+                </a:schemeClr>
+              </a:solidFill>
+              <a:hlinkClick r:id="rId2">
+                <a:extLst>
+                  <a:ext uri="{A12FA001-AC4F-418D-AE19-62706E023703}">
+                    <ahyp:hlinkClr xmlns:ahyp="http://schemas.microsoft.com/office/drawing/2018/hyperlinkcolor" val="tx"/>
+                  </a:ext>
+                </a:extLst>
+              </a:hlinkClick>
+            </a:endParaRPr>
           </a:p>
           <a:p>
             <a:pPr lvl="1"/>
@@ -5299,6 +9529,146 @@
               </a:rPr>
               <a:t>https://github.com/bmarotical/capstoneTeam6</a:t>
             </a:r>
+            <a:endParaRPr lang="en-US" dirty="0">
+              <a:solidFill>
+                <a:schemeClr val="tx1">
+                  <a:lumMod val="75000"/>
+                  <a:lumOff val="25000"/>
+                </a:schemeClr>
+              </a:solidFill>
+            </a:endParaRPr>
+          </a:p>
+          <a:p>
+            <a:pPr marL="128016" lvl="1" indent="0">
+              <a:buNone/>
+            </a:pPr>
+            <a:endParaRPr lang="en-US" dirty="0">
+              <a:solidFill>
+                <a:schemeClr val="tx1">
+                  <a:lumMod val="75000"/>
+                  <a:lumOff val="25000"/>
+                </a:schemeClr>
+              </a:solidFill>
+            </a:endParaRPr>
+          </a:p>
+          <a:p>
+            <a:pPr marL="128016" lvl="1" indent="0">
+              <a:buNone/>
+            </a:pPr>
+            <a:r>
+              <a:rPr lang="en-US" sz="2200" dirty="0">
+                <a:solidFill>
+                  <a:schemeClr val="tx1">
+                    <a:lumMod val="75000"/>
+                    <a:lumOff val="25000"/>
+                  </a:schemeClr>
+                </a:solidFill>
+              </a:rPr>
+              <a:t>Dataset:</a:t>
+            </a:r>
+          </a:p>
+          <a:p>
+            <a:pPr lvl="1"/>
+            <a:r>
+              <a:rPr lang="en-US" u="sng" dirty="0">
+                <a:solidFill>
+                  <a:schemeClr val="tx1">
+                    <a:lumMod val="75000"/>
+                    <a:lumOff val="25000"/>
+                  </a:schemeClr>
+                </a:solidFill>
+              </a:rPr>
+              <a:t>https://www.kaggle.com/c/house-prices-advanced-regression-techniques </a:t>
+            </a:r>
+          </a:p>
+          <a:p>
+            <a:pPr lvl="1"/>
+            <a:endParaRPr lang="en-US" dirty="0">
+              <a:solidFill>
+                <a:schemeClr val="tx1">
+                  <a:lumMod val="75000"/>
+                  <a:lumOff val="25000"/>
+                </a:schemeClr>
+              </a:solidFill>
+            </a:endParaRPr>
+          </a:p>
+          <a:p>
+            <a:pPr marL="128016" lvl="1" indent="0">
+              <a:buNone/>
+            </a:pPr>
+            <a:r>
+              <a:rPr lang="en-US" sz="2200" dirty="0">
+                <a:solidFill>
+                  <a:schemeClr val="tx1">
+                    <a:lumMod val="75000"/>
+                    <a:lumOff val="25000"/>
+                  </a:schemeClr>
+                </a:solidFill>
+              </a:rPr>
+              <a:t>CPI:</a:t>
+            </a:r>
+          </a:p>
+          <a:p>
+            <a:pPr lvl="1"/>
+            <a:r>
+              <a:rPr lang="en-US" u="sng" dirty="0">
+                <a:solidFill>
+                  <a:schemeClr val="tx1">
+                    <a:lumMod val="75000"/>
+                    <a:lumOff val="25000"/>
+                  </a:schemeClr>
+                </a:solidFill>
+              </a:rPr>
+              <a:t>https://github.com/datadesk/cpi</a:t>
+            </a:r>
+          </a:p>
+          <a:p>
+            <a:pPr marL="128016" lvl="1" indent="0">
+              <a:buNone/>
+            </a:pPr>
+            <a:endParaRPr lang="en-US" dirty="0">
+              <a:solidFill>
+                <a:schemeClr val="tx1">
+                  <a:lumMod val="75000"/>
+                  <a:lumOff val="25000"/>
+                </a:schemeClr>
+              </a:solidFill>
+            </a:endParaRPr>
+          </a:p>
+          <a:p>
+            <a:pPr marL="128016" lvl="1" indent="0">
+              <a:buNone/>
+            </a:pPr>
+            <a:r>
+              <a:rPr lang="en-US" sz="2200" dirty="0">
+                <a:solidFill>
+                  <a:schemeClr val="tx1">
+                    <a:lumMod val="75000"/>
+                    <a:lumOff val="25000"/>
+                  </a:schemeClr>
+                </a:solidFill>
+              </a:rPr>
+              <a:t>RapidApi (datasets):</a:t>
+            </a:r>
+          </a:p>
+          <a:p>
+            <a:pPr lvl="1"/>
+            <a:r>
+              <a:rPr lang="en-US" u="sng" dirty="0">
+                <a:solidFill>
+                  <a:schemeClr val="tx1">
+                    <a:lumMod val="75000"/>
+                    <a:lumOff val="25000"/>
+                  </a:schemeClr>
+                </a:solidFill>
+              </a:rPr>
+              <a:t>https://rapidapi.com/datascraper/api/us-real-estate/</a:t>
+            </a:r>
+          </a:p>
+          <a:p>
+            <a:pPr marL="128016" lvl="1" indent="0">
+              <a:buNone/>
+            </a:pPr>
             <a:endParaRPr lang="en-US" dirty="0">
               <a:solidFill>
                 <a:schemeClr val="tx1">
@@ -5595,4 +9965,580 @@
     </a:ext>
   </a:extLst>
 </a:theme>
+</file>
+
+<file path=ppt/theme/theme2.xml><?xml version="1.0" encoding="utf-8"?>
+<a:theme xmlns:a="http://schemas.openxmlformats.org/drawingml/2006/main" name="White">
+  <a:themeElements>
+    <a:clrScheme name="White">
+      <a:dk1>
+        <a:srgbClr val="000000"/>
+      </a:dk1>
+      <a:lt1>
+        <a:srgbClr val="FFFFFF"/>
+      </a:lt1>
+      <a:dk2>
+        <a:srgbClr val="5E5E5E"/>
+      </a:dk2>
+      <a:lt2>
+        <a:srgbClr val="D6D5D5"/>
+      </a:lt2>
+      <a:accent1>
+        <a:srgbClr val="00A2FF"/>
+      </a:accent1>
+      <a:accent2>
+        <a:srgbClr val="16E7CF"/>
+      </a:accent2>
+      <a:accent3>
+        <a:srgbClr val="61D836"/>
+      </a:accent3>
+      <a:accent4>
+        <a:srgbClr val="FAE232"/>
+      </a:accent4>
+      <a:accent5>
+        <a:srgbClr val="FF644E"/>
+      </a:accent5>
+      <a:accent6>
+        <a:srgbClr val="EF5FA7"/>
+      </a:accent6>
+      <a:hlink>
+        <a:srgbClr val="0000FF"/>
+      </a:hlink>
+      <a:folHlink>
+        <a:srgbClr val="FF00FF"/>
+      </a:folHlink>
+    </a:clrScheme>
+    <a:fontScheme name="Office">
+      <a:majorFont>
+        <a:latin typeface="Arial"/>
+        <a:ea typeface=""/>
+        <a:cs typeface=""/>
+        <a:font script="Jpan" typeface="ＭＳ Ｐゴシック"/>
+        <a:font script="Hang" typeface="맑은 고딕"/>
+        <a:font script="Hans" typeface="宋体"/>
+        <a:font script="Hant" typeface="新細明體"/>
+        <a:font script="Arab" typeface="Times New Roman"/>
+        <a:font script="Hebr" typeface="Times New Roman"/>
+        <a:font script="Thai" typeface="Angsana New"/>
+        <a:font script="Ethi" typeface="Nyala"/>
+        <a:font script="Beng" typeface="Vrinda"/>
+        <a:font script="Gujr" typeface="Shruti"/>
+        <a:font script="Khmr" typeface="MoolBoran"/>
+        <a:font script="Knda" typeface="Tunga"/>
+        <a:font script="Guru" typeface="Raavi"/>
+        <a:font script="Cans" typeface="Euphemia"/>
+        <a:font script="Cher" typeface="Plantagenet Cherokee"/>
+        <a:font script="Yiii" typeface="Microsoft Yi Baiti"/>
+        <a:font script="Tibt" typeface="Microsoft Himalaya"/>
+        <a:font script="Thaa" typeface="MV Boli"/>
+        <a:font script="Deva" typeface="Mangal"/>
+        <a:font script="Telu" typeface="Gautami"/>
+        <a:font script="Taml" typeface="Latha"/>
+        <a:font script="Syrc" typeface="Estrangelo Edessa"/>
+        <a:font script="Orya" typeface="Kalinga"/>
+        <a:font script="Mlym" typeface="Kartika"/>
+        <a:font script="Laoo" typeface="DokChampa"/>
+        <a:font script="Sinh" typeface="Iskoola Pota"/>
+        <a:font script="Mong" typeface="Mongolian Baiti"/>
+        <a:font script="Viet" typeface="Times New Roman"/>
+        <a:font script="Uigh" typeface="Microsoft Uighur"/>
+        <a:font script="Geor" typeface="Sylfaen"/>
+      </a:majorFont>
+      <a:minorFont>
+        <a:latin typeface="Arial"/>
+        <a:ea typeface=""/>
+        <a:cs typeface=""/>
+        <a:font script="Jpan" typeface="ＭＳ Ｐゴシック"/>
+        <a:font script="Hang" typeface="맑은 고딕"/>
+        <a:font script="Hans" typeface="宋体"/>
+        <a:font script="Hant" typeface="新細明體"/>
+        <a:font script="Arab" typeface="Arial"/>
+        <a:font script="Hebr" typeface="Arial"/>
+        <a:font script="Thai" typeface="Cordia New"/>
+        <a:font script="Ethi" typeface="Nyala"/>
+        <a:font script="Beng" typeface="Vrinda"/>
+        <a:font script="Gujr" typeface="Shruti"/>
+        <a:font script="Khmr" typeface="DaunPenh"/>
+        <a:font script="Knda" typeface="Tunga"/>
+        <a:font script="Guru" typeface="Raavi"/>
+        <a:font script="Cans" typeface="Euphemia"/>
+        <a:font script="Cher" typeface="Plantagenet Cherokee"/>
+        <a:font script="Yiii" typeface="Microsoft Yi Baiti"/>
+        <a:font script="Tibt" typeface="Microsoft Himalaya"/>
+        <a:font script="Thaa" typeface="MV Boli"/>
+        <a:font script="Deva" typeface="Mangal"/>
+        <a:font script="Telu" typeface="Gautami"/>
+        <a:font script="Taml" typeface="Latha"/>
+        <a:font script="Syrc" typeface="Estrangelo Edessa"/>
+        <a:font script="Orya" typeface="Kalinga"/>
+        <a:font script="Mlym" typeface="Kartika"/>
+        <a:font script="Laoo" typeface="DokChampa"/>
+        <a:font script="Sinh" typeface="Iskoola Pota"/>
+        <a:font script="Mong" typeface="Mongolian Baiti"/>
+        <a:font script="Viet" typeface="Arial"/>
+        <a:font script="Uigh" typeface="Microsoft Uighur"/>
+        <a:font script="Geor" typeface="Sylfaen"/>
+      </a:minorFont>
+    </a:fontScheme>
+    <a:fmtScheme name="Office">
+      <a:fillStyleLst>
+        <a:solidFill>
+          <a:schemeClr val="phClr"/>
+        </a:solidFill>
+        <a:gradFill rotWithShape="1">
+          <a:gsLst>
+            <a:gs pos="0">
+              <a:schemeClr val="phClr">
+                <a:tint val="50000"/>
+                <a:satMod val="300000"/>
+              </a:schemeClr>
+            </a:gs>
+            <a:gs pos="35000">
+              <a:schemeClr val="phClr">
+                <a:tint val="37000"/>
+                <a:satMod val="300000"/>
+              </a:schemeClr>
+            </a:gs>
+            <a:gs pos="100000">
+              <a:schemeClr val="phClr">
+                <a:tint val="15000"/>
+                <a:satMod val="350000"/>
+              </a:schemeClr>
+            </a:gs>
+          </a:gsLst>
+          <a:lin ang="16200000" scaled="1"/>
+        </a:gradFill>
+        <a:gradFill rotWithShape="1">
+          <a:gsLst>
+            <a:gs pos="0">
+              <a:schemeClr val="phClr">
+                <a:tint val="100000"/>
+                <a:shade val="100000"/>
+                <a:satMod val="130000"/>
+              </a:schemeClr>
+            </a:gs>
+            <a:gs pos="100000">
+              <a:schemeClr val="phClr">
+                <a:tint val="50000"/>
+                <a:shade val="100000"/>
+                <a:satMod val="350000"/>
+              </a:schemeClr>
+            </a:gs>
+          </a:gsLst>
+          <a:lin ang="16200000" scaled="0"/>
+        </a:gradFill>
+      </a:fillStyleLst>
+      <a:lnStyleLst>
+        <a:ln w="9525" cap="flat" cmpd="sng" algn="ctr">
+          <a:solidFill>
+            <a:schemeClr val="phClr">
+              <a:shade val="95000"/>
+              <a:satMod val="105000"/>
+            </a:schemeClr>
+          </a:solidFill>
+          <a:prstDash val="solid"/>
+        </a:ln>
+        <a:ln w="25400" cap="flat" cmpd="sng" algn="ctr">
+          <a:solidFill>
+            <a:schemeClr val="phClr"/>
+          </a:solidFill>
+          <a:prstDash val="solid"/>
+        </a:ln>
+        <a:ln w="38100" cap="flat" cmpd="sng" algn="ctr">
+          <a:solidFill>
+            <a:schemeClr val="phClr"/>
+          </a:solidFill>
+          <a:prstDash val="solid"/>
+        </a:ln>
+      </a:lnStyleLst>
+      <a:effectStyleLst>
+        <a:effectStyle>
+          <a:effectLst>
+            <a:outerShdw blurRad="40000" dist="20000" dir="5400000" rotWithShape="0">
+              <a:srgbClr val="000000">
+                <a:alpha val="38000"/>
+              </a:srgbClr>
+            </a:outerShdw>
+          </a:effectLst>
+        </a:effectStyle>
+        <a:effectStyle>
+          <a:effectLst>
+            <a:outerShdw blurRad="40000" dist="23000" dir="5400000" rotWithShape="0">
+              <a:srgbClr val="000000">
+                <a:alpha val="35000"/>
+              </a:srgbClr>
+            </a:outerShdw>
+          </a:effectLst>
+        </a:effectStyle>
+        <a:effectStyle>
+          <a:effectLst>
+            <a:outerShdw blurRad="40000" dist="23000" dir="5400000" rotWithShape="0">
+              <a:srgbClr val="000000">
+                <a:alpha val="35000"/>
+              </a:srgbClr>
+            </a:outerShdw>
+          </a:effectLst>
+          <a:scene3d>
+            <a:camera prst="orthographicFront">
+              <a:rot lat="0" lon="0" rev="0"/>
+            </a:camera>
+            <a:lightRig rig="threePt" dir="t">
+              <a:rot lat="0" lon="0" rev="1200000"/>
+            </a:lightRig>
+          </a:scene3d>
+          <a:sp3d>
+            <a:bevelT w="63500" h="25400"/>
+          </a:sp3d>
+        </a:effectStyle>
+      </a:effectStyleLst>
+      <a:bgFillStyleLst>
+        <a:solidFill>
+          <a:schemeClr val="phClr"/>
+        </a:solidFill>
+        <a:gradFill rotWithShape="1">
+          <a:gsLst>
+            <a:gs pos="0">
+              <a:schemeClr val="phClr">
+                <a:tint val="40000"/>
+                <a:satMod val="350000"/>
+              </a:schemeClr>
+            </a:gs>
+            <a:gs pos="40000">
+              <a:schemeClr val="phClr">
+                <a:tint val="45000"/>
+                <a:shade val="99000"/>
+                <a:satMod val="350000"/>
+              </a:schemeClr>
+            </a:gs>
+            <a:gs pos="100000">
+              <a:schemeClr val="phClr">
+                <a:shade val="20000"/>
+                <a:satMod val="255000"/>
+              </a:schemeClr>
+            </a:gs>
+          </a:gsLst>
+          <a:path path="circle">
+            <a:fillToRect l="50000" t="-80000" r="50000" b="180000"/>
+          </a:path>
+        </a:gradFill>
+        <a:gradFill rotWithShape="1">
+          <a:gsLst>
+            <a:gs pos="0">
+              <a:schemeClr val="phClr">
+                <a:tint val="80000"/>
+                <a:satMod val="300000"/>
+              </a:schemeClr>
+            </a:gs>
+            <a:gs pos="100000">
+              <a:schemeClr val="phClr">
+                <a:shade val="30000"/>
+                <a:satMod val="200000"/>
+              </a:schemeClr>
+            </a:gs>
+          </a:gsLst>
+          <a:path path="circle">
+            <a:fillToRect l="50000" t="50000" r="50000" b="50000"/>
+          </a:path>
+        </a:gradFill>
+      </a:bgFillStyleLst>
+    </a:fmtScheme>
+  </a:themeElements>
+  <a:objectDefaults/>
+  <a:extraClrSchemeLst/>
+</a:theme>
+</file>
+
+<file path=ppt/theme/theme3.xml><?xml version="1.0" encoding="utf-8"?>
+<a:theme xmlns:a="http://schemas.openxmlformats.org/drawingml/2006/main" name="Office Theme">
+  <a:themeElements>
+    <a:clrScheme name="Office">
+      <a:dk1>
+        <a:sysClr val="windowText" lastClr="000000"/>
+      </a:dk1>
+      <a:lt1>
+        <a:sysClr val="window" lastClr="FFFFFF"/>
+      </a:lt1>
+      <a:dk2>
+        <a:srgbClr val="44546A"/>
+      </a:dk2>
+      <a:lt2>
+        <a:srgbClr val="E7E6E6"/>
+      </a:lt2>
+      <a:accent1>
+        <a:srgbClr val="4472C4"/>
+      </a:accent1>
+      <a:accent2>
+        <a:srgbClr val="ED7D31"/>
+      </a:accent2>
+      <a:accent3>
+        <a:srgbClr val="A5A5A5"/>
+      </a:accent3>
+      <a:accent4>
+        <a:srgbClr val="FFC000"/>
+      </a:accent4>
+      <a:accent5>
+        <a:srgbClr val="5B9BD5"/>
+      </a:accent5>
+      <a:accent6>
+        <a:srgbClr val="70AD47"/>
+      </a:accent6>
+      <a:hlink>
+        <a:srgbClr val="0563C1"/>
+      </a:hlink>
+      <a:folHlink>
+        <a:srgbClr val="954F72"/>
+      </a:folHlink>
+    </a:clrScheme>
+    <a:fontScheme name="Office">
+      <a:majorFont>
+        <a:latin typeface="Calibri Light" panose="020F0302020204030204"/>
+        <a:ea typeface=""/>
+        <a:cs typeface=""/>
+        <a:font script="Jpan" typeface="游ゴシック Light"/>
+        <a:font script="Hang" typeface="맑은 고딕"/>
+        <a:font script="Hans" typeface="等线 Light"/>
+        <a:font script="Hant" typeface="新細明體"/>
+        <a:font script="Arab" typeface="Times New Roman"/>
+        <a:font script="Hebr" typeface="Times New Roman"/>
+        <a:font script="Thai" typeface="Angsana New"/>
+        <a:font script="Ethi" typeface="Nyala"/>
+        <a:font script="Beng" typeface="Vrinda"/>
+        <a:font script="Gujr" typeface="Shruti"/>
+        <a:font script="Khmr" typeface="MoolBoran"/>
+        <a:font script="Knda" typeface="Tunga"/>
+        <a:font script="Guru" typeface="Raavi"/>
+        <a:font script="Cans" typeface="Euphemia"/>
+        <a:font script="Cher" typeface="Plantagenet Cherokee"/>
+        <a:font script="Yiii" typeface="Microsoft Yi Baiti"/>
+        <a:font script="Tibt" typeface="Microsoft Himalaya"/>
+        <a:font script="Thaa" typeface="MV Boli"/>
+        <a:font script="Deva" typeface="Mangal"/>
+        <a:font script="Telu" typeface="Gautami"/>
+        <a:font script="Taml" typeface="Latha"/>
+        <a:font script="Syrc" typeface="Estrangelo Edessa"/>
+        <a:font script="Orya" typeface="Kalinga"/>
+        <a:font script="Mlym" typeface="Kartika"/>
+        <a:font script="Laoo" typeface="DokChampa"/>
+        <a:font script="Sinh" typeface="Iskoola Pota"/>
+        <a:font script="Mong" typeface="Mongolian Baiti"/>
+        <a:font script="Viet" typeface="Times New Roman"/>
+        <a:font script="Uigh" typeface="Microsoft Uighur"/>
+        <a:font script="Geor" typeface="Sylfaen"/>
+        <a:font script="Armn" typeface="Arial"/>
+        <a:font script="Bugi" typeface="Leelawadee UI"/>
+        <a:font script="Bopo" typeface="Microsoft JhengHei"/>
+        <a:font script="Java" typeface="Javanese Text"/>
+        <a:font script="Lisu" typeface="Segoe UI"/>
+        <a:font script="Mymr" typeface="Myanmar Text"/>
+        <a:font script="Nkoo" typeface="Ebrima"/>
+        <a:font script="Olck" typeface="Nirmala UI"/>
+        <a:font script="Osma" typeface="Ebrima"/>
+        <a:font script="Phag" typeface="Phagspa"/>
+        <a:font script="Syrn" typeface="Estrangelo Edessa"/>
+        <a:font script="Syrj" typeface="Estrangelo Edessa"/>
+        <a:font script="Syre" typeface="Estrangelo Edessa"/>
+        <a:font script="Sora" typeface="Nirmala UI"/>
+        <a:font script="Tale" typeface="Microsoft Tai Le"/>
+        <a:font script="Talu" typeface="Microsoft New Tai Lue"/>
+        <a:font script="Tfng" typeface="Ebrima"/>
+      </a:majorFont>
+      <a:minorFont>
+        <a:latin typeface="Calibri" panose="020F0502020204030204"/>
+        <a:ea typeface=""/>
+        <a:cs typeface=""/>
+        <a:font script="Jpan" typeface="游ゴシック"/>
+        <a:font script="Hang" typeface="맑은 고딕"/>
+        <a:font script="Hans" typeface="等线"/>
+        <a:font script="Hant" typeface="新細明體"/>
+        <a:font script="Arab" typeface="Arial"/>
+        <a:font script="Hebr" typeface="Arial"/>
+        <a:font script="Thai" typeface="Cordia New"/>
+        <a:font script="Ethi" typeface="Nyala"/>
+        <a:font script="Beng" typeface="Vrinda"/>
+        <a:font script="Gujr" typeface="Shruti"/>
+        <a:font script="Khmr" typeface="DaunPenh"/>
+        <a:font script="Knda" typeface="Tunga"/>
+        <a:font script="Guru" typeface="Raavi"/>
+        <a:font script="Cans" typeface="Euphemia"/>
+        <a:font script="Cher" typeface="Plantagenet Cherokee"/>
+        <a:font script="Yiii" typeface="Microsoft Yi Baiti"/>
+        <a:font script="Tibt" typeface="Microsoft Himalaya"/>
+        <a:font script="Thaa" typeface="MV Boli"/>
+        <a:font script="Deva" typeface="Mangal"/>
+        <a:font script="Telu" typeface="Gautami"/>
+        <a:font script="Taml" typeface="Latha"/>
+        <a:font script="Syrc" typeface="Estrangelo Edessa"/>
+        <a:font script="Orya" typeface="Kalinga"/>
+        <a:font script="Mlym" typeface="Kartika"/>
+        <a:font script="Laoo" typeface="DokChampa"/>
+        <a:font script="Sinh" typeface="Iskoola Pota"/>
+        <a:font script="Mong" typeface="Mongolian Baiti"/>
+        <a:font script="Viet" typeface="Arial"/>
+        <a:font script="Uigh" typeface="Microsoft Uighur"/>
+        <a:font script="Geor" typeface="Sylfaen"/>
+        <a:font script="Armn" typeface="Arial"/>
+        <a:font script="Bugi" typeface="Leelawadee UI"/>
+        <a:font script="Bopo" typeface="Microsoft JhengHei"/>
+        <a:font script="Java" typeface="Javanese Text"/>
+        <a:font script="Lisu" typeface="Segoe UI"/>
+        <a:font script="Mymr" typeface="Myanmar Text"/>
+        <a:font script="Nkoo" typeface="Ebrima"/>
+        <a:font script="Olck" typeface="Nirmala UI"/>
+        <a:font script="Osma" typeface="Ebrima"/>
+        <a:font script="Phag" typeface="Phagspa"/>
+        <a:font script="Syrn" typeface="Estrangelo Edessa"/>
+        <a:font script="Syrj" typeface="Estrangelo Edessa"/>
+        <a:font script="Syre" typeface="Estrangelo Edessa"/>
+        <a:font script="Sora" typeface="Nirmala UI"/>
+        <a:font script="Tale" typeface="Microsoft Tai Le"/>
+        <a:font script="Talu" typeface="Microsoft New Tai Lue"/>
+        <a:font script="Tfng" typeface="Ebrima"/>
+      </a:minorFont>
+    </a:fontScheme>
+    <a:fmtScheme name="Office">
+      <a:fillStyleLst>
+        <a:solidFill>
+          <a:schemeClr val="phClr"/>
+        </a:solidFill>
+        <a:gradFill rotWithShape="1">
+          <a:gsLst>
+            <a:gs pos="0">
+              <a:schemeClr val="phClr">
+                <a:lumMod val="110000"/>
+                <a:satMod val="105000"/>
+                <a:tint val="67000"/>
+              </a:schemeClr>
+            </a:gs>
+            <a:gs pos="50000">
+              <a:schemeClr val="phClr">
+                <a:lumMod val="105000"/>
+                <a:satMod val="103000"/>
+                <a:tint val="73000"/>
+              </a:schemeClr>
+            </a:gs>
+            <a:gs pos="100000">
+              <a:schemeClr val="phClr">
+                <a:lumMod val="105000"/>
+                <a:satMod val="109000"/>
+                <a:tint val="81000"/>
+              </a:schemeClr>
+            </a:gs>
+          </a:gsLst>
+          <a:lin ang="5400000" scaled="0"/>
+        </a:gradFill>
+        <a:gradFill rotWithShape="1">
+          <a:gsLst>
+            <a:gs pos="0">
+              <a:schemeClr val="phClr">
+                <a:satMod val="103000"/>
+                <a:lumMod val="102000"/>
+                <a:tint val="94000"/>
+              </a:schemeClr>
+            </a:gs>
+            <a:gs pos="50000">
+              <a:schemeClr val="phClr">
+                <a:satMod val="110000"/>
+                <a:lumMod val="100000"/>
+                <a:shade val="100000"/>
+              </a:schemeClr>
+            </a:gs>
+            <a:gs pos="100000">
+              <a:schemeClr val="phClr">
+                <a:lumMod val="99000"/>
+                <a:satMod val="120000"/>
+                <a:shade val="78000"/>
+              </a:schemeClr>
+            </a:gs>
+          </a:gsLst>
+          <a:lin ang="5400000" scaled="0"/>
+        </a:gradFill>
+      </a:fillStyleLst>
+      <a:lnStyleLst>
+        <a:ln w="6350" cap="flat" cmpd="sng" algn="ctr">
+          <a:solidFill>
+            <a:schemeClr val="phClr"/>
+          </a:solidFill>
+          <a:prstDash val="solid"/>
+          <a:miter lim="800000"/>
+        </a:ln>
+        <a:ln w="12700" cap="flat" cmpd="sng" algn="ctr">
+          <a:solidFill>
+            <a:schemeClr val="phClr"/>
+          </a:solidFill>
+          <a:prstDash val="solid"/>
+          <a:miter lim="800000"/>
+        </a:ln>
+        <a:ln w="19050" cap="flat" cmpd="sng" algn="ctr">
+          <a:solidFill>
+            <a:schemeClr val="phClr"/>
+          </a:solidFill>
+          <a:prstDash val="solid"/>
+          <a:miter lim="800000"/>
+        </a:ln>
+      </a:lnStyleLst>
+      <a:effectStyleLst>
+        <a:effectStyle>
+          <a:effectLst/>
+        </a:effectStyle>
+        <a:effectStyle>
+          <a:effectLst/>
+        </a:effectStyle>
+        <a:effectStyle>
+          <a:effectLst>
+            <a:outerShdw blurRad="57150" dist="19050" dir="5400000" algn="ctr" rotWithShape="0">
+              <a:srgbClr val="000000">
+                <a:alpha val="63000"/>
+              </a:srgbClr>
+            </a:outerShdw>
+          </a:effectLst>
+        </a:effectStyle>
+      </a:effectStyleLst>
+      <a:bgFillStyleLst>
+        <a:solidFill>
+          <a:schemeClr val="phClr"/>
+        </a:solidFill>
+        <a:solidFill>
+          <a:schemeClr val="phClr">
+            <a:tint val="95000"/>
+            <a:satMod val="170000"/>
+          </a:schemeClr>
+        </a:solidFill>
+        <a:gradFill rotWithShape="1">
+          <a:gsLst>
+            <a:gs pos="0">
+              <a:schemeClr val="phClr">
+                <a:tint val="93000"/>
+                <a:satMod val="150000"/>
+                <a:shade val="98000"/>
+                <a:lumMod val="102000"/>
+              </a:schemeClr>
+            </a:gs>
+            <a:gs pos="50000">
+              <a:schemeClr val="phClr">
+                <a:tint val="98000"/>
+                <a:satMod val="130000"/>
+                <a:shade val="90000"/>
+                <a:lumMod val="103000"/>
+              </a:schemeClr>
+            </a:gs>
+            <a:gs pos="100000">
+              <a:schemeClr val="phClr">
+                <a:shade val="63000"/>
+                <a:satMod val="120000"/>
+              </a:schemeClr>
+            </a:gs>
+          </a:gsLst>
+          <a:lin ang="5400000" scaled="0"/>
+        </a:gradFill>
+      </a:bgFillStyleLst>
+    </a:fmtScheme>
+  </a:themeElements>
+  <a:objectDefaults/>
+  <a:extraClrSchemeLst/>
+  <a:extLst>
+    <a:ext uri="{05A4C25C-085E-4340-85A3-A5531E510DB2}">
+      <thm15:themeFamily xmlns:thm15="http://schemas.microsoft.com/office/thememl/2012/main" name="Office Theme" id="{62F939B6-93AF-4DB8-9C6B-D6C7DFDC589F}" vid="{4A3C46E8-61CC-4603-A589-7422A47A8E4A}"/>
+    </a:ext>
+  </a:extLst>
+</a:theme>
 </file>